--- a/linear regression/used_cellphone_presentation.pptx
+++ b/linear regression/used_cellphone_presentation.pptx
@@ -5,7 +5,7 @@
     <p:sldMasterId id="2147483648" r:id="rId1"/>
   </p:sldMasterIdLst>
   <p:notesMasterIdLst>
-    <p:notesMasterId r:id="rId22"/>
+    <p:notesMasterId r:id="rId24"/>
   </p:notesMasterIdLst>
   <p:sldIdLst>
     <p:sldId id="256" r:id="rId2"/>
@@ -13,69 +13,63 @@
     <p:sldId id="258" r:id="rId4"/>
     <p:sldId id="259" r:id="rId5"/>
     <p:sldId id="260" r:id="rId6"/>
-    <p:sldId id="264" r:id="rId7"/>
-    <p:sldId id="265" r:id="rId8"/>
-    <p:sldId id="266" r:id="rId9"/>
-    <p:sldId id="267" r:id="rId10"/>
-    <p:sldId id="268" r:id="rId11"/>
-    <p:sldId id="269" r:id="rId12"/>
-    <p:sldId id="270" r:id="rId13"/>
-    <p:sldId id="271" r:id="rId14"/>
-    <p:sldId id="272" r:id="rId15"/>
-    <p:sldId id="261" r:id="rId16"/>
-    <p:sldId id="273" r:id="rId17"/>
-    <p:sldId id="274" r:id="rId18"/>
-    <p:sldId id="262" r:id="rId19"/>
-    <p:sldId id="275" r:id="rId20"/>
-    <p:sldId id="263" r:id="rId21"/>
+    <p:sldId id="265" r:id="rId7"/>
+    <p:sldId id="266" r:id="rId8"/>
+    <p:sldId id="267" r:id="rId9"/>
+    <p:sldId id="268" r:id="rId10"/>
+    <p:sldId id="269" r:id="rId11"/>
+    <p:sldId id="270" r:id="rId12"/>
+    <p:sldId id="271" r:id="rId13"/>
+    <p:sldId id="272" r:id="rId14"/>
+    <p:sldId id="261" r:id="rId15"/>
+    <p:sldId id="273" r:id="rId16"/>
+    <p:sldId id="274" r:id="rId17"/>
+    <p:sldId id="262" r:id="rId18"/>
+    <p:sldId id="276" r:id="rId19"/>
+    <p:sldId id="277" r:id="rId20"/>
+    <p:sldId id="278" r:id="rId21"/>
+    <p:sldId id="275" r:id="rId22"/>
+    <p:sldId id="263" r:id="rId23"/>
   </p:sldIdLst>
   <p:sldSz cx="9144000" cy="5143500" type="screen16x9"/>
   <p:notesSz cx="6858000" cy="9144000"/>
   <p:embeddedFontLst>
     <p:embeddedFont>
+      <p:font typeface="Abadi" panose="020B0604020104020204" pitchFamily="34" charset="0"/>
+      <p:regular r:id="rId25"/>
+    </p:embeddedFont>
+    <p:embeddedFont>
       <p:font typeface="Calibri" panose="020F0502020204030204" pitchFamily="34" charset="0"/>
-      <p:regular r:id="rId23"/>
-      <p:bold r:id="rId24"/>
-      <p:italic r:id="rId25"/>
-      <p:boldItalic r:id="rId26"/>
+      <p:regular r:id="rId26"/>
+      <p:bold r:id="rId27"/>
+      <p:italic r:id="rId28"/>
+      <p:boldItalic r:id="rId29"/>
     </p:embeddedFont>
     <p:embeddedFont>
       <p:font typeface="Daytona" panose="020B0604030500040204" pitchFamily="34" charset="0"/>
-      <p:regular r:id="rId27"/>
-      <p:bold r:id="rId28"/>
-      <p:italic r:id="rId29"/>
-      <p:boldItalic r:id="rId30"/>
-    </p:embeddedFont>
-    <p:embeddedFont>
-      <p:font typeface="lato" panose="020F0502020204030203" pitchFamily="34" charset="0"/>
-      <p:regular r:id="rId31"/>
-      <p:bold r:id="rId32"/>
-      <p:italic r:id="rId33"/>
-      <p:boldItalic r:id="rId34"/>
+      <p:regular r:id="rId30"/>
+      <p:bold r:id="rId31"/>
+      <p:italic r:id="rId32"/>
+      <p:boldItalic r:id="rId33"/>
     </p:embeddedFont>
     <p:embeddedFont>
       <p:font typeface="Nunito" pitchFamily="2" charset="0"/>
-      <p:regular r:id="rId35"/>
-      <p:bold r:id="rId36"/>
-      <p:italic r:id="rId37"/>
-      <p:boldItalic r:id="rId38"/>
+      <p:regular r:id="rId34"/>
+      <p:bold r:id="rId35"/>
+      <p:italic r:id="rId36"/>
+      <p:boldItalic r:id="rId37"/>
     </p:embeddedFont>
     <p:embeddedFont>
       <p:font typeface="Nunito ExtraBold" pitchFamily="2" charset="0"/>
-      <p:bold r:id="rId39"/>
-      <p:boldItalic r:id="rId40"/>
+      <p:bold r:id="rId38"/>
+      <p:boldItalic r:id="rId39"/>
     </p:embeddedFont>
     <p:embeddedFont>
       <p:font typeface="Nunito SemiBold" pitchFamily="2" charset="0"/>
-      <p:regular r:id="rId41"/>
-      <p:bold r:id="rId42"/>
-      <p:italic r:id="rId43"/>
-      <p:boldItalic r:id="rId44"/>
-    </p:embeddedFont>
-    <p:embeddedFont>
-      <p:font typeface="Verdana Pro Cond SemiBold" panose="020B0706030504040204" pitchFamily="34" charset="0"/>
-      <p:bold r:id="rId45"/>
-      <p:boldItalic r:id="rId46"/>
+      <p:regular r:id="rId40"/>
+      <p:bold r:id="rId41"/>
+      <p:italic r:id="rId42"/>
+      <p:boldItalic r:id="rId43"/>
     </p:embeddedFont>
   </p:embeddedFontLst>
   <p:defaultTextStyle>
@@ -323,7 +317,7 @@
       </p15:sldGuideLst>
     </p:ext>
     <p:ext uri="http://customooxmlschemas.google.com/">
-      <go:slidesCustomData xmlns="" xmlns:mc="http://schemas.openxmlformats.org/markup-compatibility/2006" xmlns:mv="urn:schemas-microsoft-com:mac:vml" xmlns:c="http://schemas.openxmlformats.org/drawingml/2006/chart" xmlns:dgm="http://schemas.openxmlformats.org/drawingml/2006/diagram" xmlns:o="urn:schemas-microsoft-com:office:office" xmlns:v="urn:schemas-microsoft-com:vml" xmlns:pvml="urn:schemas-microsoft-com:office:powerpoint" xmlns:com="http://schemas.openxmlformats.org/drawingml/2006/compatibility" xmlns:p14="http://schemas.microsoft.com/office/powerpoint/2010/main" xmlns:p15="http://schemas.microsoft.com/office/powerpoint/2012/main" xmlns:ahyp="http://schemas.microsoft.com/office/drawing/2018/hyperlinkcolor" xmlns:go="http://customooxmlschemas.google.com/" r:id="rId47" roundtripDataSignature="AMtx7mjCPtSR2+SO+DPeHXLL5JrxiTpRnQ=="/>
+      <go:slidesCustomData xmlns:go="http://customooxmlschemas.google.com/" xmlns:ahyp="http://schemas.microsoft.com/office/drawing/2018/hyperlinkcolor" xmlns:p15="http://schemas.microsoft.com/office/powerpoint/2012/main" xmlns:p14="http://schemas.microsoft.com/office/powerpoint/2010/main" xmlns:com="http://schemas.openxmlformats.org/drawingml/2006/compatibility" xmlns:pvml="urn:schemas-microsoft-com:office:powerpoint" xmlns:v="urn:schemas-microsoft-com:vml" xmlns:o="urn:schemas-microsoft-com:office:office" xmlns:dgm="http://schemas.openxmlformats.org/drawingml/2006/diagram" xmlns:c="http://schemas.openxmlformats.org/drawingml/2006/chart" xmlns:mv="urn:schemas-microsoft-com:mac:vml" xmlns:mc="http://schemas.openxmlformats.org/markup-compatibility/2006" xmlns="" r:id="rId47" roundtripDataSignature="AMtx7mjCPtSR2+SO+DPeHXLL5JrxiTpRnQ=="/>
     </p:ext>
   </p:extLst>
 </p:presentation>
@@ -332,7 +326,7 @@
 <file path=ppt/revisionInfo.xml><?xml version="1.0" encoding="utf-8"?>
 <p1510:revInfo xmlns:a="http://schemas.openxmlformats.org/drawingml/2006/main" xmlns:r="http://schemas.openxmlformats.org/officeDocument/2006/relationships" xmlns:p1510="http://schemas.microsoft.com/office/powerpoint/2015/10/main">
   <p1510:revLst>
-    <p1510:client id="{EA01B06F-E623-4162-A1B0-63037E37A212}" v="46" dt="2021-10-25T23:04:31.816"/>
+    <p1510:client id="{EA01B06F-E623-4162-A1B0-63037E37A212}" v="66" dt="2023-06-13T16:39:45.223"/>
   </p1510:revLst>
 </p1510:revInfo>
 </file>
@@ -342,18 +336,18 @@
   <pc:docChgLst>
     <pc:chgData name="Narges Shahmohamadi" userId="5feb95dd25bf0cc3" providerId="LiveId" clId="{EA01B06F-E623-4162-A1B0-63037E37A212}"/>
     <pc:docChg chg="undo redo custSel addSld delSld modSld">
-      <pc:chgData name="Narges Shahmohamadi" userId="5feb95dd25bf0cc3" providerId="LiveId" clId="{EA01B06F-E623-4162-A1B0-63037E37A212}" dt="2022-01-10T16:52:42.638" v="2087" actId="33524"/>
+      <pc:chgData name="Narges Shahmohamadi" userId="5feb95dd25bf0cc3" providerId="LiveId" clId="{EA01B06F-E623-4162-A1B0-63037E37A212}" dt="2023-06-13T16:40:26.793" v="2624" actId="14100"/>
       <pc:docMkLst>
         <pc:docMk/>
       </pc:docMkLst>
       <pc:sldChg chg="addSp modSp mod modClrScheme chgLayout">
-        <pc:chgData name="Narges Shahmohamadi" userId="5feb95dd25bf0cc3" providerId="LiveId" clId="{EA01B06F-E623-4162-A1B0-63037E37A212}" dt="2021-08-18T20:50:25.065" v="2035"/>
+        <pc:chgData name="Narges Shahmohamadi" userId="5feb95dd25bf0cc3" providerId="LiveId" clId="{EA01B06F-E623-4162-A1B0-63037E37A212}" dt="2023-06-13T16:32:15.066" v="2593" actId="2711"/>
         <pc:sldMkLst>
           <pc:docMk/>
           <pc:sldMk cId="0" sldId="257"/>
         </pc:sldMkLst>
         <pc:spChg chg="add mod">
-          <ac:chgData name="Narges Shahmohamadi" userId="5feb95dd25bf0cc3" providerId="LiveId" clId="{EA01B06F-E623-4162-A1B0-63037E37A212}" dt="2021-08-18T20:50:25.065" v="2035"/>
+          <ac:chgData name="Narges Shahmohamadi" userId="5feb95dd25bf0cc3" providerId="LiveId" clId="{EA01B06F-E623-4162-A1B0-63037E37A212}" dt="2023-06-13T16:32:15.066" v="2593" actId="2711"/>
           <ac:spMkLst>
             <pc:docMk/>
             <pc:sldMk cId="0" sldId="257"/>
@@ -370,13 +364,13 @@
         </pc:spChg>
       </pc:sldChg>
       <pc:sldChg chg="modSp mod">
-        <pc:chgData name="Narges Shahmohamadi" userId="5feb95dd25bf0cc3" providerId="LiveId" clId="{EA01B06F-E623-4162-A1B0-63037E37A212}" dt="2021-08-17T00:16:36.576" v="524" actId="1076"/>
+        <pc:chgData name="Narges Shahmohamadi" userId="5feb95dd25bf0cc3" providerId="LiveId" clId="{EA01B06F-E623-4162-A1B0-63037E37A212}" dt="2023-06-13T16:32:21.102" v="2594" actId="403"/>
         <pc:sldMkLst>
           <pc:docMk/>
           <pc:sldMk cId="0" sldId="258"/>
         </pc:sldMkLst>
         <pc:spChg chg="mod">
-          <ac:chgData name="Narges Shahmohamadi" userId="5feb95dd25bf0cc3" providerId="LiveId" clId="{EA01B06F-E623-4162-A1B0-63037E37A212}" dt="2021-08-17T00:16:36.576" v="524" actId="1076"/>
+          <ac:chgData name="Narges Shahmohamadi" userId="5feb95dd25bf0cc3" providerId="LiveId" clId="{EA01B06F-E623-4162-A1B0-63037E37A212}" dt="2023-06-13T16:32:21.102" v="2594" actId="403"/>
           <ac:spMkLst>
             <pc:docMk/>
             <pc:sldMk cId="0" sldId="258"/>
@@ -385,7 +379,7 @@
         </pc:spChg>
       </pc:sldChg>
       <pc:sldChg chg="addSp delSp modSp mod">
-        <pc:chgData name="Narges Shahmohamadi" userId="5feb95dd25bf0cc3" providerId="LiveId" clId="{EA01B06F-E623-4162-A1B0-63037E37A212}" dt="2021-08-18T20:45:22.942" v="2026" actId="14100"/>
+        <pc:chgData name="Narges Shahmohamadi" userId="5feb95dd25bf0cc3" providerId="LiveId" clId="{EA01B06F-E623-4162-A1B0-63037E37A212}" dt="2023-06-13T16:33:18.272" v="2602" actId="14100"/>
         <pc:sldMkLst>
           <pc:docMk/>
           <pc:sldMk cId="0" sldId="259"/>
@@ -431,7 +425,7 @@
           </ac:spMkLst>
         </pc:spChg>
         <pc:spChg chg="add mod">
-          <ac:chgData name="Narges Shahmohamadi" userId="5feb95dd25bf0cc3" providerId="LiveId" clId="{EA01B06F-E623-4162-A1B0-63037E37A212}" dt="2021-08-17T00:36:13.485" v="1149" actId="1076"/>
+          <ac:chgData name="Narges Shahmohamadi" userId="5feb95dd25bf0cc3" providerId="LiveId" clId="{EA01B06F-E623-4162-A1B0-63037E37A212}" dt="2023-06-13T16:32:55.256" v="2595" actId="20577"/>
           <ac:spMkLst>
             <pc:docMk/>
             <pc:sldMk cId="0" sldId="259"/>
@@ -447,7 +441,7 @@
           </ac:spMkLst>
         </pc:spChg>
         <pc:spChg chg="mod">
-          <ac:chgData name="Narges Shahmohamadi" userId="5feb95dd25bf0cc3" providerId="LiveId" clId="{EA01B06F-E623-4162-A1B0-63037E37A212}" dt="2021-08-18T20:45:22.942" v="2026" actId="14100"/>
+          <ac:chgData name="Narges Shahmohamadi" userId="5feb95dd25bf0cc3" providerId="LiveId" clId="{EA01B06F-E623-4162-A1B0-63037E37A212}" dt="2023-06-13T16:33:13.392" v="2600" actId="1076"/>
           <ac:spMkLst>
             <pc:docMk/>
             <pc:sldMk cId="0" sldId="259"/>
@@ -463,7 +457,7 @@
           </ac:picMkLst>
         </pc:picChg>
         <pc:picChg chg="add mod">
-          <ac:chgData name="Narges Shahmohamadi" userId="5feb95dd25bf0cc3" providerId="LiveId" clId="{EA01B06F-E623-4162-A1B0-63037E37A212}" dt="2021-08-18T20:43:54.264" v="1920" actId="14100"/>
+          <ac:chgData name="Narges Shahmohamadi" userId="5feb95dd25bf0cc3" providerId="LiveId" clId="{EA01B06F-E623-4162-A1B0-63037E37A212}" dt="2023-06-13T16:33:18.272" v="2602" actId="14100"/>
           <ac:picMkLst>
             <pc:docMk/>
             <pc:sldMk cId="0" sldId="259"/>
@@ -472,13 +466,13 @@
         </pc:picChg>
       </pc:sldChg>
       <pc:sldChg chg="addSp delSp modSp mod">
-        <pc:chgData name="Narges Shahmohamadi" userId="5feb95dd25bf0cc3" providerId="LiveId" clId="{EA01B06F-E623-4162-A1B0-63037E37A212}" dt="2021-08-17T00:26:55.595" v="752" actId="1076"/>
+        <pc:chgData name="Narges Shahmohamadi" userId="5feb95dd25bf0cc3" providerId="LiveId" clId="{EA01B06F-E623-4162-A1B0-63037E37A212}" dt="2023-06-13T16:40:26.793" v="2624" actId="14100"/>
         <pc:sldMkLst>
           <pc:docMk/>
           <pc:sldMk cId="0" sldId="260"/>
         </pc:sldMkLst>
         <pc:spChg chg="add del mod">
-          <ac:chgData name="Narges Shahmohamadi" userId="5feb95dd25bf0cc3" providerId="LiveId" clId="{EA01B06F-E623-4162-A1B0-63037E37A212}" dt="2021-08-17T00:26:55.595" v="752" actId="1076"/>
+          <ac:chgData name="Narges Shahmohamadi" userId="5feb95dd25bf0cc3" providerId="LiveId" clId="{EA01B06F-E623-4162-A1B0-63037E37A212}" dt="2023-06-13T16:39:56.273" v="2618" actId="33524"/>
           <ac:spMkLst>
             <pc:docMk/>
             <pc:sldMk cId="0" sldId="260"/>
@@ -502,7 +496,15 @@
           </ac:spMkLst>
         </pc:spChg>
         <pc:picChg chg="add mod">
-          <ac:chgData name="Narges Shahmohamadi" userId="5feb95dd25bf0cc3" providerId="LiveId" clId="{EA01B06F-E623-4162-A1B0-63037E37A212}" dt="2021-08-17T00:23:49.252" v="567" actId="14100"/>
+          <ac:chgData name="Narges Shahmohamadi" userId="5feb95dd25bf0cc3" providerId="LiveId" clId="{EA01B06F-E623-4162-A1B0-63037E37A212}" dt="2023-06-13T16:40:26.793" v="2624" actId="14100"/>
+          <ac:picMkLst>
+            <pc:docMk/>
+            <pc:sldMk cId="0" sldId="260"/>
+            <ac:picMk id="2" creationId="{7E303305-5047-508B-A58E-6B07AA497426}"/>
+          </ac:picMkLst>
+        </pc:picChg>
+        <pc:picChg chg="add mod">
+          <ac:chgData name="Narges Shahmohamadi" userId="5feb95dd25bf0cc3" providerId="LiveId" clId="{EA01B06F-E623-4162-A1B0-63037E37A212}" dt="2023-06-13T16:40:19.376" v="2623" actId="1076"/>
           <ac:picMkLst>
             <pc:docMk/>
             <pc:sldMk cId="0" sldId="260"/>
@@ -533,23 +535,47 @@
           </ac:spMkLst>
         </pc:spChg>
       </pc:sldChg>
-      <pc:sldChg chg="modSp mod modNotes">
-        <pc:chgData name="Narges Shahmohamadi" userId="5feb95dd25bf0cc3" providerId="LiveId" clId="{EA01B06F-E623-4162-A1B0-63037E37A212}" dt="2021-10-25T23:04:52.186" v="2072" actId="20577"/>
+      <pc:sldChg chg="addSp modSp mod modNotes">
+        <pc:chgData name="Narges Shahmohamadi" userId="5feb95dd25bf0cc3" providerId="LiveId" clId="{EA01B06F-E623-4162-A1B0-63037E37A212}" dt="2023-06-12T20:51:33.910" v="2548" actId="14100"/>
         <pc:sldMkLst>
           <pc:docMk/>
           <pc:sldMk cId="0" sldId="262"/>
         </pc:sldMkLst>
         <pc:spChg chg="mod">
-          <ac:chgData name="Narges Shahmohamadi" userId="5feb95dd25bf0cc3" providerId="LiveId" clId="{EA01B06F-E623-4162-A1B0-63037E37A212}" dt="2021-10-25T23:04:52.186" v="2072" actId="20577"/>
+          <ac:chgData name="Narges Shahmohamadi" userId="5feb95dd25bf0cc3" providerId="LiveId" clId="{EA01B06F-E623-4162-A1B0-63037E37A212}" dt="2023-06-12T20:26:13.598" v="2115"/>
+          <ac:spMkLst>
+            <pc:docMk/>
+            <pc:sldMk cId="0" sldId="262"/>
+            <ac:spMk id="91" creationId="{00000000-0000-0000-0000-000000000000}"/>
+          </ac:spMkLst>
+        </pc:spChg>
+        <pc:spChg chg="mod">
+          <ac:chgData name="Narges Shahmohamadi" userId="5feb95dd25bf0cc3" providerId="LiveId" clId="{EA01B06F-E623-4162-A1B0-63037E37A212}" dt="2023-06-12T20:51:33.910" v="2548" actId="14100"/>
           <ac:spMkLst>
             <pc:docMk/>
             <pc:sldMk cId="0" sldId="262"/>
             <ac:spMk id="92" creationId="{00000000-0000-0000-0000-000000000000}"/>
           </ac:spMkLst>
         </pc:spChg>
+        <pc:picChg chg="add mod">
+          <ac:chgData name="Narges Shahmohamadi" userId="5feb95dd25bf0cc3" providerId="LiveId" clId="{EA01B06F-E623-4162-A1B0-63037E37A212}" dt="2023-06-12T20:28:03.505" v="2140" actId="1076"/>
+          <ac:picMkLst>
+            <pc:docMk/>
+            <pc:sldMk cId="0" sldId="262"/>
+            <ac:picMk id="3" creationId="{33EBB1F7-E9E1-413B-2F0F-5A5A69A69A7B}"/>
+          </ac:picMkLst>
+        </pc:picChg>
+        <pc:picChg chg="add mod">
+          <ac:chgData name="Narges Shahmohamadi" userId="5feb95dd25bf0cc3" providerId="LiveId" clId="{EA01B06F-E623-4162-A1B0-63037E37A212}" dt="2023-06-12T20:28:19.709" v="2146" actId="1076"/>
+          <ac:picMkLst>
+            <pc:docMk/>
+            <pc:sldMk cId="0" sldId="262"/>
+            <ac:picMk id="5" creationId="{FE13DBF5-9DAF-C377-E5CE-E13D2DE492F4}"/>
+          </ac:picMkLst>
+        </pc:picChg>
       </pc:sldChg>
-      <pc:sldChg chg="addSp delSp modSp new mod">
-        <pc:chgData name="Narges Shahmohamadi" userId="5feb95dd25bf0cc3" providerId="LiveId" clId="{EA01B06F-E623-4162-A1B0-63037E37A212}" dt="2021-08-18T20:46:16.167" v="2031" actId="14100"/>
+      <pc:sldChg chg="addSp delSp modSp new del mod">
+        <pc:chgData name="Narges Shahmohamadi" userId="5feb95dd25bf0cc3" providerId="LiveId" clId="{EA01B06F-E623-4162-A1B0-63037E37A212}" dt="2023-06-13T16:40:06.211" v="2620" actId="2696"/>
         <pc:sldMkLst>
           <pc:docMk/>
           <pc:sldMk cId="2531763831" sldId="264"/>
@@ -563,7 +589,7 @@
           </ac:spMkLst>
         </pc:spChg>
         <pc:spChg chg="mod">
-          <ac:chgData name="Narges Shahmohamadi" userId="5feb95dd25bf0cc3" providerId="LiveId" clId="{EA01B06F-E623-4162-A1B0-63037E37A212}" dt="2021-08-18T20:46:16.167" v="2031" actId="14100"/>
+          <ac:chgData name="Narges Shahmohamadi" userId="5feb95dd25bf0cc3" providerId="LiveId" clId="{EA01B06F-E623-4162-A1B0-63037E37A212}" dt="2023-06-13T16:39:15.620" v="2604" actId="1076"/>
           <ac:spMkLst>
             <pc:docMk/>
             <pc:sldMk cId="2531763831" sldId="264"/>
@@ -578,8 +604,8 @@
             <ac:spMk id="4" creationId="{FBA8991D-9CD4-4E09-AB8D-1F3493EE43D9}"/>
           </ac:spMkLst>
         </pc:spChg>
-        <pc:picChg chg="add mod">
-          <ac:chgData name="Narges Shahmohamadi" userId="5feb95dd25bf0cc3" providerId="LiveId" clId="{EA01B06F-E623-4162-A1B0-63037E37A212}" dt="2021-08-17T00:28:20.892" v="765" actId="1076"/>
+        <pc:picChg chg="add del mod">
+          <ac:chgData name="Narges Shahmohamadi" userId="5feb95dd25bf0cc3" providerId="LiveId" clId="{EA01B06F-E623-4162-A1B0-63037E37A212}" dt="2023-06-13T16:39:42.571" v="2611" actId="21"/>
           <ac:picMkLst>
             <pc:docMk/>
             <pc:sldMk cId="2531763831" sldId="264"/>
@@ -627,7 +653,7 @@
         </pc:picChg>
       </pc:sldChg>
       <pc:sldChg chg="addSp delSp modSp new mod">
-        <pc:chgData name="Narges Shahmohamadi" userId="5feb95dd25bf0cc3" providerId="LiveId" clId="{EA01B06F-E623-4162-A1B0-63037E37A212}" dt="2021-08-18T20:46:49.236" v="2032" actId="33524"/>
+        <pc:chgData name="Narges Shahmohamadi" userId="5feb95dd25bf0cc3" providerId="LiveId" clId="{EA01B06F-E623-4162-A1B0-63037E37A212}" dt="2023-06-12T20:00:00.773" v="2089"/>
         <pc:sldMkLst>
           <pc:docMk/>
           <pc:sldMk cId="2910335185" sldId="266"/>
@@ -641,7 +667,7 @@
           </ac:spMkLst>
         </pc:spChg>
         <pc:spChg chg="mod">
-          <ac:chgData name="Narges Shahmohamadi" userId="5feb95dd25bf0cc3" providerId="LiveId" clId="{EA01B06F-E623-4162-A1B0-63037E37A212}" dt="2021-08-18T20:46:49.236" v="2032" actId="33524"/>
+          <ac:chgData name="Narges Shahmohamadi" userId="5feb95dd25bf0cc3" providerId="LiveId" clId="{EA01B06F-E623-4162-A1B0-63037E37A212}" dt="2023-06-12T20:00:00.773" v="2089"/>
           <ac:spMkLst>
             <pc:docMk/>
             <pc:sldMk cId="2910335185" sldId="266"/>
@@ -932,13 +958,13 @@
         </pc:picChg>
       </pc:sldChg>
       <pc:sldChg chg="addSp delSp modSp new mod">
-        <pc:chgData name="Narges Shahmohamadi" userId="5feb95dd25bf0cc3" providerId="LiveId" clId="{EA01B06F-E623-4162-A1B0-63037E37A212}" dt="2021-08-18T16:51:54.789" v="1914" actId="20577"/>
+        <pc:chgData name="Narges Shahmohamadi" userId="5feb95dd25bf0cc3" providerId="LiveId" clId="{EA01B06F-E623-4162-A1B0-63037E37A212}" dt="2023-06-13T14:31:59.084" v="2564" actId="20577"/>
         <pc:sldMkLst>
           <pc:docMk/>
           <pc:sldMk cId="1924667154" sldId="273"/>
         </pc:sldMkLst>
         <pc:spChg chg="mod">
-          <ac:chgData name="Narges Shahmohamadi" userId="5feb95dd25bf0cc3" providerId="LiveId" clId="{EA01B06F-E623-4162-A1B0-63037E37A212}" dt="2021-08-18T14:50:57.589" v="1710"/>
+          <ac:chgData name="Narges Shahmohamadi" userId="5feb95dd25bf0cc3" providerId="LiveId" clId="{EA01B06F-E623-4162-A1B0-63037E37A212}" dt="2023-06-13T14:31:59.084" v="2564" actId="20577"/>
           <ac:spMkLst>
             <pc:docMk/>
             <pc:sldMk cId="1924667154" sldId="273"/>
@@ -1077,6 +1103,139 @@
             <ac:spMk id="3" creationId="{0D1B8D79-BE45-4D56-84E8-52BF8B1D897F}"/>
           </ac:spMkLst>
         </pc:spChg>
+      </pc:sldChg>
+      <pc:sldChg chg="addSp modSp new mod">
+        <pc:chgData name="Narges Shahmohamadi" userId="5feb95dd25bf0cc3" providerId="LiveId" clId="{EA01B06F-E623-4162-A1B0-63037E37A212}" dt="2023-06-12T20:39:05.025" v="2278" actId="20577"/>
+        <pc:sldMkLst>
+          <pc:docMk/>
+          <pc:sldMk cId="3181767334" sldId="276"/>
+        </pc:sldMkLst>
+        <pc:spChg chg="mod">
+          <ac:chgData name="Narges Shahmohamadi" userId="5feb95dd25bf0cc3" providerId="LiveId" clId="{EA01B06F-E623-4162-A1B0-63037E37A212}" dt="2023-06-12T20:34:04.018" v="2209"/>
+          <ac:spMkLst>
+            <pc:docMk/>
+            <pc:sldMk cId="3181767334" sldId="276"/>
+            <ac:spMk id="2" creationId="{B3455901-A65A-0856-79CE-86B6EF76BCA3}"/>
+          </ac:spMkLst>
+        </pc:spChg>
+        <pc:spChg chg="mod">
+          <ac:chgData name="Narges Shahmohamadi" userId="5feb95dd25bf0cc3" providerId="LiveId" clId="{EA01B06F-E623-4162-A1B0-63037E37A212}" dt="2023-06-12T20:39:05.025" v="2278" actId="20577"/>
+          <ac:spMkLst>
+            <pc:docMk/>
+            <pc:sldMk cId="3181767334" sldId="276"/>
+            <ac:spMk id="3" creationId="{1600CAC5-BA1A-8331-53F9-8D734D340120}"/>
+          </ac:spMkLst>
+        </pc:spChg>
+        <pc:spChg chg="add mod">
+          <ac:chgData name="Narges Shahmohamadi" userId="5feb95dd25bf0cc3" providerId="LiveId" clId="{EA01B06F-E623-4162-A1B0-63037E37A212}" dt="2023-06-12T20:36:54.586" v="2265" actId="1076"/>
+          <ac:spMkLst>
+            <pc:docMk/>
+            <pc:sldMk cId="3181767334" sldId="276"/>
+            <ac:spMk id="7" creationId="{94596FC3-D12F-DD72-02C1-AE85E3F6ECCC}"/>
+          </ac:spMkLst>
+        </pc:spChg>
+        <pc:picChg chg="add mod">
+          <ac:chgData name="Narges Shahmohamadi" userId="5feb95dd25bf0cc3" providerId="LiveId" clId="{EA01B06F-E623-4162-A1B0-63037E37A212}" dt="2023-06-12T20:33:04.941" v="2197" actId="1076"/>
+          <ac:picMkLst>
+            <pc:docMk/>
+            <pc:sldMk cId="3181767334" sldId="276"/>
+            <ac:picMk id="5" creationId="{30FDAC34-95E5-6EFD-36B0-4EE72683122A}"/>
+          </ac:picMkLst>
+        </pc:picChg>
+      </pc:sldChg>
+      <pc:sldChg chg="addSp modSp new mod">
+        <pc:chgData name="Narges Shahmohamadi" userId="5feb95dd25bf0cc3" providerId="LiveId" clId="{EA01B06F-E623-4162-A1B0-63037E37A212}" dt="2023-06-12T20:39:08.690" v="2279" actId="20577"/>
+        <pc:sldMkLst>
+          <pc:docMk/>
+          <pc:sldMk cId="2214483153" sldId="277"/>
+        </pc:sldMkLst>
+        <pc:spChg chg="mod">
+          <ac:chgData name="Narges Shahmohamadi" userId="5feb95dd25bf0cc3" providerId="LiveId" clId="{EA01B06F-E623-4162-A1B0-63037E37A212}" dt="2023-06-12T20:34:08.302" v="2210"/>
+          <ac:spMkLst>
+            <pc:docMk/>
+            <pc:sldMk cId="2214483153" sldId="277"/>
+            <ac:spMk id="2" creationId="{46841FC4-45B9-8B32-32B5-E1B5E7AC4F65}"/>
+          </ac:spMkLst>
+        </pc:spChg>
+        <pc:spChg chg="mod">
+          <ac:chgData name="Narges Shahmohamadi" userId="5feb95dd25bf0cc3" providerId="LiveId" clId="{EA01B06F-E623-4162-A1B0-63037E37A212}" dt="2023-06-12T20:39:08.690" v="2279" actId="20577"/>
+          <ac:spMkLst>
+            <pc:docMk/>
+            <pc:sldMk cId="2214483153" sldId="277"/>
+            <ac:spMk id="3" creationId="{A7C22384-2D83-9765-75E0-2F0677EFEEE0}"/>
+          </ac:spMkLst>
+        </pc:spChg>
+        <pc:picChg chg="add mod">
+          <ac:chgData name="Narges Shahmohamadi" userId="5feb95dd25bf0cc3" providerId="LiveId" clId="{EA01B06F-E623-4162-A1B0-63037E37A212}" dt="2023-06-12T20:36:29.665" v="2264" actId="1076"/>
+          <ac:picMkLst>
+            <pc:docMk/>
+            <pc:sldMk cId="2214483153" sldId="277"/>
+            <ac:picMk id="5" creationId="{91783B44-67E9-ECE7-24E6-60BB31295CE8}"/>
+          </ac:picMkLst>
+        </pc:picChg>
+      </pc:sldChg>
+      <pc:sldChg chg="addSp delSp modSp new mod">
+        <pc:chgData name="Narges Shahmohamadi" userId="5feb95dd25bf0cc3" providerId="LiveId" clId="{EA01B06F-E623-4162-A1B0-63037E37A212}" dt="2023-06-12T20:57:20.363" v="2550" actId="14100"/>
+        <pc:sldMkLst>
+          <pc:docMk/>
+          <pc:sldMk cId="2217544605" sldId="278"/>
+        </pc:sldMkLst>
+        <pc:spChg chg="mod">
+          <ac:chgData name="Narges Shahmohamadi" userId="5feb95dd25bf0cc3" providerId="LiveId" clId="{EA01B06F-E623-4162-A1B0-63037E37A212}" dt="2023-06-12T20:39:49.925" v="2281"/>
+          <ac:spMkLst>
+            <pc:docMk/>
+            <pc:sldMk cId="2217544605" sldId="278"/>
+            <ac:spMk id="2" creationId="{EC81F223-A447-A24B-0066-3FBC66227601}"/>
+          </ac:spMkLst>
+        </pc:spChg>
+        <pc:spChg chg="add del mod">
+          <ac:chgData name="Narges Shahmohamadi" userId="5feb95dd25bf0cc3" providerId="LiveId" clId="{EA01B06F-E623-4162-A1B0-63037E37A212}" dt="2023-06-12T20:57:20.363" v="2550" actId="14100"/>
+          <ac:spMkLst>
+            <pc:docMk/>
+            <pc:sldMk cId="2217544605" sldId="278"/>
+            <ac:spMk id="3" creationId="{85C44DE8-016C-2BBB-ADC7-FC5C835F76B2}"/>
+          </ac:spMkLst>
+        </pc:spChg>
+        <pc:spChg chg="add del">
+          <ac:chgData name="Narges Shahmohamadi" userId="5feb95dd25bf0cc3" providerId="LiveId" clId="{EA01B06F-E623-4162-A1B0-63037E37A212}" dt="2023-06-12T20:46:55.166" v="2514"/>
+          <ac:spMkLst>
+            <pc:docMk/>
+            <pc:sldMk cId="2217544605" sldId="278"/>
+            <ac:spMk id="6" creationId="{165F0622-0D92-4E36-A506-8533F8F2DA1C}"/>
+          </ac:spMkLst>
+        </pc:spChg>
+        <pc:spChg chg="add del">
+          <ac:chgData name="Narges Shahmohamadi" userId="5feb95dd25bf0cc3" providerId="LiveId" clId="{EA01B06F-E623-4162-A1B0-63037E37A212}" dt="2023-06-12T20:47:06.681" v="2516"/>
+          <ac:spMkLst>
+            <pc:docMk/>
+            <pc:sldMk cId="2217544605" sldId="278"/>
+            <ac:spMk id="7" creationId="{56239F76-DF07-3211-2C5D-6F3E1482924F}"/>
+          </ac:spMkLst>
+        </pc:spChg>
+        <pc:spChg chg="add del">
+          <ac:chgData name="Narges Shahmohamadi" userId="5feb95dd25bf0cc3" providerId="LiveId" clId="{EA01B06F-E623-4162-A1B0-63037E37A212}" dt="2023-06-12T20:47:25.024" v="2523"/>
+          <ac:spMkLst>
+            <pc:docMk/>
+            <pc:sldMk cId="2217544605" sldId="278"/>
+            <ac:spMk id="8" creationId="{A6FA0AA4-334D-C18A-36AA-7230057F7BED}"/>
+          </ac:spMkLst>
+        </pc:spChg>
+        <pc:spChg chg="add del mod">
+          <ac:chgData name="Narges Shahmohamadi" userId="5feb95dd25bf0cc3" providerId="LiveId" clId="{EA01B06F-E623-4162-A1B0-63037E37A212}" dt="2023-06-12T20:47:23.445" v="2522" actId="478"/>
+          <ac:spMkLst>
+            <pc:docMk/>
+            <pc:sldMk cId="2217544605" sldId="278"/>
+            <ac:spMk id="9" creationId="{ED23775C-58A8-608B-D109-BDF72E064E88}"/>
+          </ac:spMkLst>
+        </pc:spChg>
+        <pc:picChg chg="add del mod">
+          <ac:chgData name="Narges Shahmohamadi" userId="5feb95dd25bf0cc3" providerId="LiveId" clId="{EA01B06F-E623-4162-A1B0-63037E37A212}" dt="2023-06-12T20:49:46.714" v="2544" actId="21"/>
+          <ac:picMkLst>
+            <pc:docMk/>
+            <pc:sldMk cId="2217544605" sldId="278"/>
+            <ac:picMk id="5" creationId="{7C977991-93CF-291E-3FEA-F3D875DB8703}"/>
+          </ac:picMkLst>
+        </pc:picChg>
       </pc:sldChg>
     </pc:docChg>
   </pc:docChgLst>
@@ -9265,6 +9424,4669 @@
           <p:cNvPr id="2" name="Title 1">
             <a:extLst>
               <a:ext uri="{FF2B5EF4-FFF2-40B4-BE49-F238E27FC236}">
+                <a16:creationId xmlns:a16="http://schemas.microsoft.com/office/drawing/2014/main" id="{9AB80EED-FDAE-48A9-B336-DA1298D2CE0A}"/>
+              </a:ext>
+            </a:extLst>
+          </p:cNvPr>
+          <p:cNvSpPr>
+            <a:spLocks noGrp="1"/>
+          </p:cNvSpPr>
+          <p:nvPr>
+            <p:ph type="title"/>
+          </p:nvPr>
+        </p:nvSpPr>
+        <p:spPr/>
+        <p:txBody>
+          <a:bodyPr/>
+          <a:lstStyle/>
+          <a:p>
+            <a:r>
+              <a:rPr lang="en-US" dirty="0"/>
+              <a:t>EDA</a:t>
+            </a:r>
+          </a:p>
+        </p:txBody>
+      </p:sp>
+      <p:sp>
+        <p:nvSpPr>
+          <p:cNvPr id="3" name="Text Placeholder 2">
+            <a:extLst>
+              <a:ext uri="{FF2B5EF4-FFF2-40B4-BE49-F238E27FC236}">
+                <a16:creationId xmlns:a16="http://schemas.microsoft.com/office/drawing/2014/main" id="{3711E1A1-22F9-406D-80BD-18D9432A3343}"/>
+              </a:ext>
+            </a:extLst>
+          </p:cNvPr>
+          <p:cNvSpPr>
+            <a:spLocks noGrp="1"/>
+          </p:cNvSpPr>
+          <p:nvPr>
+            <p:ph type="body" idx="1"/>
+          </p:nvPr>
+        </p:nvSpPr>
+        <p:spPr/>
+        <p:txBody>
+          <a:bodyPr/>
+          <a:lstStyle/>
+          <a:p>
+            <a:r>
+              <a:rPr lang="en-US" dirty="0"/>
+              <a:t>How does the weight vary for phones offering large batteries ( more than 4500 </a:t>
+            </a:r>
+            <a:r>
+              <a:rPr lang="en-US" dirty="0" err="1"/>
+              <a:t>mAh</a:t>
+            </a:r>
+            <a:r>
+              <a:rPr lang="en-US" dirty="0"/>
+              <a:t> )?</a:t>
+            </a:r>
+          </a:p>
+          <a:p>
+            <a:endParaRPr lang="en-US" dirty="0"/>
+          </a:p>
+          <a:p>
+            <a:r>
+              <a:rPr lang="en-US" dirty="0"/>
+              <a:t>I started with filtering the data base on </a:t>
+            </a:r>
+            <a:r>
+              <a:rPr lang="en-US" dirty="0" err="1"/>
+              <a:t>mAh</a:t>
+            </a:r>
+            <a:r>
+              <a:rPr lang="en-US" dirty="0"/>
+              <a:t> &gt;4500 and get their means</a:t>
+            </a:r>
+          </a:p>
+          <a:p>
+            <a:endParaRPr lang="en-US" dirty="0"/>
+          </a:p>
+          <a:p>
+            <a:r>
+              <a:rPr lang="en-US" dirty="0"/>
+              <a:t>for best understanding I categorized battery column to 3 groups and then got a bar plot</a:t>
+            </a:r>
+          </a:p>
+          <a:p>
+            <a:endParaRPr lang="en-US" dirty="0"/>
+          </a:p>
+          <a:p>
+            <a:r>
+              <a:rPr lang="en-US" dirty="0"/>
+              <a:t>cellphones with highest weight have larger batteries</a:t>
+            </a:r>
+          </a:p>
+          <a:p>
+            <a:endParaRPr lang="en-US" dirty="0"/>
+          </a:p>
+        </p:txBody>
+      </p:sp>
+      <p:pic>
+        <p:nvPicPr>
+          <p:cNvPr id="6" name="Picture 5" descr="Chart, bar chart&#10;&#10;Description automatically generated">
+            <a:extLst>
+              <a:ext uri="{FF2B5EF4-FFF2-40B4-BE49-F238E27FC236}">
+                <a16:creationId xmlns:a16="http://schemas.microsoft.com/office/drawing/2014/main" id="{C71160D7-9C86-4D12-8FAF-BCFE3887D848}"/>
+              </a:ext>
+            </a:extLst>
+          </p:cNvPr>
+          <p:cNvPicPr>
+            <a:picLocks noChangeAspect="1"/>
+          </p:cNvPicPr>
+          <p:nvPr/>
+        </p:nvPicPr>
+        <p:blipFill>
+          <a:blip r:embed="rId2"/>
+          <a:stretch>
+            <a:fillRect/>
+          </a:stretch>
+        </p:blipFill>
+        <p:spPr>
+          <a:xfrm>
+            <a:off x="4710989" y="1077433"/>
+            <a:ext cx="4220359" cy="3777699"/>
+          </a:xfrm>
+          <a:prstGeom prst="rect">
+            <a:avLst/>
+          </a:prstGeom>
+        </p:spPr>
+      </p:pic>
+    </p:spTree>
+    <p:extLst>
+      <p:ext uri="{BB962C8B-B14F-4D97-AF65-F5344CB8AC3E}">
+        <p14:creationId xmlns:p14="http://schemas.microsoft.com/office/powerpoint/2010/main" val="244112345"/>
+      </p:ext>
+    </p:extLst>
+  </p:cSld>
+  <p:clrMapOvr>
+    <a:masterClrMapping/>
+  </p:clrMapOvr>
+</p:sld>
+</file>
+
+<file path=ppt/slides/slide11.xml><?xml version="1.0" encoding="utf-8"?>
+<p:sld xmlns:a="http://schemas.openxmlformats.org/drawingml/2006/main" xmlns:r="http://schemas.openxmlformats.org/officeDocument/2006/relationships" xmlns:p="http://schemas.openxmlformats.org/presentationml/2006/main">
+  <p:cSld>
+    <p:spTree>
+      <p:nvGrpSpPr>
+        <p:cNvPr id="1" name=""/>
+        <p:cNvGrpSpPr/>
+        <p:nvPr/>
+      </p:nvGrpSpPr>
+      <p:grpSpPr>
+        <a:xfrm>
+          <a:off x="0" y="0"/>
+          <a:ext cx="0" cy="0"/>
+          <a:chOff x="0" y="0"/>
+          <a:chExt cx="0" cy="0"/>
+        </a:xfrm>
+      </p:grpSpPr>
+      <p:sp>
+        <p:nvSpPr>
+          <p:cNvPr id="2" name="Title 1">
+            <a:extLst>
+              <a:ext uri="{FF2B5EF4-FFF2-40B4-BE49-F238E27FC236}">
+                <a16:creationId xmlns:a16="http://schemas.microsoft.com/office/drawing/2014/main" id="{7393EE7E-B178-4640-A7FA-7D77249FA776}"/>
+              </a:ext>
+            </a:extLst>
+          </p:cNvPr>
+          <p:cNvSpPr>
+            <a:spLocks noGrp="1"/>
+          </p:cNvSpPr>
+          <p:nvPr>
+            <p:ph type="title"/>
+          </p:nvPr>
+        </p:nvSpPr>
+        <p:spPr/>
+        <p:txBody>
+          <a:bodyPr/>
+          <a:lstStyle/>
+          <a:p>
+            <a:r>
+              <a:rPr lang="en-US" dirty="0"/>
+              <a:t>EDA</a:t>
+            </a:r>
+          </a:p>
+        </p:txBody>
+      </p:sp>
+      <p:sp>
+        <p:nvSpPr>
+          <p:cNvPr id="3" name="Text Placeholder 2">
+            <a:extLst>
+              <a:ext uri="{FF2B5EF4-FFF2-40B4-BE49-F238E27FC236}">
+                <a16:creationId xmlns:a16="http://schemas.microsoft.com/office/drawing/2014/main" id="{6DD1542C-28C3-4F8B-93FA-5B0CF2D4F349}"/>
+              </a:ext>
+            </a:extLst>
+          </p:cNvPr>
+          <p:cNvSpPr>
+            <a:spLocks noGrp="1"/>
+          </p:cNvSpPr>
+          <p:nvPr>
+            <p:ph type="body" idx="1"/>
+          </p:nvPr>
+        </p:nvSpPr>
+        <p:spPr>
+          <a:xfrm>
+            <a:off x="201972" y="806140"/>
+            <a:ext cx="8194347" cy="640883"/>
+          </a:xfrm>
+        </p:spPr>
+        <p:txBody>
+          <a:bodyPr/>
+          <a:lstStyle/>
+          <a:p>
+            <a:r>
+              <a:rPr lang="en-US" dirty="0">
+                <a:latin typeface="Daytona" panose="020B0604030500040204" pitchFamily="34" charset="0"/>
+              </a:rPr>
+              <a:t>How many phones are available across different brands with a screen size larger than 6 inches?</a:t>
+            </a:r>
+          </a:p>
+          <a:p>
+            <a:endParaRPr lang="en-US" dirty="0">
+              <a:latin typeface="Daytona" panose="020B0604030500040204" pitchFamily="34" charset="0"/>
+            </a:endParaRPr>
+          </a:p>
+        </p:txBody>
+      </p:sp>
+      <p:sp>
+        <p:nvSpPr>
+          <p:cNvPr id="4" name="Text Placeholder 3">
+            <a:extLst>
+              <a:ext uri="{FF2B5EF4-FFF2-40B4-BE49-F238E27FC236}">
+                <a16:creationId xmlns:a16="http://schemas.microsoft.com/office/drawing/2014/main" id="{30D5E9F6-EA5C-4716-B731-C773137188B7}"/>
+              </a:ext>
+            </a:extLst>
+          </p:cNvPr>
+          <p:cNvSpPr>
+            <a:spLocks noGrp="1"/>
+          </p:cNvSpPr>
+          <p:nvPr>
+            <p:ph type="body" idx="2"/>
+          </p:nvPr>
+        </p:nvSpPr>
+        <p:spPr>
+          <a:xfrm>
+            <a:off x="5925879" y="1687032"/>
+            <a:ext cx="3154326" cy="2775517"/>
+          </a:xfrm>
+        </p:spPr>
+        <p:txBody>
+          <a:bodyPr/>
+          <a:lstStyle/>
+          <a:p>
+            <a:pPr marL="457200" marR="0" lvl="0" indent="-317500" algn="l" defTabSz="914400" rtl="0" eaLnBrk="1" fontAlgn="auto" latinLnBrk="0" hangingPunct="1">
+              <a:lnSpc>
+                <a:spcPct val="115000"/>
+              </a:lnSpc>
+              <a:spcBef>
+                <a:spcPts val="0"/>
+              </a:spcBef>
+              <a:spcAft>
+                <a:spcPts val="0"/>
+              </a:spcAft>
+              <a:buClr>
+                <a:srgbClr val="222222"/>
+              </a:buClr>
+              <a:buSzPts val="1400"/>
+              <a:buFont typeface="Nunito"/>
+              <a:buChar char="●"/>
+              <a:tabLst/>
+              <a:defRPr/>
+            </a:pPr>
+            <a:r>
+              <a:rPr kumimoji="0" lang="en-US" sz="1400" b="0" i="0" u="none" strike="noStrike" kern="0" cap="none" spc="0" normalizeH="0" baseline="0" noProof="0" dirty="0">
+                <a:ln>
+                  <a:noFill/>
+                </a:ln>
+                <a:solidFill>
+                  <a:srgbClr val="222222"/>
+                </a:solidFill>
+                <a:effectLst/>
+                <a:uLnTx/>
+                <a:uFillTx/>
+                <a:latin typeface="Daytona" panose="020B0604030500040204" pitchFamily="34" charset="0"/>
+                <a:sym typeface="Nunito"/>
+              </a:rPr>
+              <a:t>between all brands, Huawei and Samsung cell phones are more than other brands which have screen sizes bigger than 6 inches (159 and 128) also, we have Other category which is located after them(116)</a:t>
+            </a:r>
+          </a:p>
+          <a:p>
+            <a:endParaRPr lang="en-US" dirty="0"/>
+          </a:p>
+        </p:txBody>
+      </p:sp>
+      <p:pic>
+        <p:nvPicPr>
+          <p:cNvPr id="7" name="Picture 6" descr="Chart, bar chart, histogram&#10;&#10;Description automatically generated">
+            <a:extLst>
+              <a:ext uri="{FF2B5EF4-FFF2-40B4-BE49-F238E27FC236}">
+                <a16:creationId xmlns:a16="http://schemas.microsoft.com/office/drawing/2014/main" id="{67ABA431-6CB5-4C88-8809-88754ADE3CF4}"/>
+              </a:ext>
+            </a:extLst>
+          </p:cNvPr>
+          <p:cNvPicPr>
+            <a:picLocks noChangeAspect="1"/>
+          </p:cNvPicPr>
+          <p:nvPr/>
+        </p:nvPicPr>
+        <p:blipFill>
+          <a:blip r:embed="rId2"/>
+          <a:stretch>
+            <a:fillRect/>
+          </a:stretch>
+        </p:blipFill>
+        <p:spPr>
+          <a:xfrm>
+            <a:off x="-54301" y="1403498"/>
+            <a:ext cx="6164478" cy="3619501"/>
+          </a:xfrm>
+          <a:prstGeom prst="rect">
+            <a:avLst/>
+          </a:prstGeom>
+        </p:spPr>
+      </p:pic>
+    </p:spTree>
+    <p:extLst>
+      <p:ext uri="{BB962C8B-B14F-4D97-AF65-F5344CB8AC3E}">
+        <p14:creationId xmlns:p14="http://schemas.microsoft.com/office/powerpoint/2010/main" val="322917080"/>
+      </p:ext>
+    </p:extLst>
+  </p:cSld>
+  <p:clrMapOvr>
+    <a:masterClrMapping/>
+  </p:clrMapOvr>
+</p:sld>
+</file>
+
+<file path=ppt/slides/slide12.xml><?xml version="1.0" encoding="utf-8"?>
+<p:sld xmlns:a="http://schemas.openxmlformats.org/drawingml/2006/main" xmlns:r="http://schemas.openxmlformats.org/officeDocument/2006/relationships" xmlns:p="http://schemas.openxmlformats.org/presentationml/2006/main">
+  <p:cSld>
+    <p:spTree>
+      <p:nvGrpSpPr>
+        <p:cNvPr id="1" name=""/>
+        <p:cNvGrpSpPr/>
+        <p:nvPr/>
+      </p:nvGrpSpPr>
+      <p:grpSpPr>
+        <a:xfrm>
+          <a:off x="0" y="0"/>
+          <a:ext cx="0" cy="0"/>
+          <a:chOff x="0" y="0"/>
+          <a:chExt cx="0" cy="0"/>
+        </a:xfrm>
+      </p:grpSpPr>
+      <p:sp>
+        <p:nvSpPr>
+          <p:cNvPr id="2" name="Title 1">
+            <a:extLst>
+              <a:ext uri="{FF2B5EF4-FFF2-40B4-BE49-F238E27FC236}">
+                <a16:creationId xmlns:a16="http://schemas.microsoft.com/office/drawing/2014/main" id="{75BD49CF-0351-4DA9-97CA-E79A7FB16D80}"/>
+              </a:ext>
+            </a:extLst>
+          </p:cNvPr>
+          <p:cNvSpPr>
+            <a:spLocks noGrp="1"/>
+          </p:cNvSpPr>
+          <p:nvPr>
+            <p:ph type="title"/>
+          </p:nvPr>
+        </p:nvSpPr>
+        <p:spPr/>
+        <p:txBody>
+          <a:bodyPr/>
+          <a:lstStyle/>
+          <a:p>
+            <a:r>
+              <a:rPr lang="en-US" dirty="0"/>
+              <a:t>EDA</a:t>
+            </a:r>
+          </a:p>
+        </p:txBody>
+      </p:sp>
+      <p:sp>
+        <p:nvSpPr>
+          <p:cNvPr id="3" name="Text Placeholder 2">
+            <a:extLst>
+              <a:ext uri="{FF2B5EF4-FFF2-40B4-BE49-F238E27FC236}">
+                <a16:creationId xmlns:a16="http://schemas.microsoft.com/office/drawing/2014/main" id="{FB313CB6-8EF7-4BC9-909F-0B12A9AE28C9}"/>
+              </a:ext>
+            </a:extLst>
+          </p:cNvPr>
+          <p:cNvSpPr>
+            <a:spLocks noGrp="1"/>
+          </p:cNvSpPr>
+          <p:nvPr>
+            <p:ph type="body" idx="1"/>
+          </p:nvPr>
+        </p:nvSpPr>
+        <p:spPr>
+          <a:xfrm>
+            <a:off x="201972" y="1360967"/>
+            <a:ext cx="3820821" cy="3416400"/>
+          </a:xfrm>
+        </p:spPr>
+        <p:txBody>
+          <a:bodyPr/>
+          <a:lstStyle/>
+          <a:p>
+            <a:r>
+              <a:rPr lang="en-US" dirty="0">
+                <a:latin typeface="Daytona" panose="020B0604030500040204" pitchFamily="34" charset="0"/>
+              </a:rPr>
+              <a:t>What is the distribution of budget phones offering greater than 8MP selfie cameras across brands?</a:t>
+            </a:r>
+          </a:p>
+          <a:p>
+            <a:endParaRPr lang="en-US" dirty="0">
+              <a:latin typeface="Daytona" panose="020B0604030500040204" pitchFamily="34" charset="0"/>
+            </a:endParaRPr>
+          </a:p>
+          <a:p>
+            <a:r>
+              <a:rPr lang="en-US" dirty="0">
+                <a:latin typeface="Daytona" panose="020B0604030500040204" pitchFamily="34" charset="0"/>
+              </a:rPr>
+              <a:t>the distribution of budget phones offering greater than 8MP selfie cameras across brands is normal in compere to previews plot it is not very skewed to the right</a:t>
+            </a:r>
+          </a:p>
+          <a:p>
+            <a:endParaRPr lang="en-US" dirty="0">
+              <a:latin typeface="Daytona" panose="020B0604030500040204" pitchFamily="34" charset="0"/>
+            </a:endParaRPr>
+          </a:p>
+        </p:txBody>
+      </p:sp>
+      <p:pic>
+        <p:nvPicPr>
+          <p:cNvPr id="6" name="Picture 5" descr="Chart, line chart&#10;&#10;Description automatically generated">
+            <a:extLst>
+              <a:ext uri="{FF2B5EF4-FFF2-40B4-BE49-F238E27FC236}">
+                <a16:creationId xmlns:a16="http://schemas.microsoft.com/office/drawing/2014/main" id="{2DF90857-2056-4150-A6F0-2272636D632A}"/>
+              </a:ext>
+            </a:extLst>
+          </p:cNvPr>
+          <p:cNvPicPr>
+            <a:picLocks noChangeAspect="1"/>
+          </p:cNvPicPr>
+          <p:nvPr/>
+        </p:nvPicPr>
+        <p:blipFill>
+          <a:blip r:embed="rId2"/>
+          <a:stretch>
+            <a:fillRect/>
+          </a:stretch>
+        </p:blipFill>
+        <p:spPr>
+          <a:xfrm>
+            <a:off x="4226436" y="1360967"/>
+            <a:ext cx="4849929" cy="3351469"/>
+          </a:xfrm>
+          <a:prstGeom prst="rect">
+            <a:avLst/>
+          </a:prstGeom>
+        </p:spPr>
+      </p:pic>
+    </p:spTree>
+    <p:extLst>
+      <p:ext uri="{BB962C8B-B14F-4D97-AF65-F5344CB8AC3E}">
+        <p14:creationId xmlns:p14="http://schemas.microsoft.com/office/powerpoint/2010/main" val="1420241182"/>
+      </p:ext>
+    </p:extLst>
+  </p:cSld>
+  <p:clrMapOvr>
+    <a:masterClrMapping/>
+  </p:clrMapOvr>
+</p:sld>
+</file>
+
+<file path=ppt/slides/slide13.xml><?xml version="1.0" encoding="utf-8"?>
+<p:sld xmlns:a="http://schemas.openxmlformats.org/drawingml/2006/main" xmlns:r="http://schemas.openxmlformats.org/officeDocument/2006/relationships" xmlns:p="http://schemas.openxmlformats.org/presentationml/2006/main">
+  <p:cSld>
+    <p:spTree>
+      <p:nvGrpSpPr>
+        <p:cNvPr id="1" name=""/>
+        <p:cNvGrpSpPr/>
+        <p:nvPr/>
+      </p:nvGrpSpPr>
+      <p:grpSpPr>
+        <a:xfrm>
+          <a:off x="0" y="0"/>
+          <a:ext cx="0" cy="0"/>
+          <a:chOff x="0" y="0"/>
+          <a:chExt cx="0" cy="0"/>
+        </a:xfrm>
+      </p:grpSpPr>
+      <p:sp>
+        <p:nvSpPr>
+          <p:cNvPr id="2" name="Title 1">
+            <a:extLst>
+              <a:ext uri="{FF2B5EF4-FFF2-40B4-BE49-F238E27FC236}">
+                <a16:creationId xmlns:a16="http://schemas.microsoft.com/office/drawing/2014/main" id="{38DE71F9-4A03-4A17-B8B3-E3333855FB06}"/>
+              </a:ext>
+            </a:extLst>
+          </p:cNvPr>
+          <p:cNvSpPr>
+            <a:spLocks noGrp="1"/>
+          </p:cNvSpPr>
+          <p:nvPr>
+            <p:ph type="title"/>
+          </p:nvPr>
+        </p:nvSpPr>
+        <p:spPr/>
+        <p:txBody>
+          <a:bodyPr/>
+          <a:lstStyle/>
+          <a:p>
+            <a:r>
+              <a:rPr lang="en-US" dirty="0"/>
+              <a:t>EDA</a:t>
+            </a:r>
+          </a:p>
+        </p:txBody>
+      </p:sp>
+      <p:sp>
+        <p:nvSpPr>
+          <p:cNvPr id="3" name="Text Placeholder 2">
+            <a:extLst>
+              <a:ext uri="{FF2B5EF4-FFF2-40B4-BE49-F238E27FC236}">
+                <a16:creationId xmlns:a16="http://schemas.microsoft.com/office/drawing/2014/main" id="{5031055D-0A03-4E1F-A37C-C74CE1BD535E}"/>
+              </a:ext>
+            </a:extLst>
+          </p:cNvPr>
+          <p:cNvSpPr>
+            <a:spLocks noGrp="1"/>
+          </p:cNvSpPr>
+          <p:nvPr>
+            <p:ph type="body" idx="1"/>
+          </p:nvPr>
+        </p:nvSpPr>
+        <p:spPr/>
+        <p:txBody>
+          <a:bodyPr/>
+          <a:lstStyle/>
+          <a:p>
+            <a:r>
+              <a:rPr lang="en-US" dirty="0">
+                <a:latin typeface="Daytona" panose="020B0604030500040204" pitchFamily="34" charset="0"/>
+              </a:rPr>
+              <a:t>What percentage of the used phone market is dominated by Android devices?</a:t>
+            </a:r>
+          </a:p>
+          <a:p>
+            <a:endParaRPr lang="en-US" dirty="0">
+              <a:latin typeface="Daytona" panose="020B0604030500040204" pitchFamily="34" charset="0"/>
+            </a:endParaRPr>
+          </a:p>
+          <a:p>
+            <a:r>
+              <a:rPr lang="en-US" i="0" dirty="0">
+                <a:solidFill>
+                  <a:srgbClr val="000000"/>
+                </a:solidFill>
+                <a:effectLst/>
+                <a:latin typeface="Daytona" panose="020B0604030500040204" pitchFamily="34" charset="0"/>
+              </a:rPr>
+              <a:t>around 90% of the used phone market is dominated by Android devices</a:t>
+            </a:r>
+          </a:p>
+          <a:p>
+            <a:endParaRPr lang="en-US" dirty="0"/>
+          </a:p>
+        </p:txBody>
+      </p:sp>
+      <p:pic>
+        <p:nvPicPr>
+          <p:cNvPr id="6" name="Picture 5" descr="Chart, pie chart&#10;&#10;Description automatically generated">
+            <a:extLst>
+              <a:ext uri="{FF2B5EF4-FFF2-40B4-BE49-F238E27FC236}">
+                <a16:creationId xmlns:a16="http://schemas.microsoft.com/office/drawing/2014/main" id="{B8957512-406F-4200-A2B9-0E31550F2FE3}"/>
+              </a:ext>
+            </a:extLst>
+          </p:cNvPr>
+          <p:cNvPicPr>
+            <a:picLocks noChangeAspect="1"/>
+          </p:cNvPicPr>
+          <p:nvPr/>
+        </p:nvPicPr>
+        <p:blipFill>
+          <a:blip r:embed="rId2"/>
+          <a:stretch>
+            <a:fillRect/>
+          </a:stretch>
+        </p:blipFill>
+        <p:spPr>
+          <a:xfrm>
+            <a:off x="4462272" y="639848"/>
+            <a:ext cx="4787301" cy="4317460"/>
+          </a:xfrm>
+          <a:prstGeom prst="rect">
+            <a:avLst/>
+          </a:prstGeom>
+        </p:spPr>
+      </p:pic>
+    </p:spTree>
+    <p:extLst>
+      <p:ext uri="{BB962C8B-B14F-4D97-AF65-F5344CB8AC3E}">
+        <p14:creationId xmlns:p14="http://schemas.microsoft.com/office/powerpoint/2010/main" val="1512466063"/>
+      </p:ext>
+    </p:extLst>
+  </p:cSld>
+  <p:clrMapOvr>
+    <a:masterClrMapping/>
+  </p:clrMapOvr>
+</p:sld>
+</file>
+
+<file path=ppt/slides/slide14.xml><?xml version="1.0" encoding="utf-8"?>
+<p:sld xmlns:a="http://schemas.openxmlformats.org/drawingml/2006/main" xmlns:r="http://schemas.openxmlformats.org/officeDocument/2006/relationships" xmlns:p="http://schemas.openxmlformats.org/presentationml/2006/main">
+  <p:cSld>
+    <p:spTree>
+      <p:nvGrpSpPr>
+        <p:cNvPr id="1" name="Shape 84"/>
+        <p:cNvGrpSpPr/>
+        <p:nvPr/>
+      </p:nvGrpSpPr>
+      <p:grpSpPr>
+        <a:xfrm>
+          <a:off x="0" y="0"/>
+          <a:ext cx="0" cy="0"/>
+          <a:chOff x="0" y="0"/>
+          <a:chExt cx="0" cy="0"/>
+        </a:xfrm>
+      </p:grpSpPr>
+      <p:sp>
+        <p:nvSpPr>
+          <p:cNvPr id="85" name="Google Shape;85;p6"/>
+          <p:cNvSpPr txBox="1">
+            <a:spLocks noGrp="1"/>
+          </p:cNvSpPr>
+          <p:nvPr>
+            <p:ph type="title"/>
+          </p:nvPr>
+        </p:nvSpPr>
+        <p:spPr>
+          <a:xfrm>
+            <a:off x="202550" y="289279"/>
+            <a:ext cx="8520600" cy="572700"/>
+          </a:xfrm>
+          <a:prstGeom prst="rect">
+            <a:avLst/>
+          </a:prstGeom>
+          <a:noFill/>
+          <a:ln>
+            <a:noFill/>
+          </a:ln>
+        </p:spPr>
+        <p:txBody>
+          <a:bodyPr spcFirstLastPara="1" wrap="square" lIns="91425" tIns="91425" rIns="91425" bIns="91425" anchor="t" anchorCtr="0">
+            <a:noAutofit/>
+          </a:bodyPr>
+          <a:lstStyle/>
+          <a:p>
+            <a:pPr marL="0" lvl="0" indent="0" algn="l" rtl="0">
+              <a:lnSpc>
+                <a:spcPct val="100000"/>
+              </a:lnSpc>
+              <a:spcBef>
+                <a:spcPts val="0"/>
+              </a:spcBef>
+              <a:spcAft>
+                <a:spcPts val="0"/>
+              </a:spcAft>
+              <a:buSzPts val="2200"/>
+              <a:buNone/>
+            </a:pPr>
+            <a:r>
+              <a:rPr lang="en" dirty="0">
+                <a:solidFill>
+                  <a:srgbClr val="000000"/>
+                </a:solidFill>
+                <a:latin typeface="Arial"/>
+                <a:ea typeface="Arial"/>
+                <a:cs typeface="Arial"/>
+                <a:sym typeface="Arial"/>
+              </a:rPr>
+              <a:t>Model Performance Summary</a:t>
+            </a:r>
+            <a:endParaRPr dirty="0">
+              <a:solidFill>
+                <a:srgbClr val="000000"/>
+              </a:solidFill>
+              <a:latin typeface="Arial"/>
+              <a:ea typeface="Arial"/>
+              <a:cs typeface="Arial"/>
+              <a:sym typeface="Arial"/>
+            </a:endParaRPr>
+          </a:p>
+        </p:txBody>
+      </p:sp>
+      <p:sp>
+        <p:nvSpPr>
+          <p:cNvPr id="86" name="Google Shape;86;p6"/>
+          <p:cNvSpPr txBox="1">
+            <a:spLocks noGrp="1"/>
+          </p:cNvSpPr>
+          <p:nvPr>
+            <p:ph type="body" idx="1"/>
+          </p:nvPr>
+        </p:nvSpPr>
+        <p:spPr>
+          <a:xfrm>
+            <a:off x="202550" y="861975"/>
+            <a:ext cx="8629800" cy="3706800"/>
+          </a:xfrm>
+          <a:prstGeom prst="rect">
+            <a:avLst/>
+          </a:prstGeom>
+          <a:noFill/>
+          <a:ln>
+            <a:noFill/>
+          </a:ln>
+        </p:spPr>
+        <p:txBody>
+          <a:bodyPr spcFirstLastPara="1" wrap="square" lIns="91425" tIns="91425" rIns="91425" bIns="91425" anchor="t" anchorCtr="0">
+            <a:noAutofit/>
+          </a:bodyPr>
+          <a:lstStyle/>
+          <a:p>
+            <a:pPr marL="457200" lvl="0" indent="-317500" algn="l" rtl="0">
+              <a:lnSpc>
+                <a:spcPct val="115000"/>
+              </a:lnSpc>
+              <a:spcBef>
+                <a:spcPts val="0"/>
+              </a:spcBef>
+              <a:spcAft>
+                <a:spcPts val="0"/>
+              </a:spcAft>
+              <a:buClr>
+                <a:srgbClr val="000000"/>
+              </a:buClr>
+              <a:buSzPts val="1400"/>
+              <a:buFont typeface="Arial"/>
+              <a:buChar char="●"/>
+            </a:pPr>
+            <a:r>
+              <a:rPr lang="en" sz="1400" dirty="0">
+                <a:solidFill>
+                  <a:schemeClr val="dk1"/>
+                </a:solidFill>
+                <a:latin typeface="Arial"/>
+                <a:ea typeface="Arial"/>
+                <a:cs typeface="Arial"/>
+                <a:sym typeface="Arial"/>
+              </a:rPr>
+              <a:t>Overview of ML model and its parameters</a:t>
+            </a:r>
+          </a:p>
+          <a:p>
+            <a:pPr marL="457200" lvl="0" indent="-317500" algn="l" rtl="0">
+              <a:lnSpc>
+                <a:spcPct val="115000"/>
+              </a:lnSpc>
+              <a:spcBef>
+                <a:spcPts val="0"/>
+              </a:spcBef>
+              <a:spcAft>
+                <a:spcPts val="0"/>
+              </a:spcAft>
+              <a:buClr>
+                <a:srgbClr val="000000"/>
+              </a:buClr>
+              <a:buSzPts val="1400"/>
+              <a:buFont typeface="Arial"/>
+              <a:buChar char="●"/>
+            </a:pPr>
+            <a:endParaRPr lang="en" sz="1400" dirty="0">
+              <a:solidFill>
+                <a:schemeClr val="dk1"/>
+              </a:solidFill>
+              <a:latin typeface="Arial"/>
+              <a:ea typeface="Arial"/>
+              <a:cs typeface="Arial"/>
+              <a:sym typeface="Arial"/>
+            </a:endParaRPr>
+          </a:p>
+          <a:p>
+            <a:pPr marL="482600" lvl="0" indent="-342900" algn="l" rtl="0">
+              <a:lnSpc>
+                <a:spcPct val="115000"/>
+              </a:lnSpc>
+              <a:spcBef>
+                <a:spcPts val="0"/>
+              </a:spcBef>
+              <a:spcAft>
+                <a:spcPts val="0"/>
+              </a:spcAft>
+              <a:buClr>
+                <a:srgbClr val="000000"/>
+              </a:buClr>
+              <a:buSzPts val="1400"/>
+              <a:buFont typeface="+mj-lt"/>
+              <a:buAutoNum type="arabicPeriod"/>
+            </a:pPr>
+            <a:r>
+              <a:rPr lang="en-US" sz="1400" dirty="0">
+                <a:solidFill>
+                  <a:schemeClr val="dk1"/>
+                </a:solidFill>
+                <a:latin typeface="Arial"/>
+                <a:ea typeface="Arial"/>
+                <a:cs typeface="Arial"/>
+                <a:sym typeface="Arial"/>
+              </a:rPr>
+              <a:t>Create Dummy Variables for 3 columns: 4_5g , os and brand_name</a:t>
+            </a:r>
+          </a:p>
+          <a:p>
+            <a:pPr marL="482600" lvl="0" indent="-342900" algn="l" rtl="0">
+              <a:lnSpc>
+                <a:spcPct val="115000"/>
+              </a:lnSpc>
+              <a:spcBef>
+                <a:spcPts val="0"/>
+              </a:spcBef>
+              <a:spcAft>
+                <a:spcPts val="0"/>
+              </a:spcAft>
+              <a:buClr>
+                <a:srgbClr val="000000"/>
+              </a:buClr>
+              <a:buSzPts val="1400"/>
+              <a:buFont typeface="+mj-lt"/>
+              <a:buAutoNum type="arabicPeriod"/>
+            </a:pPr>
+            <a:r>
+              <a:rPr lang="en-US" sz="1400" dirty="0">
+                <a:solidFill>
+                  <a:schemeClr val="dk1"/>
+                </a:solidFill>
+                <a:latin typeface="Arial"/>
+                <a:ea typeface="Arial"/>
+                <a:cs typeface="Arial"/>
+                <a:sym typeface="Arial"/>
+              </a:rPr>
+              <a:t>since ram column has just one value(4.000) I will delete it.</a:t>
+            </a:r>
+          </a:p>
+          <a:p>
+            <a:pPr marL="482600" lvl="0" indent="-342900" algn="l" rtl="0">
+              <a:lnSpc>
+                <a:spcPct val="115000"/>
+              </a:lnSpc>
+              <a:spcBef>
+                <a:spcPts val="0"/>
+              </a:spcBef>
+              <a:spcAft>
+                <a:spcPts val="0"/>
+              </a:spcAft>
+              <a:buClr>
+                <a:srgbClr val="000000"/>
+              </a:buClr>
+              <a:buSzPts val="1400"/>
+              <a:buFont typeface="+mj-lt"/>
+              <a:buAutoNum type="arabicPeriod"/>
+            </a:pPr>
+            <a:r>
+              <a:rPr lang="en-US" sz="1400" dirty="0">
+                <a:solidFill>
+                  <a:schemeClr val="dk1"/>
+                </a:solidFill>
+                <a:latin typeface="Arial"/>
+                <a:ea typeface="Arial"/>
+                <a:cs typeface="Arial"/>
+                <a:sym typeface="Arial"/>
+              </a:rPr>
+              <a:t>Then I split the data:</a:t>
+            </a:r>
+          </a:p>
+          <a:p>
+            <a:pPr marL="482600" lvl="0" indent="-342900" algn="l" rtl="0">
+              <a:lnSpc>
+                <a:spcPct val="115000"/>
+              </a:lnSpc>
+              <a:spcBef>
+                <a:spcPts val="0"/>
+              </a:spcBef>
+              <a:spcAft>
+                <a:spcPts val="0"/>
+              </a:spcAft>
+              <a:buClr>
+                <a:srgbClr val="000000"/>
+              </a:buClr>
+              <a:buSzPts val="1400"/>
+              <a:buFont typeface="+mj-lt"/>
+              <a:buAutoNum type="arabicPeriod"/>
+            </a:pPr>
+            <a:endParaRPr lang="en-US" sz="1400" dirty="0">
+              <a:solidFill>
+                <a:schemeClr val="dk1"/>
+              </a:solidFill>
+              <a:latin typeface="Arial"/>
+              <a:ea typeface="Arial"/>
+              <a:cs typeface="Arial"/>
+              <a:sym typeface="Arial"/>
+            </a:endParaRPr>
+          </a:p>
+          <a:p>
+            <a:pPr marL="139700" lvl="0" indent="0" algn="l" rtl="0">
+              <a:lnSpc>
+                <a:spcPct val="115000"/>
+              </a:lnSpc>
+              <a:spcBef>
+                <a:spcPts val="0"/>
+              </a:spcBef>
+              <a:spcAft>
+                <a:spcPts val="0"/>
+              </a:spcAft>
+              <a:buClr>
+                <a:srgbClr val="000000"/>
+              </a:buClr>
+              <a:buSzPts val="1400"/>
+              <a:buNone/>
+            </a:pPr>
+            <a:r>
+              <a:rPr lang="en-US" sz="1400" dirty="0">
+                <a:solidFill>
+                  <a:schemeClr val="dk1"/>
+                </a:solidFill>
+                <a:latin typeface="Arial"/>
+                <a:ea typeface="Arial"/>
+                <a:cs typeface="Arial"/>
+                <a:sym typeface="Arial"/>
+              </a:rPr>
+              <a:t>independent variables</a:t>
+            </a:r>
+          </a:p>
+          <a:p>
+            <a:pPr marL="139700" lvl="0" indent="0" algn="l" rtl="0">
+              <a:lnSpc>
+                <a:spcPct val="115000"/>
+              </a:lnSpc>
+              <a:spcBef>
+                <a:spcPts val="0"/>
+              </a:spcBef>
+              <a:spcAft>
+                <a:spcPts val="0"/>
+              </a:spcAft>
+              <a:buClr>
+                <a:srgbClr val="000000"/>
+              </a:buClr>
+              <a:buSzPts val="1400"/>
+              <a:buNone/>
+            </a:pPr>
+            <a:r>
+              <a:rPr lang="en-US" sz="1400" dirty="0">
+                <a:solidFill>
+                  <a:schemeClr val="dk1"/>
+                </a:solidFill>
+                <a:latin typeface="Arial"/>
+                <a:ea typeface="Arial"/>
+                <a:cs typeface="Arial"/>
+                <a:sym typeface="Arial"/>
+              </a:rPr>
+              <a:t>x = all my data but: log_used_price, 4_5g_other, os_Others, brand_name_Xiaomi and ram</a:t>
+            </a:r>
+          </a:p>
+          <a:p>
+            <a:pPr marL="139700" lvl="0" indent="0" algn="l" rtl="0">
+              <a:lnSpc>
+                <a:spcPct val="115000"/>
+              </a:lnSpc>
+              <a:spcBef>
+                <a:spcPts val="0"/>
+              </a:spcBef>
+              <a:spcAft>
+                <a:spcPts val="0"/>
+              </a:spcAft>
+              <a:buClr>
+                <a:srgbClr val="000000"/>
+              </a:buClr>
+              <a:buSzPts val="1400"/>
+              <a:buNone/>
+            </a:pPr>
+            <a:endParaRPr lang="en-US" sz="1400" dirty="0">
+              <a:solidFill>
+                <a:schemeClr val="dk1"/>
+              </a:solidFill>
+              <a:latin typeface="Arial"/>
+              <a:ea typeface="Arial"/>
+              <a:cs typeface="Arial"/>
+              <a:sym typeface="Arial"/>
+            </a:endParaRPr>
+          </a:p>
+          <a:p>
+            <a:pPr marL="139700" lvl="0" indent="0" algn="l" rtl="0">
+              <a:lnSpc>
+                <a:spcPct val="115000"/>
+              </a:lnSpc>
+              <a:spcBef>
+                <a:spcPts val="0"/>
+              </a:spcBef>
+              <a:spcAft>
+                <a:spcPts val="0"/>
+              </a:spcAft>
+              <a:buClr>
+                <a:srgbClr val="000000"/>
+              </a:buClr>
+              <a:buSzPts val="1400"/>
+              <a:buNone/>
+            </a:pPr>
+            <a:r>
+              <a:rPr lang="en-US" sz="1400" dirty="0">
+                <a:solidFill>
+                  <a:schemeClr val="dk1"/>
+                </a:solidFill>
+                <a:latin typeface="Arial"/>
+                <a:ea typeface="Arial"/>
+                <a:cs typeface="Arial"/>
+                <a:sym typeface="Arial"/>
+              </a:rPr>
+              <a:t>dependent variable</a:t>
+            </a:r>
+          </a:p>
+          <a:p>
+            <a:pPr marL="139700" lvl="0" indent="0" algn="l" rtl="0">
+              <a:lnSpc>
+                <a:spcPct val="115000"/>
+              </a:lnSpc>
+              <a:spcBef>
+                <a:spcPts val="0"/>
+              </a:spcBef>
+              <a:spcAft>
+                <a:spcPts val="0"/>
+              </a:spcAft>
+              <a:buClr>
+                <a:srgbClr val="000000"/>
+              </a:buClr>
+              <a:buSzPts val="1400"/>
+              <a:buNone/>
+            </a:pPr>
+            <a:r>
+              <a:rPr lang="en-US" sz="1400" dirty="0">
+                <a:solidFill>
+                  <a:schemeClr val="dk1"/>
+                </a:solidFill>
+                <a:latin typeface="Arial"/>
+                <a:ea typeface="Arial"/>
+                <a:cs typeface="Arial"/>
+                <a:sym typeface="Arial"/>
+              </a:rPr>
+              <a:t>y = log_used_price</a:t>
+            </a:r>
+          </a:p>
+          <a:p>
+            <a:pPr marL="482600" lvl="0" indent="-342900" algn="l" rtl="0">
+              <a:lnSpc>
+                <a:spcPct val="115000"/>
+              </a:lnSpc>
+              <a:spcBef>
+                <a:spcPts val="0"/>
+              </a:spcBef>
+              <a:spcAft>
+                <a:spcPts val="0"/>
+              </a:spcAft>
+              <a:buClr>
+                <a:srgbClr val="000000"/>
+              </a:buClr>
+              <a:buSzPts val="1400"/>
+              <a:buFont typeface="+mj-lt"/>
+              <a:buAutoNum type="arabicPeriod"/>
+            </a:pPr>
+            <a:endParaRPr sz="1400" dirty="0">
+              <a:solidFill>
+                <a:schemeClr val="dk1"/>
+              </a:solidFill>
+              <a:latin typeface="Arial"/>
+              <a:ea typeface="Arial"/>
+              <a:cs typeface="Arial"/>
+              <a:sym typeface="Arial"/>
+            </a:endParaRPr>
+          </a:p>
+        </p:txBody>
+      </p:sp>
+    </p:spTree>
+  </p:cSld>
+  <p:clrMapOvr>
+    <a:masterClrMapping/>
+  </p:clrMapOvr>
+</p:sld>
+</file>
+
+<file path=ppt/slides/slide15.xml><?xml version="1.0" encoding="utf-8"?>
+<p:sld xmlns:a="http://schemas.openxmlformats.org/drawingml/2006/main" xmlns:r="http://schemas.openxmlformats.org/officeDocument/2006/relationships" xmlns:p="http://schemas.openxmlformats.org/presentationml/2006/main">
+  <p:cSld>
+    <p:spTree>
+      <p:nvGrpSpPr>
+        <p:cNvPr id="1" name=""/>
+        <p:cNvGrpSpPr/>
+        <p:nvPr/>
+      </p:nvGrpSpPr>
+      <p:grpSpPr>
+        <a:xfrm>
+          <a:off x="0" y="0"/>
+          <a:ext cx="0" cy="0"/>
+          <a:chOff x="0" y="0"/>
+          <a:chExt cx="0" cy="0"/>
+        </a:xfrm>
+      </p:grpSpPr>
+      <p:sp>
+        <p:nvSpPr>
+          <p:cNvPr id="2" name="Title 1">
+            <a:extLst>
+              <a:ext uri="{FF2B5EF4-FFF2-40B4-BE49-F238E27FC236}">
+                <a16:creationId xmlns:a16="http://schemas.microsoft.com/office/drawing/2014/main" id="{96C9CB9F-D8A2-4460-B858-FED59BF753F4}"/>
+              </a:ext>
+            </a:extLst>
+          </p:cNvPr>
+          <p:cNvSpPr>
+            <a:spLocks noGrp="1"/>
+          </p:cNvSpPr>
+          <p:nvPr>
+            <p:ph type="title"/>
+          </p:nvPr>
+        </p:nvSpPr>
+        <p:spPr/>
+        <p:txBody>
+          <a:bodyPr/>
+          <a:lstStyle/>
+          <a:p>
+            <a:r>
+              <a:rPr lang="en-US" dirty="0"/>
+              <a:t>Model Performance Summary(</a:t>
+            </a:r>
+            <a:r>
+              <a:rPr lang="en-US" b="1" i="0" dirty="0">
+                <a:effectLst/>
+                <a:latin typeface="-apple-system"/>
+              </a:rPr>
+              <a:t>statsmodel)</a:t>
+            </a:r>
+            <a:br>
+              <a:rPr lang="en-US" b="1" i="0" dirty="0">
+                <a:effectLst/>
+                <a:latin typeface="-apple-system"/>
+              </a:rPr>
+            </a:br>
+            <a:endParaRPr lang="en-US" dirty="0"/>
+          </a:p>
+        </p:txBody>
+      </p:sp>
+      <p:sp>
+        <p:nvSpPr>
+          <p:cNvPr id="3" name="Text Placeholder 2">
+            <a:extLst>
+              <a:ext uri="{FF2B5EF4-FFF2-40B4-BE49-F238E27FC236}">
+                <a16:creationId xmlns:a16="http://schemas.microsoft.com/office/drawing/2014/main" id="{4C391705-C5FB-45ED-A000-47DE306F51D7}"/>
+              </a:ext>
+            </a:extLst>
+          </p:cNvPr>
+          <p:cNvSpPr>
+            <a:spLocks noGrp="1"/>
+          </p:cNvSpPr>
+          <p:nvPr>
+            <p:ph type="body" idx="1"/>
+          </p:nvPr>
+        </p:nvSpPr>
+        <p:spPr>
+          <a:xfrm>
+            <a:off x="202550" y="779721"/>
+            <a:ext cx="4901078" cy="4125432"/>
+          </a:xfrm>
+        </p:spPr>
+        <p:txBody>
+          <a:bodyPr/>
+          <a:lstStyle/>
+          <a:p>
+            <a:pPr marL="476250" indent="-342900">
+              <a:buFont typeface="+mj-lt"/>
+              <a:buAutoNum type="arabicPeriod"/>
+            </a:pPr>
+            <a:r>
+              <a:rPr lang="en-US" dirty="0"/>
+              <a:t>There is </a:t>
+            </a:r>
+            <a:r>
+              <a:rPr lang="en-US" b="1" dirty="0"/>
+              <a:t>negative</a:t>
+            </a:r>
+            <a:r>
+              <a:rPr lang="en-US" dirty="0"/>
+              <a:t> relationship between used_ price, days_used, some brand name like Gionee, Panasonic and Lenovo. It means for example, for every unit increase in days_used (one day) there is a 0.0011€ decrease in used_price.</a:t>
+            </a:r>
+          </a:p>
+          <a:p>
+            <a:pPr marL="476250" indent="-342900">
+              <a:buFont typeface="+mj-lt"/>
+              <a:buAutoNum type="arabicPeriod"/>
+            </a:pPr>
+            <a:endParaRPr lang="en-US" dirty="0"/>
+          </a:p>
+          <a:p>
+            <a:pPr marL="476250" indent="-342900">
+              <a:buFont typeface="+mj-lt"/>
+              <a:buAutoNum type="arabicPeriod"/>
+            </a:pPr>
+            <a:r>
+              <a:rPr lang="en-US" dirty="0"/>
+              <a:t>1 unit increase in int_memory(GB) leads to an increase in used_price by 0.001€.</a:t>
+            </a:r>
+          </a:p>
+          <a:p>
+            <a:pPr marL="476250" indent="-342900">
+              <a:buFont typeface="+mj-lt"/>
+              <a:buAutoNum type="arabicPeriod"/>
+            </a:pPr>
+            <a:endParaRPr lang="en-US" dirty="0"/>
+          </a:p>
+          <a:p>
+            <a:pPr marL="476250" indent="-342900">
+              <a:buFont typeface="+mj-lt"/>
+              <a:buAutoNum type="arabicPeriod"/>
+            </a:pPr>
+            <a:r>
+              <a:rPr lang="en-US" dirty="0"/>
+              <a:t>1 unit increase in screen_size (cm) leads to an increase in used_price by 0.001788€.</a:t>
+            </a:r>
+          </a:p>
+          <a:p>
+            <a:pPr marL="476250" indent="-342900">
+              <a:buFont typeface="+mj-lt"/>
+              <a:buAutoNum type="arabicPeriod"/>
+            </a:pPr>
+            <a:endParaRPr lang="en-US" dirty="0"/>
+          </a:p>
+          <a:p>
+            <a:pPr marL="476250" indent="-342900">
+              <a:buFont typeface="+mj-lt"/>
+              <a:buAutoNum type="arabicPeriod"/>
+            </a:pPr>
+            <a:r>
+              <a:rPr lang="en-US" dirty="0"/>
+              <a:t>1 EURO increase in log_new_price (price of new cell phone) leads to increase in used_price(used cell phones) by 0.99€.</a:t>
+            </a:r>
+          </a:p>
+          <a:p>
+            <a:endParaRPr lang="en-US" dirty="0"/>
+          </a:p>
+        </p:txBody>
+      </p:sp>
+      <p:pic>
+        <p:nvPicPr>
+          <p:cNvPr id="6" name="Picture 5" descr="Table&#10;&#10;Description automatically generated">
+            <a:extLst>
+              <a:ext uri="{FF2B5EF4-FFF2-40B4-BE49-F238E27FC236}">
+                <a16:creationId xmlns:a16="http://schemas.microsoft.com/office/drawing/2014/main" id="{5E508DBF-5347-4949-AD20-3AF7CB58AFC0}"/>
+              </a:ext>
+            </a:extLst>
+          </p:cNvPr>
+          <p:cNvPicPr>
+            <a:picLocks noChangeAspect="1"/>
+          </p:cNvPicPr>
+          <p:nvPr/>
+        </p:nvPicPr>
+        <p:blipFill>
+          <a:blip r:embed="rId2"/>
+          <a:stretch>
+            <a:fillRect/>
+          </a:stretch>
+        </p:blipFill>
+        <p:spPr>
+          <a:xfrm>
+            <a:off x="5261216" y="1630327"/>
+            <a:ext cx="3680234" cy="2885792"/>
+          </a:xfrm>
+          <a:prstGeom prst="rect">
+            <a:avLst/>
+          </a:prstGeom>
+        </p:spPr>
+      </p:pic>
+    </p:spTree>
+    <p:extLst>
+      <p:ext uri="{BB962C8B-B14F-4D97-AF65-F5344CB8AC3E}">
+        <p14:creationId xmlns:p14="http://schemas.microsoft.com/office/powerpoint/2010/main" val="1924667154"/>
+      </p:ext>
+    </p:extLst>
+  </p:cSld>
+  <p:clrMapOvr>
+    <a:masterClrMapping/>
+  </p:clrMapOvr>
+</p:sld>
+</file>
+
+<file path=ppt/slides/slide16.xml><?xml version="1.0" encoding="utf-8"?>
+<p:sld xmlns:a="http://schemas.openxmlformats.org/drawingml/2006/main" xmlns:r="http://schemas.openxmlformats.org/officeDocument/2006/relationships" xmlns:p="http://schemas.openxmlformats.org/presentationml/2006/main">
+  <p:cSld>
+    <p:spTree>
+      <p:nvGrpSpPr>
+        <p:cNvPr id="1" name=""/>
+        <p:cNvGrpSpPr/>
+        <p:nvPr/>
+      </p:nvGrpSpPr>
+      <p:grpSpPr>
+        <a:xfrm>
+          <a:off x="0" y="0"/>
+          <a:ext cx="0" cy="0"/>
+          <a:chOff x="0" y="0"/>
+          <a:chExt cx="0" cy="0"/>
+        </a:xfrm>
+      </p:grpSpPr>
+      <p:sp>
+        <p:nvSpPr>
+          <p:cNvPr id="2" name="Title 1">
+            <a:extLst>
+              <a:ext uri="{FF2B5EF4-FFF2-40B4-BE49-F238E27FC236}">
+                <a16:creationId xmlns:a16="http://schemas.microsoft.com/office/drawing/2014/main" id="{BC404C46-6322-43F6-BC08-6011CEB544AA}"/>
+              </a:ext>
+            </a:extLst>
+          </p:cNvPr>
+          <p:cNvSpPr>
+            <a:spLocks noGrp="1"/>
+          </p:cNvSpPr>
+          <p:nvPr>
+            <p:ph type="title"/>
+          </p:nvPr>
+        </p:nvSpPr>
+        <p:spPr/>
+        <p:txBody>
+          <a:bodyPr/>
+          <a:lstStyle/>
+          <a:p>
+            <a:r>
+              <a:rPr lang="en-US" dirty="0"/>
+              <a:t>Model Performance Summary</a:t>
+            </a:r>
+          </a:p>
+        </p:txBody>
+      </p:sp>
+      <p:sp>
+        <p:nvSpPr>
+          <p:cNvPr id="3" name="Text Placeholder 2">
+            <a:extLst>
+              <a:ext uri="{FF2B5EF4-FFF2-40B4-BE49-F238E27FC236}">
+                <a16:creationId xmlns:a16="http://schemas.microsoft.com/office/drawing/2014/main" id="{74C107A9-C876-48F4-95FA-4E83AFCEBF58}"/>
+              </a:ext>
+            </a:extLst>
+          </p:cNvPr>
+          <p:cNvSpPr>
+            <a:spLocks noGrp="1"/>
+          </p:cNvSpPr>
+          <p:nvPr>
+            <p:ph type="body" idx="1"/>
+          </p:nvPr>
+        </p:nvSpPr>
+        <p:spPr>
+          <a:xfrm>
+            <a:off x="392383" y="861068"/>
+            <a:ext cx="8432137" cy="4022037"/>
+          </a:xfrm>
+        </p:spPr>
+        <p:txBody>
+          <a:bodyPr/>
+          <a:lstStyle/>
+          <a:p>
+            <a:r>
+              <a:rPr lang="en-US" dirty="0"/>
+              <a:t>Training Performance</a:t>
+            </a:r>
+          </a:p>
+          <a:p>
+            <a:endParaRPr lang="en-US" dirty="0"/>
+          </a:p>
+          <a:p>
+            <a:endParaRPr lang="en-US" dirty="0"/>
+          </a:p>
+          <a:p>
+            <a:pPr marL="139700" indent="0">
+              <a:buNone/>
+            </a:pPr>
+            <a:endParaRPr lang="en-US" dirty="0"/>
+          </a:p>
+          <a:p>
+            <a:r>
+              <a:rPr lang="en-US" dirty="0"/>
+              <a:t>Test Performance</a:t>
+            </a:r>
+          </a:p>
+          <a:p>
+            <a:endParaRPr lang="en-US" dirty="0"/>
+          </a:p>
+          <a:p>
+            <a:endParaRPr lang="en-US" dirty="0"/>
+          </a:p>
+          <a:p>
+            <a:endParaRPr lang="en-US" dirty="0"/>
+          </a:p>
+          <a:p>
+            <a:r>
+              <a:rPr lang="en-US" sz="1200" dirty="0">
+                <a:latin typeface="Daytona" panose="020B0604030500040204" pitchFamily="34" charset="0"/>
+              </a:rPr>
+              <a:t>The model can explain ~99% of the variation in the data, which is very good.</a:t>
+            </a:r>
+          </a:p>
+          <a:p>
+            <a:endParaRPr lang="en-US" sz="1200" dirty="0">
+              <a:latin typeface="Daytona" panose="020B0604030500040204" pitchFamily="34" charset="0"/>
+            </a:endParaRPr>
+          </a:p>
+          <a:p>
+            <a:r>
+              <a:rPr lang="en-US" sz="1200" dirty="0">
+                <a:latin typeface="Daytona" panose="020B0604030500040204" pitchFamily="34" charset="0"/>
+              </a:rPr>
+              <a:t>The train and test RMSE and MAE are low and comparable. So, our model is not suffering from overfitting.</a:t>
+            </a:r>
+          </a:p>
+          <a:p>
+            <a:endParaRPr lang="en-US" sz="1200" dirty="0">
+              <a:latin typeface="Daytona" panose="020B0604030500040204" pitchFamily="34" charset="0"/>
+            </a:endParaRPr>
+          </a:p>
+          <a:p>
+            <a:r>
+              <a:rPr lang="en-US" sz="1200" dirty="0">
+                <a:latin typeface="Daytona" panose="020B0604030500040204" pitchFamily="34" charset="0"/>
+              </a:rPr>
+              <a:t>The MAPE on the test set suggests we can predict within 0.07% of the used cell phone price.</a:t>
+            </a:r>
+          </a:p>
+          <a:p>
+            <a:endParaRPr lang="en-US" sz="1200" dirty="0">
+              <a:latin typeface="Daytona" panose="020B0604030500040204" pitchFamily="34" charset="0"/>
+            </a:endParaRPr>
+          </a:p>
+          <a:p>
+            <a:r>
+              <a:rPr lang="en-US" sz="1200" dirty="0">
+                <a:latin typeface="Daytona" panose="020B0604030500040204" pitchFamily="34" charset="0"/>
+              </a:rPr>
+              <a:t>Hence, we can conclude the model olsmod2 is good for prediction as well as inference purposes</a:t>
+            </a:r>
+            <a:r>
+              <a:rPr lang="en-US" dirty="0"/>
+              <a:t>.</a:t>
+            </a:r>
+          </a:p>
+        </p:txBody>
+      </p:sp>
+      <p:pic>
+        <p:nvPicPr>
+          <p:cNvPr id="6" name="Picture 5">
+            <a:extLst>
+              <a:ext uri="{FF2B5EF4-FFF2-40B4-BE49-F238E27FC236}">
+                <a16:creationId xmlns:a16="http://schemas.microsoft.com/office/drawing/2014/main" id="{7F9CEBBB-E286-4444-988F-B0DD00A05C03}"/>
+              </a:ext>
+            </a:extLst>
+          </p:cNvPr>
+          <p:cNvPicPr>
+            <a:picLocks noChangeAspect="1"/>
+          </p:cNvPicPr>
+          <p:nvPr/>
+        </p:nvPicPr>
+        <p:blipFill>
+          <a:blip r:embed="rId2"/>
+          <a:stretch>
+            <a:fillRect/>
+          </a:stretch>
+        </p:blipFill>
+        <p:spPr>
+          <a:xfrm>
+            <a:off x="456178" y="1256409"/>
+            <a:ext cx="5423955" cy="506079"/>
+          </a:xfrm>
+          <a:prstGeom prst="rect">
+            <a:avLst/>
+          </a:prstGeom>
+        </p:spPr>
+      </p:pic>
+      <p:pic>
+        <p:nvPicPr>
+          <p:cNvPr id="7" name="Picture 6">
+            <a:extLst>
+              <a:ext uri="{FF2B5EF4-FFF2-40B4-BE49-F238E27FC236}">
+                <a16:creationId xmlns:a16="http://schemas.microsoft.com/office/drawing/2014/main" id="{C34488DB-B4F0-40D2-9937-0FDDC77ED626}"/>
+              </a:ext>
+            </a:extLst>
+          </p:cNvPr>
+          <p:cNvPicPr>
+            <a:picLocks noChangeAspect="1"/>
+          </p:cNvPicPr>
+          <p:nvPr/>
+        </p:nvPicPr>
+        <p:blipFill>
+          <a:blip r:embed="rId3"/>
+          <a:stretch>
+            <a:fillRect/>
+          </a:stretch>
+        </p:blipFill>
+        <p:spPr>
+          <a:xfrm>
+            <a:off x="392383" y="2188318"/>
+            <a:ext cx="5423956" cy="466117"/>
+          </a:xfrm>
+          <a:prstGeom prst="rect">
+            <a:avLst/>
+          </a:prstGeom>
+        </p:spPr>
+      </p:pic>
+    </p:spTree>
+    <p:extLst>
+      <p:ext uri="{BB962C8B-B14F-4D97-AF65-F5344CB8AC3E}">
+        <p14:creationId xmlns:p14="http://schemas.microsoft.com/office/powerpoint/2010/main" val="1879699706"/>
+      </p:ext>
+    </p:extLst>
+  </p:cSld>
+  <p:clrMapOvr>
+    <a:masterClrMapping/>
+  </p:clrMapOvr>
+</p:sld>
+</file>
+
+<file path=ppt/slides/slide17.xml><?xml version="1.0" encoding="utf-8"?>
+<p:sld xmlns:a="http://schemas.openxmlformats.org/drawingml/2006/main" xmlns:r="http://schemas.openxmlformats.org/officeDocument/2006/relationships" xmlns:p="http://schemas.openxmlformats.org/presentationml/2006/main">
+  <p:cSld>
+    <p:spTree>
+      <p:nvGrpSpPr>
+        <p:cNvPr id="1" name="Shape 90"/>
+        <p:cNvGrpSpPr/>
+        <p:nvPr/>
+      </p:nvGrpSpPr>
+      <p:grpSpPr>
+        <a:xfrm>
+          <a:off x="0" y="0"/>
+          <a:ext cx="0" cy="0"/>
+          <a:chOff x="0" y="0"/>
+          <a:chExt cx="0" cy="0"/>
+        </a:xfrm>
+      </p:grpSpPr>
+      <p:sp>
+        <p:nvSpPr>
+          <p:cNvPr id="91" name="Google Shape;91;p7"/>
+          <p:cNvSpPr txBox="1">
+            <a:spLocks noGrp="1"/>
+          </p:cNvSpPr>
+          <p:nvPr>
+            <p:ph type="title"/>
+          </p:nvPr>
+        </p:nvSpPr>
+        <p:spPr>
+          <a:xfrm>
+            <a:off x="202550" y="289279"/>
+            <a:ext cx="8520600" cy="572700"/>
+          </a:xfrm>
+          <a:prstGeom prst="rect">
+            <a:avLst/>
+          </a:prstGeom>
+          <a:noFill/>
+          <a:ln>
+            <a:noFill/>
+          </a:ln>
+        </p:spPr>
+        <p:txBody>
+          <a:bodyPr spcFirstLastPara="1" wrap="square" lIns="91425" tIns="91425" rIns="91425" bIns="91425" anchor="t" anchorCtr="0">
+            <a:noAutofit/>
+          </a:bodyPr>
+          <a:lstStyle/>
+          <a:p>
+            <a:pPr marL="0" lvl="0" indent="0" algn="l" rtl="0">
+              <a:lnSpc>
+                <a:spcPct val="100000"/>
+              </a:lnSpc>
+              <a:spcBef>
+                <a:spcPts val="0"/>
+              </a:spcBef>
+              <a:spcAft>
+                <a:spcPts val="0"/>
+              </a:spcAft>
+              <a:buSzPts val="2200"/>
+              <a:buNone/>
+            </a:pPr>
+            <a:r>
+              <a:rPr lang="en-US" dirty="0">
+                <a:solidFill>
+                  <a:srgbClr val="000000"/>
+                </a:solidFill>
+                <a:latin typeface="Arial"/>
+                <a:ea typeface="Arial"/>
+                <a:cs typeface="Arial"/>
+                <a:sym typeface="Arial"/>
+              </a:rPr>
+              <a:t>C</a:t>
+            </a:r>
+            <a:r>
+              <a:rPr lang="en" dirty="0">
+                <a:solidFill>
+                  <a:srgbClr val="000000"/>
+                </a:solidFill>
+                <a:latin typeface="Arial"/>
+                <a:ea typeface="Arial"/>
+                <a:cs typeface="Arial"/>
+                <a:sym typeface="Arial"/>
+              </a:rPr>
+              <a:t>heck the </a:t>
+            </a:r>
+            <a:r>
+              <a:rPr lang="en-US" dirty="0">
+                <a:solidFill>
+                  <a:srgbClr val="000000"/>
+                </a:solidFill>
+                <a:latin typeface="Arial"/>
+                <a:ea typeface="Arial"/>
+                <a:cs typeface="Arial"/>
+                <a:sym typeface="Arial"/>
+              </a:rPr>
+              <a:t>assumptions </a:t>
+            </a:r>
+            <a:endParaRPr dirty="0">
+              <a:solidFill>
+                <a:srgbClr val="000000"/>
+              </a:solidFill>
+              <a:latin typeface="Arial"/>
+              <a:ea typeface="Arial"/>
+              <a:cs typeface="Arial"/>
+              <a:sym typeface="Arial"/>
+            </a:endParaRPr>
+          </a:p>
+        </p:txBody>
+      </p:sp>
+      <p:sp>
+        <p:nvSpPr>
+          <p:cNvPr id="92" name="Google Shape;92;p7"/>
+          <p:cNvSpPr txBox="1">
+            <a:spLocks noGrp="1"/>
+          </p:cNvSpPr>
+          <p:nvPr>
+            <p:ph type="body" idx="1"/>
+          </p:nvPr>
+        </p:nvSpPr>
+        <p:spPr>
+          <a:xfrm>
+            <a:off x="-1" y="950719"/>
+            <a:ext cx="3795823" cy="3706800"/>
+          </a:xfrm>
+          <a:prstGeom prst="rect">
+            <a:avLst/>
+          </a:prstGeom>
+          <a:noFill/>
+          <a:ln>
+            <a:noFill/>
+          </a:ln>
+        </p:spPr>
+        <p:txBody>
+          <a:bodyPr spcFirstLastPara="1" wrap="square" lIns="91425" tIns="91425" rIns="91425" bIns="91425" anchor="t" anchorCtr="0">
+            <a:noAutofit/>
+          </a:bodyPr>
+          <a:lstStyle/>
+          <a:p>
+            <a:pPr marL="133350" indent="0">
+              <a:buNone/>
+            </a:pPr>
+            <a:r>
+              <a:rPr lang="en-US" sz="1600" b="1" i="0" dirty="0">
+                <a:solidFill>
+                  <a:srgbClr val="000000"/>
+                </a:solidFill>
+                <a:effectLst/>
+                <a:latin typeface="Helvetica Neue"/>
+              </a:rPr>
+              <a:t>1- TEST FOR NORMALITY</a:t>
+            </a:r>
+          </a:p>
+          <a:p>
+            <a:pPr marL="133350" indent="0">
+              <a:buNone/>
+            </a:pPr>
+            <a:endParaRPr lang="en-US" sz="1600" b="1" i="0" dirty="0">
+              <a:solidFill>
+                <a:srgbClr val="000000"/>
+              </a:solidFill>
+              <a:effectLst/>
+              <a:latin typeface="Helvetica Neue"/>
+            </a:endParaRPr>
+          </a:p>
+          <a:p>
+            <a:pPr algn="l">
+              <a:buFont typeface="Arial" panose="020B0604020202020204" pitchFamily="34" charset="0"/>
+              <a:buChar char="•"/>
+            </a:pPr>
+            <a:r>
+              <a:rPr lang="en-US" sz="1600" b="0" i="0" dirty="0">
+                <a:solidFill>
+                  <a:srgbClr val="000000"/>
+                </a:solidFill>
+                <a:effectLst/>
+                <a:latin typeface="Helvetica Neue"/>
+              </a:rPr>
+              <a:t>Since p-value &lt; 0.05, the residuals are not normal as per the Shapiro-Wilk test.</a:t>
+            </a:r>
+          </a:p>
+          <a:p>
+            <a:pPr algn="l">
+              <a:buFont typeface="Arial" panose="020B0604020202020204" pitchFamily="34" charset="0"/>
+              <a:buChar char="•"/>
+            </a:pPr>
+            <a:r>
+              <a:rPr lang="en-US" sz="1600" b="0" i="0" dirty="0">
+                <a:solidFill>
+                  <a:srgbClr val="000000"/>
+                </a:solidFill>
+                <a:effectLst/>
+                <a:latin typeface="Helvetica Neue"/>
+              </a:rPr>
+              <a:t>Strictly speaking, the residuals are not normal. However, as an approximation, we can accept this distribution as close to being normal.</a:t>
+            </a:r>
+          </a:p>
+          <a:p>
+            <a:pPr algn="l">
+              <a:buFont typeface="Arial" panose="020B0604020202020204" pitchFamily="34" charset="0"/>
+              <a:buChar char="•"/>
+            </a:pPr>
+            <a:r>
+              <a:rPr lang="en-US" sz="1600" b="0" i="0" dirty="0">
+                <a:solidFill>
+                  <a:srgbClr val="000000"/>
+                </a:solidFill>
+                <a:effectLst/>
+                <a:latin typeface="Helvetica Neue"/>
+              </a:rPr>
+              <a:t>So, the assumption is satisfied.</a:t>
+            </a:r>
+          </a:p>
+          <a:p>
+            <a:pPr marL="457200" lvl="0" indent="-317500" algn="l" rtl="0">
+              <a:lnSpc>
+                <a:spcPct val="115000"/>
+              </a:lnSpc>
+              <a:spcBef>
+                <a:spcPts val="1000"/>
+              </a:spcBef>
+              <a:spcAft>
+                <a:spcPts val="1000"/>
+              </a:spcAft>
+              <a:buClr>
+                <a:srgbClr val="000000"/>
+              </a:buClr>
+              <a:buSzPts val="1400"/>
+              <a:buFont typeface="Arial"/>
+              <a:buChar char="●"/>
+            </a:pPr>
+            <a:endParaRPr lang="en-US" sz="1400" dirty="0">
+              <a:solidFill>
+                <a:schemeClr val="dk1"/>
+              </a:solidFill>
+              <a:latin typeface="Daytona" panose="020B0604030500040204" pitchFamily="34" charset="0"/>
+              <a:ea typeface="Arial"/>
+              <a:cs typeface="Arial"/>
+              <a:sym typeface="Arial"/>
+            </a:endParaRPr>
+          </a:p>
+        </p:txBody>
+      </p:sp>
+      <p:pic>
+        <p:nvPicPr>
+          <p:cNvPr id="3" name="Picture 2" descr="A picture containing plot, line, text, diagram&#10;&#10;Description automatically generated">
+            <a:extLst>
+              <a:ext uri="{FF2B5EF4-FFF2-40B4-BE49-F238E27FC236}">
+                <a16:creationId xmlns:a16="http://schemas.microsoft.com/office/drawing/2014/main" id="{33EBB1F7-E9E1-413B-2F0F-5A5A69A69A7B}"/>
+              </a:ext>
+            </a:extLst>
+          </p:cNvPr>
+          <p:cNvPicPr>
+            <a:picLocks noChangeAspect="1"/>
+          </p:cNvPicPr>
+          <p:nvPr/>
+        </p:nvPicPr>
+        <p:blipFill>
+          <a:blip r:embed="rId3"/>
+          <a:stretch>
+            <a:fillRect/>
+          </a:stretch>
+        </p:blipFill>
+        <p:spPr>
+          <a:xfrm>
+            <a:off x="5789451" y="63795"/>
+            <a:ext cx="3223129" cy="2192965"/>
+          </a:xfrm>
+          <a:prstGeom prst="rect">
+            <a:avLst/>
+          </a:prstGeom>
+        </p:spPr>
+      </p:pic>
+      <p:pic>
+        <p:nvPicPr>
+          <p:cNvPr id="5" name="Picture 4" descr="A screenshot of a computer&#10;&#10;Description automatically generated with medium confidence">
+            <a:extLst>
+              <a:ext uri="{FF2B5EF4-FFF2-40B4-BE49-F238E27FC236}">
+                <a16:creationId xmlns:a16="http://schemas.microsoft.com/office/drawing/2014/main" id="{FE13DBF5-9DAF-C377-E5CE-E13D2DE492F4}"/>
+              </a:ext>
+            </a:extLst>
+          </p:cNvPr>
+          <p:cNvPicPr>
+            <a:picLocks noChangeAspect="1"/>
+          </p:cNvPicPr>
+          <p:nvPr/>
+        </p:nvPicPr>
+        <p:blipFill>
+          <a:blip r:embed="rId4"/>
+          <a:stretch>
+            <a:fillRect/>
+          </a:stretch>
+        </p:blipFill>
+        <p:spPr>
+          <a:xfrm>
+            <a:off x="4068209" y="2571750"/>
+            <a:ext cx="4857240" cy="1798084"/>
+          </a:xfrm>
+          <a:prstGeom prst="rect">
+            <a:avLst/>
+          </a:prstGeom>
+        </p:spPr>
+      </p:pic>
+    </p:spTree>
+  </p:cSld>
+  <p:clrMapOvr>
+    <a:masterClrMapping/>
+  </p:clrMapOvr>
+</p:sld>
+</file>
+
+<file path=ppt/slides/slide18.xml><?xml version="1.0" encoding="utf-8"?>
+<p:sld xmlns:a="http://schemas.openxmlformats.org/drawingml/2006/main" xmlns:r="http://schemas.openxmlformats.org/officeDocument/2006/relationships" xmlns:p="http://schemas.openxmlformats.org/presentationml/2006/main">
+  <p:cSld>
+    <p:spTree>
+      <p:nvGrpSpPr>
+        <p:cNvPr id="1" name=""/>
+        <p:cNvGrpSpPr/>
+        <p:nvPr/>
+      </p:nvGrpSpPr>
+      <p:grpSpPr>
+        <a:xfrm>
+          <a:off x="0" y="0"/>
+          <a:ext cx="0" cy="0"/>
+          <a:chOff x="0" y="0"/>
+          <a:chExt cx="0" cy="0"/>
+        </a:xfrm>
+      </p:grpSpPr>
+      <p:sp>
+        <p:nvSpPr>
+          <p:cNvPr id="2" name="Title 1">
+            <a:extLst>
+              <a:ext uri="{FF2B5EF4-FFF2-40B4-BE49-F238E27FC236}">
+                <a16:creationId xmlns:a16="http://schemas.microsoft.com/office/drawing/2014/main" id="{B3455901-A65A-0856-79CE-86B6EF76BCA3}"/>
+              </a:ext>
+            </a:extLst>
+          </p:cNvPr>
+          <p:cNvSpPr>
+            <a:spLocks noGrp="1"/>
+          </p:cNvSpPr>
+          <p:nvPr>
+            <p:ph type="title"/>
+          </p:nvPr>
+        </p:nvSpPr>
+        <p:spPr/>
+        <p:txBody>
+          <a:bodyPr/>
+          <a:lstStyle/>
+          <a:p>
+            <a:r>
+              <a:rPr lang="en-US" dirty="0">
+                <a:solidFill>
+                  <a:srgbClr val="000000"/>
+                </a:solidFill>
+                <a:latin typeface="Arial"/>
+                <a:ea typeface="Arial"/>
+                <a:cs typeface="Arial"/>
+                <a:sym typeface="Arial"/>
+              </a:rPr>
+              <a:t>C</a:t>
+            </a:r>
+            <a:r>
+              <a:rPr lang="en" dirty="0">
+                <a:solidFill>
+                  <a:srgbClr val="000000"/>
+                </a:solidFill>
+                <a:latin typeface="Arial"/>
+                <a:ea typeface="Arial"/>
+                <a:cs typeface="Arial"/>
+                <a:sym typeface="Arial"/>
+              </a:rPr>
+              <a:t>heck the </a:t>
+            </a:r>
+            <a:r>
+              <a:rPr lang="en-US" dirty="0">
+                <a:solidFill>
+                  <a:srgbClr val="000000"/>
+                </a:solidFill>
+                <a:latin typeface="Arial"/>
+                <a:ea typeface="Arial"/>
+                <a:cs typeface="Arial"/>
+                <a:sym typeface="Arial"/>
+              </a:rPr>
+              <a:t>assumptions </a:t>
+            </a:r>
+            <a:endParaRPr lang="en-US" dirty="0"/>
+          </a:p>
+        </p:txBody>
+      </p:sp>
+      <p:sp>
+        <p:nvSpPr>
+          <p:cNvPr id="3" name="Text Placeholder 2">
+            <a:extLst>
+              <a:ext uri="{FF2B5EF4-FFF2-40B4-BE49-F238E27FC236}">
+                <a16:creationId xmlns:a16="http://schemas.microsoft.com/office/drawing/2014/main" id="{1600CAC5-BA1A-8331-53F9-8D734D340120}"/>
+              </a:ext>
+            </a:extLst>
+          </p:cNvPr>
+          <p:cNvSpPr>
+            <a:spLocks noGrp="1"/>
+          </p:cNvSpPr>
+          <p:nvPr>
+            <p:ph type="body" idx="1"/>
+          </p:nvPr>
+        </p:nvSpPr>
+        <p:spPr>
+          <a:xfrm>
+            <a:off x="257100" y="933913"/>
+            <a:ext cx="8629800" cy="368859"/>
+          </a:xfrm>
+        </p:spPr>
+        <p:txBody>
+          <a:bodyPr/>
+          <a:lstStyle/>
+          <a:p>
+            <a:pPr marL="133350" indent="0">
+              <a:buNone/>
+            </a:pPr>
+            <a:r>
+              <a:rPr lang="en-US" b="1" dirty="0"/>
+              <a:t>2- Test for </a:t>
+            </a:r>
+            <a:r>
+              <a:rPr lang="en-US" sz="1600" b="1" dirty="0"/>
+              <a:t>Homoscedasticity</a:t>
+            </a:r>
+            <a:r>
+              <a:rPr lang="en-US" b="1" dirty="0"/>
+              <a:t> </a:t>
+            </a:r>
+          </a:p>
+        </p:txBody>
+      </p:sp>
+      <p:pic>
+        <p:nvPicPr>
+          <p:cNvPr id="5" name="Picture 4" descr="A screenshot of a computer code&#10;&#10;Description automatically generated with medium confidence">
+            <a:extLst>
+              <a:ext uri="{FF2B5EF4-FFF2-40B4-BE49-F238E27FC236}">
+                <a16:creationId xmlns:a16="http://schemas.microsoft.com/office/drawing/2014/main" id="{30FDAC34-95E5-6EFD-36B0-4EE72683122A}"/>
+              </a:ext>
+            </a:extLst>
+          </p:cNvPr>
+          <p:cNvPicPr>
+            <a:picLocks noChangeAspect="1"/>
+          </p:cNvPicPr>
+          <p:nvPr/>
+        </p:nvPicPr>
+        <p:blipFill>
+          <a:blip r:embed="rId2"/>
+          <a:stretch>
+            <a:fillRect/>
+          </a:stretch>
+        </p:blipFill>
+        <p:spPr>
+          <a:xfrm>
+            <a:off x="1007491" y="2699932"/>
+            <a:ext cx="6496050" cy="2082800"/>
+          </a:xfrm>
+          <a:prstGeom prst="rect">
+            <a:avLst/>
+          </a:prstGeom>
+        </p:spPr>
+      </p:pic>
+      <p:sp>
+        <p:nvSpPr>
+          <p:cNvPr id="7" name="TextBox 6">
+            <a:extLst>
+              <a:ext uri="{FF2B5EF4-FFF2-40B4-BE49-F238E27FC236}">
+                <a16:creationId xmlns:a16="http://schemas.microsoft.com/office/drawing/2014/main" id="{94596FC3-D12F-DD72-02C1-AE85E3F6ECCC}"/>
+              </a:ext>
+            </a:extLst>
+          </p:cNvPr>
+          <p:cNvSpPr txBox="1"/>
+          <p:nvPr/>
+        </p:nvSpPr>
+        <p:spPr>
+          <a:xfrm>
+            <a:off x="1754206" y="1632020"/>
+            <a:ext cx="5002619" cy="738664"/>
+          </a:xfrm>
+          <a:prstGeom prst="rect">
+            <a:avLst/>
+          </a:prstGeom>
+          <a:noFill/>
+        </p:spPr>
+        <p:txBody>
+          <a:bodyPr wrap="square">
+            <a:spAutoFit/>
+          </a:bodyPr>
+          <a:lstStyle/>
+          <a:p>
+            <a:pPr algn="l"/>
+            <a:r>
+              <a:rPr lang="en-US" b="1" i="0" dirty="0">
+                <a:effectLst/>
+                <a:latin typeface="-apple-system"/>
+              </a:rPr>
+              <a:t>Null hypothesis: Residuals are homoscedastic</a:t>
+            </a:r>
+          </a:p>
+          <a:p>
+            <a:pPr algn="l"/>
+            <a:r>
+              <a:rPr lang="en-US" b="1" i="0" dirty="0">
+                <a:effectLst/>
+                <a:latin typeface="-apple-system"/>
+              </a:rPr>
+              <a:t>Alternate hypothesis: Residuals are not </a:t>
+            </a:r>
+            <a:r>
+              <a:rPr lang="en-US" sz="1200" b="1" dirty="0"/>
+              <a:t>homoscedastic</a:t>
+            </a:r>
+            <a:endParaRPr lang="en-US" b="1" i="0" dirty="0">
+              <a:effectLst/>
+              <a:latin typeface="-apple-system"/>
+            </a:endParaRPr>
+          </a:p>
+          <a:p>
+            <a:endParaRPr lang="en-US" dirty="0"/>
+          </a:p>
+        </p:txBody>
+      </p:sp>
+    </p:spTree>
+    <p:extLst>
+      <p:ext uri="{BB962C8B-B14F-4D97-AF65-F5344CB8AC3E}">
+        <p14:creationId xmlns:p14="http://schemas.microsoft.com/office/powerpoint/2010/main" val="3181767334"/>
+      </p:ext>
+    </p:extLst>
+  </p:cSld>
+  <p:clrMapOvr>
+    <a:masterClrMapping/>
+  </p:clrMapOvr>
+</p:sld>
+</file>
+
+<file path=ppt/slides/slide19.xml><?xml version="1.0" encoding="utf-8"?>
+<p:sld xmlns:a="http://schemas.openxmlformats.org/drawingml/2006/main" xmlns:r="http://schemas.openxmlformats.org/officeDocument/2006/relationships" xmlns:p="http://schemas.openxmlformats.org/presentationml/2006/main">
+  <p:cSld>
+    <p:spTree>
+      <p:nvGrpSpPr>
+        <p:cNvPr id="1" name=""/>
+        <p:cNvGrpSpPr/>
+        <p:nvPr/>
+      </p:nvGrpSpPr>
+      <p:grpSpPr>
+        <a:xfrm>
+          <a:off x="0" y="0"/>
+          <a:ext cx="0" cy="0"/>
+          <a:chOff x="0" y="0"/>
+          <a:chExt cx="0" cy="0"/>
+        </a:xfrm>
+      </p:grpSpPr>
+      <p:sp>
+        <p:nvSpPr>
+          <p:cNvPr id="2" name="Title 1">
+            <a:extLst>
+              <a:ext uri="{FF2B5EF4-FFF2-40B4-BE49-F238E27FC236}">
+                <a16:creationId xmlns:a16="http://schemas.microsoft.com/office/drawing/2014/main" id="{46841FC4-45B9-8B32-32B5-E1B5E7AC4F65}"/>
+              </a:ext>
+            </a:extLst>
+          </p:cNvPr>
+          <p:cNvSpPr>
+            <a:spLocks noGrp="1"/>
+          </p:cNvSpPr>
+          <p:nvPr>
+            <p:ph type="title"/>
+          </p:nvPr>
+        </p:nvSpPr>
+        <p:spPr/>
+        <p:txBody>
+          <a:bodyPr/>
+          <a:lstStyle/>
+          <a:p>
+            <a:r>
+              <a:rPr lang="en-US" dirty="0">
+                <a:solidFill>
+                  <a:srgbClr val="000000"/>
+                </a:solidFill>
+                <a:latin typeface="Arial"/>
+                <a:ea typeface="Arial"/>
+                <a:cs typeface="Arial"/>
+                <a:sym typeface="Arial"/>
+              </a:rPr>
+              <a:t>C</a:t>
+            </a:r>
+            <a:r>
+              <a:rPr lang="en" dirty="0">
+                <a:solidFill>
+                  <a:srgbClr val="000000"/>
+                </a:solidFill>
+                <a:latin typeface="Arial"/>
+                <a:ea typeface="Arial"/>
+                <a:cs typeface="Arial"/>
+                <a:sym typeface="Arial"/>
+              </a:rPr>
+              <a:t>heck the </a:t>
+            </a:r>
+            <a:r>
+              <a:rPr lang="en-US" dirty="0">
+                <a:solidFill>
+                  <a:srgbClr val="000000"/>
+                </a:solidFill>
+                <a:latin typeface="Arial"/>
+                <a:ea typeface="Arial"/>
+                <a:cs typeface="Arial"/>
+                <a:sym typeface="Arial"/>
+              </a:rPr>
+              <a:t>assumptions </a:t>
+            </a:r>
+            <a:endParaRPr lang="en-US" dirty="0"/>
+          </a:p>
+        </p:txBody>
+      </p:sp>
+      <p:sp>
+        <p:nvSpPr>
+          <p:cNvPr id="3" name="Text Placeholder 2">
+            <a:extLst>
+              <a:ext uri="{FF2B5EF4-FFF2-40B4-BE49-F238E27FC236}">
+                <a16:creationId xmlns:a16="http://schemas.microsoft.com/office/drawing/2014/main" id="{A7C22384-2D83-9765-75E0-2F0677EFEEE0}"/>
+              </a:ext>
+            </a:extLst>
+          </p:cNvPr>
+          <p:cNvSpPr>
+            <a:spLocks noGrp="1"/>
+          </p:cNvSpPr>
+          <p:nvPr>
+            <p:ph type="body" idx="1"/>
+          </p:nvPr>
+        </p:nvSpPr>
+        <p:spPr>
+          <a:xfrm>
+            <a:off x="202550" y="861975"/>
+            <a:ext cx="8629800" cy="3874830"/>
+          </a:xfrm>
+        </p:spPr>
+        <p:txBody>
+          <a:bodyPr/>
+          <a:lstStyle/>
+          <a:p>
+            <a:pPr marL="133350" indent="0">
+              <a:buNone/>
+            </a:pPr>
+            <a:r>
+              <a:rPr lang="en-US" sz="1600" b="1" i="0" dirty="0">
+                <a:effectLst/>
+                <a:latin typeface="Nunito" pitchFamily="2" charset="0"/>
+              </a:rPr>
+              <a:t>3- Test for </a:t>
+            </a:r>
+            <a:r>
+              <a:rPr lang="en-US" b="1" i="0" dirty="0">
+                <a:effectLst/>
+                <a:latin typeface="Nunito" pitchFamily="2" charset="0"/>
+              </a:rPr>
+              <a:t>linearity</a:t>
+            </a:r>
+          </a:p>
+          <a:p>
+            <a:endParaRPr lang="en-US" b="1" dirty="0">
+              <a:latin typeface="Nunito" pitchFamily="2" charset="0"/>
+            </a:endParaRPr>
+          </a:p>
+          <a:p>
+            <a:endParaRPr lang="en-US" b="1" i="0" dirty="0">
+              <a:effectLst/>
+              <a:latin typeface="Nunito" pitchFamily="2" charset="0"/>
+            </a:endParaRPr>
+          </a:p>
+          <a:p>
+            <a:endParaRPr lang="en-US" b="1" dirty="0">
+              <a:latin typeface="Nunito" pitchFamily="2" charset="0"/>
+            </a:endParaRPr>
+          </a:p>
+          <a:p>
+            <a:endParaRPr lang="en-US" b="1" i="0" dirty="0">
+              <a:effectLst/>
+              <a:latin typeface="Nunito" pitchFamily="2" charset="0"/>
+            </a:endParaRPr>
+          </a:p>
+          <a:p>
+            <a:endParaRPr lang="en-US" b="1" dirty="0">
+              <a:latin typeface="Nunito" pitchFamily="2" charset="0"/>
+            </a:endParaRPr>
+          </a:p>
+          <a:p>
+            <a:endParaRPr lang="en-US" b="1" i="0" dirty="0">
+              <a:effectLst/>
+              <a:latin typeface="Nunito" pitchFamily="2" charset="0"/>
+            </a:endParaRPr>
+          </a:p>
+          <a:p>
+            <a:endParaRPr lang="en-US" b="1" dirty="0">
+              <a:latin typeface="Nunito" pitchFamily="2" charset="0"/>
+            </a:endParaRPr>
+          </a:p>
+          <a:p>
+            <a:endParaRPr lang="en-US" b="1" i="0" dirty="0">
+              <a:effectLst/>
+              <a:latin typeface="Nunito" pitchFamily="2" charset="0"/>
+            </a:endParaRPr>
+          </a:p>
+          <a:p>
+            <a:endParaRPr lang="en-US" b="1" dirty="0">
+              <a:latin typeface="Nunito" pitchFamily="2" charset="0"/>
+            </a:endParaRPr>
+          </a:p>
+          <a:p>
+            <a:endParaRPr lang="en-US" b="1" i="0" dirty="0">
+              <a:effectLst/>
+              <a:latin typeface="Nunito" pitchFamily="2" charset="0"/>
+            </a:endParaRPr>
+          </a:p>
+          <a:p>
+            <a:pPr marL="133350" indent="0">
+              <a:buNone/>
+            </a:pPr>
+            <a:endParaRPr lang="en-US" b="1" i="0" dirty="0">
+              <a:effectLst/>
+              <a:latin typeface="Nunito" pitchFamily="2" charset="0"/>
+            </a:endParaRPr>
+          </a:p>
+          <a:p>
+            <a:r>
+              <a:rPr lang="en-US" b="0" i="0" dirty="0">
+                <a:effectLst/>
+                <a:latin typeface="-apple-system"/>
+              </a:rPr>
+              <a:t>We see no pattern in the plot above. Hence, the assumptions of linearity and independence </a:t>
+            </a:r>
+            <a:r>
+              <a:rPr lang="en-US" b="1" i="0" dirty="0">
+                <a:effectLst/>
+                <a:latin typeface="-apple-system"/>
+              </a:rPr>
+              <a:t>are satisfied</a:t>
+            </a:r>
+            <a:endParaRPr lang="en-US" dirty="0"/>
+          </a:p>
+        </p:txBody>
+      </p:sp>
+      <p:pic>
+        <p:nvPicPr>
+          <p:cNvPr id="5" name="Picture 4" descr="A picture containing text, line, plot, diagram&#10;&#10;Description automatically generated">
+            <a:extLst>
+              <a:ext uri="{FF2B5EF4-FFF2-40B4-BE49-F238E27FC236}">
+                <a16:creationId xmlns:a16="http://schemas.microsoft.com/office/drawing/2014/main" id="{91783B44-67E9-ECE7-24E6-60BB31295CE8}"/>
+              </a:ext>
+            </a:extLst>
+          </p:cNvPr>
+          <p:cNvPicPr>
+            <a:picLocks noChangeAspect="1"/>
+          </p:cNvPicPr>
+          <p:nvPr/>
+        </p:nvPicPr>
+        <p:blipFill>
+          <a:blip r:embed="rId2"/>
+          <a:stretch>
+            <a:fillRect/>
+          </a:stretch>
+        </p:blipFill>
+        <p:spPr>
+          <a:xfrm>
+            <a:off x="2732590" y="1026041"/>
+            <a:ext cx="4246717" cy="2889398"/>
+          </a:xfrm>
+          <a:prstGeom prst="rect">
+            <a:avLst/>
+          </a:prstGeom>
+        </p:spPr>
+      </p:pic>
+    </p:spTree>
+    <p:extLst>
+      <p:ext uri="{BB962C8B-B14F-4D97-AF65-F5344CB8AC3E}">
+        <p14:creationId xmlns:p14="http://schemas.microsoft.com/office/powerpoint/2010/main" val="2214483153"/>
+      </p:ext>
+    </p:extLst>
+  </p:cSld>
+  <p:clrMapOvr>
+    <a:masterClrMapping/>
+  </p:clrMapOvr>
+</p:sld>
+</file>
+
+<file path=ppt/slides/slide2.xml><?xml version="1.0" encoding="utf-8"?>
+<p:sld xmlns:a="http://schemas.openxmlformats.org/drawingml/2006/main" xmlns:r="http://schemas.openxmlformats.org/officeDocument/2006/relationships" xmlns:p="http://schemas.openxmlformats.org/presentationml/2006/main">
+  <p:cSld>
+    <p:spTree>
+      <p:nvGrpSpPr>
+        <p:cNvPr id="1" name="Shape 61"/>
+        <p:cNvGrpSpPr/>
+        <p:nvPr/>
+      </p:nvGrpSpPr>
+      <p:grpSpPr>
+        <a:xfrm>
+          <a:off x="0" y="0"/>
+          <a:ext cx="0" cy="0"/>
+          <a:chOff x="0" y="0"/>
+          <a:chExt cx="0" cy="0"/>
+        </a:xfrm>
+      </p:grpSpPr>
+      <p:sp>
+        <p:nvSpPr>
+          <p:cNvPr id="62" name="Google Shape;62;p2"/>
+          <p:cNvSpPr txBox="1">
+            <a:spLocks noGrp="1"/>
+          </p:cNvSpPr>
+          <p:nvPr>
+            <p:ph type="title"/>
+          </p:nvPr>
+        </p:nvSpPr>
+        <p:spPr>
+          <a:xfrm>
+            <a:off x="202550" y="289279"/>
+            <a:ext cx="8520600" cy="572700"/>
+          </a:xfrm>
+          <a:prstGeom prst="rect">
+            <a:avLst/>
+          </a:prstGeom>
+          <a:noFill/>
+          <a:ln>
+            <a:noFill/>
+          </a:ln>
+        </p:spPr>
+        <p:txBody>
+          <a:bodyPr spcFirstLastPara="1" wrap="square" lIns="91425" tIns="91425" rIns="91425" bIns="91425" anchor="t" anchorCtr="0">
+            <a:noAutofit/>
+          </a:bodyPr>
+          <a:lstStyle/>
+          <a:p>
+            <a:pPr marL="0" lvl="0" indent="0" algn="l" rtl="0">
+              <a:lnSpc>
+                <a:spcPct val="100000"/>
+              </a:lnSpc>
+              <a:spcBef>
+                <a:spcPts val="0"/>
+              </a:spcBef>
+              <a:spcAft>
+                <a:spcPts val="0"/>
+              </a:spcAft>
+              <a:buSzPts val="2200"/>
+              <a:buNone/>
+            </a:pPr>
+            <a:r>
+              <a:rPr lang="en" dirty="0">
+                <a:solidFill>
+                  <a:srgbClr val="000000"/>
+                </a:solidFill>
+                <a:latin typeface="Arial"/>
+                <a:ea typeface="Arial"/>
+                <a:cs typeface="Arial"/>
+                <a:sym typeface="Arial"/>
+              </a:rPr>
+              <a:t>Contents</a:t>
+            </a:r>
+            <a:endParaRPr dirty="0">
+              <a:solidFill>
+                <a:srgbClr val="000000"/>
+              </a:solidFill>
+              <a:latin typeface="Arial"/>
+              <a:ea typeface="Arial"/>
+              <a:cs typeface="Arial"/>
+              <a:sym typeface="Arial"/>
+            </a:endParaRPr>
+          </a:p>
+        </p:txBody>
+      </p:sp>
+      <p:sp>
+        <p:nvSpPr>
+          <p:cNvPr id="4" name="TextBox 3">
+            <a:extLst>
+              <a:ext uri="{FF2B5EF4-FFF2-40B4-BE49-F238E27FC236}">
+                <a16:creationId xmlns:a16="http://schemas.microsoft.com/office/drawing/2014/main" id="{0F999D18-B122-4673-8B61-DDDA2851AA53}"/>
+              </a:ext>
+            </a:extLst>
+          </p:cNvPr>
+          <p:cNvSpPr txBox="1"/>
+          <p:nvPr/>
+        </p:nvSpPr>
+        <p:spPr>
+          <a:xfrm>
+            <a:off x="492642" y="1214163"/>
+            <a:ext cx="8230508" cy="2308324"/>
+          </a:xfrm>
+          <a:prstGeom prst="rect">
+            <a:avLst/>
+          </a:prstGeom>
+          <a:noFill/>
+        </p:spPr>
+        <p:txBody>
+          <a:bodyPr wrap="square">
+            <a:spAutoFit/>
+          </a:bodyPr>
+          <a:lstStyle/>
+          <a:p>
+            <a:r>
+              <a:rPr lang="en-US" sz="1600" dirty="0">
+                <a:latin typeface="Abadi" panose="020B0604020104020204" pitchFamily="34" charset="0"/>
+              </a:rPr>
+              <a:t>In this presentation, we are going to investigate about refurbished and used cell phone market. </a:t>
+            </a:r>
+          </a:p>
+          <a:p>
+            <a:r>
+              <a:rPr lang="en-US" sz="1600" dirty="0">
+                <a:latin typeface="Abadi" panose="020B0604020104020204" pitchFamily="34" charset="0"/>
+              </a:rPr>
+              <a:t>Buying and selling used smartphones used to be something that happened on a handful of online marketplace sites. But the used and refurbished phone market has grown considerably over the past decade, and a new IDC (International Data Corporation) predicts that the used phone market would be worth $52.7bn by 2023 with a compound annual growth rate (CAGR) of 13.6% from 2018 to 2023. This growth can be attributed to an uptick in demand for used smartphones that offer considerable savings compared with new models.</a:t>
+            </a:r>
+          </a:p>
+        </p:txBody>
+      </p:sp>
+    </p:spTree>
+  </p:cSld>
+  <p:clrMapOvr>
+    <a:masterClrMapping/>
+  </p:clrMapOvr>
+</p:sld>
+</file>
+
+<file path=ppt/slides/slide20.xml><?xml version="1.0" encoding="utf-8"?>
+<p:sld xmlns:a="http://schemas.openxmlformats.org/drawingml/2006/main" xmlns:r="http://schemas.openxmlformats.org/officeDocument/2006/relationships" xmlns:p="http://schemas.openxmlformats.org/presentationml/2006/main">
+  <p:cSld>
+    <p:spTree>
+      <p:nvGrpSpPr>
+        <p:cNvPr id="1" name=""/>
+        <p:cNvGrpSpPr/>
+        <p:nvPr/>
+      </p:nvGrpSpPr>
+      <p:grpSpPr>
+        <a:xfrm>
+          <a:off x="0" y="0"/>
+          <a:ext cx="0" cy="0"/>
+          <a:chOff x="0" y="0"/>
+          <a:chExt cx="0" cy="0"/>
+        </a:xfrm>
+      </p:grpSpPr>
+      <p:sp>
+        <p:nvSpPr>
+          <p:cNvPr id="2" name="Title 1">
+            <a:extLst>
+              <a:ext uri="{FF2B5EF4-FFF2-40B4-BE49-F238E27FC236}">
+                <a16:creationId xmlns:a16="http://schemas.microsoft.com/office/drawing/2014/main" id="{EC81F223-A447-A24B-0066-3FBC66227601}"/>
+              </a:ext>
+            </a:extLst>
+          </p:cNvPr>
+          <p:cNvSpPr>
+            <a:spLocks noGrp="1"/>
+          </p:cNvSpPr>
+          <p:nvPr>
+            <p:ph type="title"/>
+          </p:nvPr>
+        </p:nvSpPr>
+        <p:spPr/>
+        <p:txBody>
+          <a:bodyPr/>
+          <a:lstStyle/>
+          <a:p>
+            <a:r>
+              <a:rPr lang="en-US" dirty="0">
+                <a:solidFill>
+                  <a:srgbClr val="000000"/>
+                </a:solidFill>
+                <a:latin typeface="Arial"/>
+                <a:ea typeface="Arial"/>
+                <a:cs typeface="Arial"/>
+                <a:sym typeface="Arial"/>
+              </a:rPr>
+              <a:t>C</a:t>
+            </a:r>
+            <a:r>
+              <a:rPr lang="en" dirty="0">
+                <a:solidFill>
+                  <a:srgbClr val="000000"/>
+                </a:solidFill>
+                <a:latin typeface="Arial"/>
+                <a:ea typeface="Arial"/>
+                <a:cs typeface="Arial"/>
+                <a:sym typeface="Arial"/>
+              </a:rPr>
+              <a:t>heck the </a:t>
+            </a:r>
+            <a:r>
+              <a:rPr lang="en-US" dirty="0">
+                <a:solidFill>
+                  <a:srgbClr val="000000"/>
+                </a:solidFill>
+                <a:latin typeface="Arial"/>
+                <a:ea typeface="Arial"/>
+                <a:cs typeface="Arial"/>
+                <a:sym typeface="Arial"/>
+              </a:rPr>
+              <a:t>assumptions </a:t>
+            </a:r>
+            <a:endParaRPr lang="en-US" dirty="0"/>
+          </a:p>
+        </p:txBody>
+      </p:sp>
+      <p:sp>
+        <p:nvSpPr>
+          <p:cNvPr id="3" name="Text Placeholder 2">
+            <a:extLst>
+              <a:ext uri="{FF2B5EF4-FFF2-40B4-BE49-F238E27FC236}">
+                <a16:creationId xmlns:a16="http://schemas.microsoft.com/office/drawing/2014/main" id="{85C44DE8-016C-2BBB-ADC7-FC5C835F76B2}"/>
+              </a:ext>
+            </a:extLst>
+          </p:cNvPr>
+          <p:cNvSpPr>
+            <a:spLocks noGrp="1"/>
+          </p:cNvSpPr>
+          <p:nvPr>
+            <p:ph type="body" idx="1"/>
+          </p:nvPr>
+        </p:nvSpPr>
+        <p:spPr>
+          <a:xfrm>
+            <a:off x="914399" y="1382233"/>
+            <a:ext cx="6756991" cy="3544778"/>
+          </a:xfrm>
+        </p:spPr>
+        <p:txBody>
+          <a:bodyPr/>
+          <a:lstStyle/>
+          <a:p>
+            <a:pPr marL="133350" indent="0">
+              <a:buNone/>
+            </a:pPr>
+            <a:r>
+              <a:rPr lang="en-US" b="1" dirty="0">
+                <a:latin typeface="Nunito" pitchFamily="2" charset="0"/>
+              </a:rPr>
+              <a:t>4- Multicollinearity</a:t>
+            </a:r>
+          </a:p>
+          <a:p>
+            <a:pPr marL="133350" indent="0">
+              <a:buNone/>
+            </a:pPr>
+            <a:endParaRPr lang="en-US" b="1" dirty="0">
+              <a:latin typeface="Nunito" pitchFamily="2" charset="0"/>
+            </a:endParaRPr>
+          </a:p>
+          <a:p>
+            <a:pPr marL="133350" indent="0">
+              <a:buNone/>
+            </a:pPr>
+            <a:r>
+              <a:rPr lang="en-US" dirty="0">
+                <a:latin typeface="Nunito" pitchFamily="2" charset="0"/>
+              </a:rPr>
+              <a:t>I checked Multicollinearity using VIF method to remove variable which were highly correlated like</a:t>
+            </a:r>
+            <a:endParaRPr lang="en-US" dirty="0">
+              <a:latin typeface="-apple-system"/>
+            </a:endParaRPr>
+          </a:p>
+          <a:p>
+            <a:pPr marL="133350" indent="0">
+              <a:buNone/>
+            </a:pPr>
+            <a:endParaRPr lang="en-US" i="0" dirty="0">
+              <a:effectLst/>
+              <a:latin typeface="-apple-system"/>
+            </a:endParaRPr>
+          </a:p>
+          <a:p>
+            <a:pPr marL="133350" indent="0">
+              <a:buNone/>
+            </a:pPr>
+            <a:r>
+              <a:rPr lang="en-US" i="0" dirty="0">
+                <a:effectLst/>
+                <a:latin typeface="-apple-system"/>
+              </a:rPr>
+              <a:t>The variables which have VIF much greater than 5, are correlated with each other. here we have </a:t>
+            </a:r>
+            <a:r>
+              <a:rPr lang="en-US" i="0" dirty="0" err="1">
+                <a:effectLst/>
+                <a:latin typeface="-apple-system"/>
+              </a:rPr>
+              <a:t>brand_name_Apple</a:t>
+            </a:r>
+            <a:r>
+              <a:rPr lang="en-US" i="0" dirty="0">
+                <a:effectLst/>
+                <a:latin typeface="-apple-system"/>
+              </a:rPr>
+              <a:t>, </a:t>
+            </a:r>
+            <a:r>
+              <a:rPr lang="en-US" i="0" dirty="0" err="1">
+                <a:effectLst/>
+                <a:latin typeface="-apple-system"/>
+              </a:rPr>
+              <a:t>release_year</a:t>
+            </a:r>
+            <a:r>
+              <a:rPr lang="en-US" i="0" dirty="0">
+                <a:effectLst/>
+                <a:latin typeface="-apple-system"/>
+              </a:rPr>
+              <a:t> &amp; </a:t>
+            </a:r>
+            <a:r>
+              <a:rPr lang="en-US" i="0" dirty="0" err="1">
+                <a:effectLst/>
+                <a:latin typeface="-apple-system"/>
+              </a:rPr>
+              <a:t>os_iOS</a:t>
+            </a:r>
+            <a:r>
+              <a:rPr lang="en-US" i="0" dirty="0">
+                <a:effectLst/>
+                <a:latin typeface="-apple-system"/>
+              </a:rPr>
+              <a:t> greater than 5.</a:t>
+            </a:r>
+          </a:p>
+          <a:p>
+            <a:pPr marL="133350" indent="0">
+              <a:buNone/>
+            </a:pPr>
+            <a:endParaRPr lang="en-US" dirty="0">
+              <a:latin typeface="-apple-system"/>
+            </a:endParaRPr>
+          </a:p>
+          <a:p>
+            <a:pPr marL="133350" indent="0">
+              <a:buNone/>
+            </a:pPr>
+            <a:endParaRPr lang="en-US" i="0" dirty="0">
+              <a:effectLst/>
+              <a:latin typeface="-apple-system"/>
+            </a:endParaRPr>
+          </a:p>
+          <a:p>
+            <a:pPr marL="133350" indent="0">
+              <a:buNone/>
+            </a:pPr>
+            <a:endParaRPr lang="en-US" dirty="0">
+              <a:latin typeface="Nunito" pitchFamily="2" charset="0"/>
+            </a:endParaRPr>
+          </a:p>
+          <a:p>
+            <a:pPr marL="133350" indent="0">
+              <a:buNone/>
+            </a:pPr>
+            <a:endParaRPr lang="en-US" dirty="0">
+              <a:latin typeface="Nunito" pitchFamily="2" charset="0"/>
+            </a:endParaRPr>
+          </a:p>
+        </p:txBody>
+      </p:sp>
+    </p:spTree>
+    <p:extLst>
+      <p:ext uri="{BB962C8B-B14F-4D97-AF65-F5344CB8AC3E}">
+        <p14:creationId xmlns:p14="http://schemas.microsoft.com/office/powerpoint/2010/main" val="2217544605"/>
+      </p:ext>
+    </p:extLst>
+  </p:cSld>
+  <p:clrMapOvr>
+    <a:masterClrMapping/>
+  </p:clrMapOvr>
+</p:sld>
+</file>
+
+<file path=ppt/slides/slide21.xml><?xml version="1.0" encoding="utf-8"?>
+<p:sld xmlns:a="http://schemas.openxmlformats.org/drawingml/2006/main" xmlns:r="http://schemas.openxmlformats.org/officeDocument/2006/relationships" xmlns:p="http://schemas.openxmlformats.org/presentationml/2006/main">
+  <p:cSld>
+    <p:spTree>
+      <p:nvGrpSpPr>
+        <p:cNvPr id="1" name=""/>
+        <p:cNvGrpSpPr/>
+        <p:nvPr/>
+      </p:nvGrpSpPr>
+      <p:grpSpPr>
+        <a:xfrm>
+          <a:off x="0" y="0"/>
+          <a:ext cx="0" cy="0"/>
+          <a:chOff x="0" y="0"/>
+          <a:chExt cx="0" cy="0"/>
+        </a:xfrm>
+      </p:grpSpPr>
+      <p:sp>
+        <p:nvSpPr>
+          <p:cNvPr id="2" name="Title 1">
+            <a:extLst>
+              <a:ext uri="{FF2B5EF4-FFF2-40B4-BE49-F238E27FC236}">
+                <a16:creationId xmlns:a16="http://schemas.microsoft.com/office/drawing/2014/main" id="{F7D71FAD-459C-468E-A86F-EE7BF5CCED92}"/>
+              </a:ext>
+            </a:extLst>
+          </p:cNvPr>
+          <p:cNvSpPr>
+            <a:spLocks noGrp="1"/>
+          </p:cNvSpPr>
+          <p:nvPr>
+            <p:ph type="title"/>
+          </p:nvPr>
+        </p:nvSpPr>
+        <p:spPr/>
+        <p:txBody>
+          <a:bodyPr/>
+          <a:lstStyle/>
+          <a:p>
+            <a:r>
+              <a:rPr lang="en" dirty="0">
+                <a:solidFill>
+                  <a:srgbClr val="000000"/>
+                </a:solidFill>
+                <a:latin typeface="Arial"/>
+                <a:ea typeface="Arial"/>
+                <a:cs typeface="Arial"/>
+                <a:sym typeface="Arial"/>
+              </a:rPr>
+              <a:t>Business Insights and Recommendations</a:t>
+            </a:r>
+            <a:endParaRPr lang="en-US" dirty="0"/>
+          </a:p>
+        </p:txBody>
+      </p:sp>
+      <p:sp>
+        <p:nvSpPr>
+          <p:cNvPr id="3" name="Text Placeholder 2">
+            <a:extLst>
+              <a:ext uri="{FF2B5EF4-FFF2-40B4-BE49-F238E27FC236}">
+                <a16:creationId xmlns:a16="http://schemas.microsoft.com/office/drawing/2014/main" id="{0D1B8D79-BE45-4D56-84E8-52BF8B1D897F}"/>
+              </a:ext>
+            </a:extLst>
+          </p:cNvPr>
+          <p:cNvSpPr>
+            <a:spLocks noGrp="1"/>
+          </p:cNvSpPr>
+          <p:nvPr>
+            <p:ph type="body" idx="1"/>
+          </p:nvPr>
+        </p:nvSpPr>
+        <p:spPr/>
+        <p:txBody>
+          <a:bodyPr/>
+          <a:lstStyle/>
+          <a:p>
+            <a:r>
+              <a:rPr lang="en-US" dirty="0"/>
+              <a:t>The model can be used for predictive purposes as it can make predictions within ~7% of the actual price.</a:t>
+            </a:r>
+          </a:p>
+          <a:p>
+            <a:r>
+              <a:rPr lang="en-US" dirty="0" err="1"/>
+              <a:t>ReCell</a:t>
+            </a:r>
+            <a:r>
+              <a:rPr lang="en-US" dirty="0"/>
+              <a:t> should look to attract people who want to sell used phones which have been released in recent years and have not been used for many days.</a:t>
+            </a:r>
+          </a:p>
+          <a:p>
+            <a:r>
+              <a:rPr lang="en-US" dirty="0"/>
+              <a:t>They should also try to gather, and put-up phones having a high price for new models to try and increase revenue.</a:t>
+            </a:r>
+          </a:p>
+          <a:p>
+            <a:r>
+              <a:rPr lang="en-US" dirty="0"/>
+              <a:t>They can focus on volume for the budget phones and offer discounts during festive sales on premium phones.</a:t>
+            </a:r>
+          </a:p>
+          <a:p>
+            <a:r>
+              <a:rPr lang="en-US" dirty="0"/>
+              <a:t>Additional data regarding customer demographics (age, gender, income, etc.) can be collected and analyzed to gain better insights into the preferences of customers across different segments.</a:t>
+            </a:r>
+          </a:p>
+          <a:p>
+            <a:endParaRPr lang="en-US" dirty="0"/>
+          </a:p>
+        </p:txBody>
+      </p:sp>
+    </p:spTree>
+    <p:extLst>
+      <p:ext uri="{BB962C8B-B14F-4D97-AF65-F5344CB8AC3E}">
+        <p14:creationId xmlns:p14="http://schemas.microsoft.com/office/powerpoint/2010/main" val="3875505210"/>
+      </p:ext>
+    </p:extLst>
+  </p:cSld>
+  <p:clrMapOvr>
+    <a:masterClrMapping/>
+  </p:clrMapOvr>
+</p:sld>
+</file>
+
+<file path=ppt/slides/slide22.xml><?xml version="1.0" encoding="utf-8"?>
+<p:sld xmlns:a="http://schemas.openxmlformats.org/drawingml/2006/main" xmlns:r="http://schemas.openxmlformats.org/officeDocument/2006/relationships" xmlns:p="http://schemas.openxmlformats.org/presentationml/2006/main">
+  <p:cSld>
+    <p:spTree>
+      <p:nvGrpSpPr>
+        <p:cNvPr id="1" name="Shape 96"/>
+        <p:cNvGrpSpPr/>
+        <p:nvPr/>
+      </p:nvGrpSpPr>
+      <p:grpSpPr>
+        <a:xfrm>
+          <a:off x="0" y="0"/>
+          <a:ext cx="0" cy="0"/>
+          <a:chOff x="0" y="0"/>
+          <a:chExt cx="0" cy="0"/>
+        </a:xfrm>
+      </p:grpSpPr>
+      <p:sp>
+        <p:nvSpPr>
+          <p:cNvPr id="97" name="Google Shape;97;p8"/>
+          <p:cNvSpPr txBox="1">
+            <a:spLocks noGrp="1"/>
+          </p:cNvSpPr>
+          <p:nvPr>
+            <p:ph type="title"/>
+          </p:nvPr>
+        </p:nvSpPr>
+        <p:spPr>
+          <a:xfrm>
+            <a:off x="70129" y="6703219"/>
+            <a:ext cx="15008700" cy="697800"/>
+          </a:xfrm>
+          <a:prstGeom prst="rect">
+            <a:avLst/>
+          </a:prstGeom>
+          <a:noFill/>
+          <a:ln>
+            <a:noFill/>
+          </a:ln>
+        </p:spPr>
+        <p:txBody>
+          <a:bodyPr spcFirstLastPara="1" wrap="square" lIns="0" tIns="12850" rIns="0" bIns="0" anchor="t" anchorCtr="0">
+            <a:noAutofit/>
+          </a:bodyPr>
+          <a:lstStyle/>
+          <a:p>
+            <a:pPr marL="0" lvl="0" indent="0" algn="l" rtl="0">
+              <a:lnSpc>
+                <a:spcPct val="100000"/>
+              </a:lnSpc>
+              <a:spcBef>
+                <a:spcPts val="0"/>
+              </a:spcBef>
+              <a:spcAft>
+                <a:spcPts val="0"/>
+              </a:spcAft>
+              <a:buSzPts val="2200"/>
+              <a:buNone/>
+            </a:pPr>
+            <a:endParaRPr/>
+          </a:p>
+        </p:txBody>
+      </p:sp>
+    </p:spTree>
+  </p:cSld>
+  <p:clrMapOvr>
+    <a:masterClrMapping/>
+  </p:clrMapOvr>
+</p:sld>
+</file>
+
+<file path=ppt/slides/slide3.xml><?xml version="1.0" encoding="utf-8"?>
+<p:sld xmlns:a="http://schemas.openxmlformats.org/drawingml/2006/main" xmlns:r="http://schemas.openxmlformats.org/officeDocument/2006/relationships" xmlns:p="http://schemas.openxmlformats.org/presentationml/2006/main">
+  <p:cSld>
+    <p:spTree>
+      <p:nvGrpSpPr>
+        <p:cNvPr id="1" name="Shape 66"/>
+        <p:cNvGrpSpPr/>
+        <p:nvPr/>
+      </p:nvGrpSpPr>
+      <p:grpSpPr>
+        <a:xfrm>
+          <a:off x="0" y="0"/>
+          <a:ext cx="0" cy="0"/>
+          <a:chOff x="0" y="0"/>
+          <a:chExt cx="0" cy="0"/>
+        </a:xfrm>
+      </p:grpSpPr>
+      <p:sp>
+        <p:nvSpPr>
+          <p:cNvPr id="67" name="Google Shape;67;p3"/>
+          <p:cNvSpPr txBox="1">
+            <a:spLocks noGrp="1"/>
+          </p:cNvSpPr>
+          <p:nvPr>
+            <p:ph type="title"/>
+          </p:nvPr>
+        </p:nvSpPr>
+        <p:spPr>
+          <a:xfrm>
+            <a:off x="202550" y="289279"/>
+            <a:ext cx="8520600" cy="572700"/>
+          </a:xfrm>
+          <a:prstGeom prst="rect">
+            <a:avLst/>
+          </a:prstGeom>
+          <a:noFill/>
+          <a:ln>
+            <a:noFill/>
+          </a:ln>
+        </p:spPr>
+        <p:txBody>
+          <a:bodyPr spcFirstLastPara="1" wrap="square" lIns="91425" tIns="91425" rIns="91425" bIns="91425" anchor="t" anchorCtr="0">
+            <a:noAutofit/>
+          </a:bodyPr>
+          <a:lstStyle/>
+          <a:p>
+            <a:pPr marL="0" lvl="0" indent="0" algn="l" rtl="0">
+              <a:lnSpc>
+                <a:spcPct val="100000"/>
+              </a:lnSpc>
+              <a:spcBef>
+                <a:spcPts val="0"/>
+              </a:spcBef>
+              <a:spcAft>
+                <a:spcPts val="0"/>
+              </a:spcAft>
+              <a:buSzPts val="2200"/>
+              <a:buNone/>
+            </a:pPr>
+            <a:r>
+              <a:rPr lang="en">
+                <a:solidFill>
+                  <a:srgbClr val="000000"/>
+                </a:solidFill>
+                <a:latin typeface="Arial"/>
+                <a:ea typeface="Arial"/>
+                <a:cs typeface="Arial"/>
+                <a:sym typeface="Arial"/>
+              </a:rPr>
+              <a:t>Business Problem Overview and Solution Approach</a:t>
+            </a:r>
+            <a:endParaRPr>
+              <a:solidFill>
+                <a:srgbClr val="000000"/>
+              </a:solidFill>
+              <a:latin typeface="Arial"/>
+              <a:ea typeface="Arial"/>
+              <a:cs typeface="Arial"/>
+              <a:sym typeface="Arial"/>
+            </a:endParaRPr>
+          </a:p>
+        </p:txBody>
+      </p:sp>
+      <p:sp>
+        <p:nvSpPr>
+          <p:cNvPr id="68" name="Google Shape;68;p3"/>
+          <p:cNvSpPr txBox="1">
+            <a:spLocks noGrp="1"/>
+          </p:cNvSpPr>
+          <p:nvPr>
+            <p:ph type="body" idx="1"/>
+          </p:nvPr>
+        </p:nvSpPr>
+        <p:spPr>
+          <a:xfrm>
+            <a:off x="202550" y="1137530"/>
+            <a:ext cx="8629800" cy="3706800"/>
+          </a:xfrm>
+          <a:prstGeom prst="rect">
+            <a:avLst/>
+          </a:prstGeom>
+          <a:noFill/>
+          <a:ln>
+            <a:noFill/>
+          </a:ln>
+        </p:spPr>
+        <p:txBody>
+          <a:bodyPr spcFirstLastPara="1" wrap="square" lIns="91425" tIns="91425" rIns="91425" bIns="91425" anchor="t" anchorCtr="0">
+            <a:noAutofit/>
+          </a:bodyPr>
+          <a:lstStyle/>
+          <a:p>
+            <a:pPr marL="457200" lvl="0" indent="-317500" algn="l" rtl="0">
+              <a:lnSpc>
+                <a:spcPct val="115000"/>
+              </a:lnSpc>
+              <a:spcBef>
+                <a:spcPts val="1000"/>
+              </a:spcBef>
+              <a:spcAft>
+                <a:spcPts val="1000"/>
+              </a:spcAft>
+              <a:buClr>
+                <a:srgbClr val="000000"/>
+              </a:buClr>
+              <a:buSzPts val="1400"/>
+              <a:buFont typeface="Arial"/>
+              <a:buChar char="●"/>
+            </a:pPr>
+            <a:r>
+              <a:rPr lang="en-US" sz="1800" b="0" i="0" dirty="0">
+                <a:solidFill>
+                  <a:srgbClr val="000000"/>
+                </a:solidFill>
+                <a:effectLst/>
+                <a:latin typeface="Abadi" panose="020B0604020104020204" pitchFamily="34" charset="0"/>
+              </a:rPr>
+              <a:t>The rising potential of this comparatively under-the-radar market fuels the need for an ML-based solution to develop a dynamic pricing strategy for used and refurbished smartphones. </a:t>
+            </a:r>
+          </a:p>
+          <a:p>
+            <a:pPr marL="457200" lvl="0" indent="-317500" algn="l" rtl="0">
+              <a:lnSpc>
+                <a:spcPct val="115000"/>
+              </a:lnSpc>
+              <a:spcBef>
+                <a:spcPts val="1000"/>
+              </a:spcBef>
+              <a:spcAft>
+                <a:spcPts val="1000"/>
+              </a:spcAft>
+              <a:buClr>
+                <a:srgbClr val="000000"/>
+              </a:buClr>
+              <a:buSzPts val="1400"/>
+              <a:buFont typeface="Arial"/>
+              <a:buChar char="●"/>
+            </a:pPr>
+            <a:r>
+              <a:rPr lang="en-US" sz="1800" b="0" i="0" dirty="0">
+                <a:solidFill>
+                  <a:srgbClr val="000000"/>
+                </a:solidFill>
+                <a:effectLst/>
+                <a:latin typeface="Abadi" panose="020B0604020104020204" pitchFamily="34" charset="0"/>
+              </a:rPr>
+              <a:t>We as data scientist are going to analyze the data which is provided by </a:t>
+            </a:r>
+            <a:r>
+              <a:rPr lang="en-US" sz="1800" b="0" i="0" dirty="0" err="1">
+                <a:solidFill>
+                  <a:srgbClr val="000000"/>
+                </a:solidFill>
+                <a:effectLst/>
+                <a:latin typeface="Abadi" panose="020B0604020104020204" pitchFamily="34" charset="0"/>
+              </a:rPr>
+              <a:t>ReCell</a:t>
+            </a:r>
+            <a:r>
+              <a:rPr lang="en-US" sz="1800" b="0" i="0" dirty="0">
+                <a:solidFill>
+                  <a:srgbClr val="000000"/>
+                </a:solidFill>
+                <a:effectLst/>
+                <a:latin typeface="Abadi" panose="020B0604020104020204" pitchFamily="34" charset="0"/>
+              </a:rPr>
+              <a:t> and build a linear regression model to predict the price of a used phone and identify factors that significantly influence it.</a:t>
+            </a:r>
+            <a:endParaRPr sz="1600" dirty="0">
+              <a:solidFill>
+                <a:srgbClr val="000000"/>
+              </a:solidFill>
+              <a:latin typeface="Abadi" panose="020B0604020104020204" pitchFamily="34" charset="0"/>
+              <a:ea typeface="Arial"/>
+              <a:cs typeface="Arial"/>
+              <a:sym typeface="Arial"/>
+            </a:endParaRPr>
+          </a:p>
+        </p:txBody>
+      </p:sp>
+    </p:spTree>
+  </p:cSld>
+  <p:clrMapOvr>
+    <a:masterClrMapping/>
+  </p:clrMapOvr>
+</p:sld>
+</file>
+
+<file path=ppt/slides/slide4.xml><?xml version="1.0" encoding="utf-8"?>
+<p:sld xmlns:a="http://schemas.openxmlformats.org/drawingml/2006/main" xmlns:r="http://schemas.openxmlformats.org/officeDocument/2006/relationships" xmlns:p="http://schemas.openxmlformats.org/presentationml/2006/main">
+  <p:cSld>
+    <p:spTree>
+      <p:nvGrpSpPr>
+        <p:cNvPr id="1" name="Shape 72"/>
+        <p:cNvGrpSpPr/>
+        <p:nvPr/>
+      </p:nvGrpSpPr>
+      <p:grpSpPr>
+        <a:xfrm>
+          <a:off x="0" y="0"/>
+          <a:ext cx="0" cy="0"/>
+          <a:chOff x="0" y="0"/>
+          <a:chExt cx="0" cy="0"/>
+        </a:xfrm>
+      </p:grpSpPr>
+      <p:sp>
+        <p:nvSpPr>
+          <p:cNvPr id="73" name="Google Shape;73;p4"/>
+          <p:cNvSpPr txBox="1">
+            <a:spLocks noGrp="1"/>
+          </p:cNvSpPr>
+          <p:nvPr>
+            <p:ph type="title"/>
+          </p:nvPr>
+        </p:nvSpPr>
+        <p:spPr>
+          <a:xfrm>
+            <a:off x="202550" y="230691"/>
+            <a:ext cx="8520600" cy="572700"/>
+          </a:xfrm>
+          <a:prstGeom prst="rect">
+            <a:avLst/>
+          </a:prstGeom>
+          <a:noFill/>
+          <a:ln>
+            <a:noFill/>
+          </a:ln>
+        </p:spPr>
+        <p:txBody>
+          <a:bodyPr spcFirstLastPara="1" wrap="square" lIns="91425" tIns="91425" rIns="91425" bIns="91425" anchor="t" anchorCtr="0">
+            <a:noAutofit/>
+          </a:bodyPr>
+          <a:lstStyle/>
+          <a:p>
+            <a:pPr marL="0" lvl="0" indent="0" algn="l" rtl="0">
+              <a:lnSpc>
+                <a:spcPct val="100000"/>
+              </a:lnSpc>
+              <a:spcBef>
+                <a:spcPts val="0"/>
+              </a:spcBef>
+              <a:spcAft>
+                <a:spcPts val="0"/>
+              </a:spcAft>
+              <a:buSzPts val="2200"/>
+              <a:buNone/>
+            </a:pPr>
+            <a:r>
+              <a:rPr lang="en" dirty="0">
+                <a:solidFill>
+                  <a:srgbClr val="000000"/>
+                </a:solidFill>
+                <a:latin typeface="Arial"/>
+                <a:ea typeface="Arial"/>
+                <a:cs typeface="Arial"/>
+                <a:sym typeface="Arial"/>
+              </a:rPr>
+              <a:t>Data Overview</a:t>
+            </a:r>
+            <a:endParaRPr dirty="0">
+              <a:solidFill>
+                <a:srgbClr val="000000"/>
+              </a:solidFill>
+              <a:latin typeface="Arial"/>
+              <a:ea typeface="Arial"/>
+              <a:cs typeface="Arial"/>
+              <a:sym typeface="Arial"/>
+            </a:endParaRPr>
+          </a:p>
+        </p:txBody>
+      </p:sp>
+      <p:sp>
+        <p:nvSpPr>
+          <p:cNvPr id="74" name="Google Shape;74;p4"/>
+          <p:cNvSpPr txBox="1">
+            <a:spLocks noGrp="1"/>
+          </p:cNvSpPr>
+          <p:nvPr>
+            <p:ph type="body" idx="1"/>
+          </p:nvPr>
+        </p:nvSpPr>
+        <p:spPr>
+          <a:xfrm>
+            <a:off x="137617" y="556437"/>
+            <a:ext cx="4872723" cy="1207256"/>
+          </a:xfrm>
+          <a:prstGeom prst="rect">
+            <a:avLst/>
+          </a:prstGeom>
+          <a:noFill/>
+          <a:ln>
+            <a:noFill/>
+          </a:ln>
+        </p:spPr>
+        <p:txBody>
+          <a:bodyPr spcFirstLastPara="1" wrap="square" lIns="91425" tIns="91425" rIns="91425" bIns="91425" anchor="t" anchorCtr="0">
+            <a:noAutofit/>
+          </a:bodyPr>
+          <a:lstStyle/>
+          <a:p>
+            <a:pPr marL="457200" lvl="0" indent="-317500" algn="l" rtl="0">
+              <a:lnSpc>
+                <a:spcPct val="115000"/>
+              </a:lnSpc>
+              <a:spcBef>
+                <a:spcPts val="1000"/>
+              </a:spcBef>
+              <a:spcAft>
+                <a:spcPts val="0"/>
+              </a:spcAft>
+              <a:buClr>
+                <a:srgbClr val="000000"/>
+              </a:buClr>
+              <a:buSzPts val="1400"/>
+              <a:buFont typeface="Arial"/>
+              <a:buChar char="●"/>
+            </a:pPr>
+            <a:r>
+              <a:rPr lang="en-US" sz="1400" dirty="0">
+                <a:solidFill>
+                  <a:srgbClr val="000000"/>
+                </a:solidFill>
+                <a:latin typeface="Daytona" panose="020B0604030500040204" pitchFamily="34" charset="0"/>
+                <a:ea typeface="Arial"/>
+                <a:cs typeface="Arial"/>
+                <a:sym typeface="Arial"/>
+              </a:rPr>
+              <a:t>W</a:t>
+            </a:r>
+            <a:r>
+              <a:rPr lang="en" sz="1400" dirty="0">
+                <a:solidFill>
+                  <a:srgbClr val="000000"/>
+                </a:solidFill>
+                <a:latin typeface="Daytona" panose="020B0604030500040204" pitchFamily="34" charset="0"/>
+                <a:ea typeface="Arial"/>
+                <a:cs typeface="Arial"/>
+                <a:sym typeface="Arial"/>
+              </a:rPr>
+              <a:t>e have a data with 3571 rows and 15 columns</a:t>
+            </a:r>
+          </a:p>
+          <a:p>
+            <a:pPr marL="457200" lvl="0" indent="-317500" algn="l" rtl="0">
+              <a:lnSpc>
+                <a:spcPct val="115000"/>
+              </a:lnSpc>
+              <a:spcBef>
+                <a:spcPts val="1000"/>
+              </a:spcBef>
+              <a:spcAft>
+                <a:spcPts val="0"/>
+              </a:spcAft>
+              <a:buClr>
+                <a:srgbClr val="000000"/>
+              </a:buClr>
+              <a:buSzPts val="1400"/>
+              <a:buFont typeface="Arial"/>
+              <a:buChar char="●"/>
+            </a:pPr>
+            <a:r>
+              <a:rPr lang="en-US" sz="1400" dirty="0">
+                <a:solidFill>
+                  <a:srgbClr val="000000"/>
+                </a:solidFill>
+                <a:latin typeface="Daytona" panose="020B0604030500040204" pitchFamily="34" charset="0"/>
+                <a:ea typeface="Arial"/>
+                <a:cs typeface="Arial"/>
+                <a:sym typeface="Arial"/>
+              </a:rPr>
+              <a:t>S</a:t>
+            </a:r>
+            <a:r>
+              <a:rPr lang="en" sz="1400" dirty="0">
+                <a:solidFill>
+                  <a:srgbClr val="000000"/>
+                </a:solidFill>
+                <a:latin typeface="Daytona" panose="020B0604030500040204" pitchFamily="34" charset="0"/>
+                <a:ea typeface="Arial"/>
+                <a:cs typeface="Arial"/>
+                <a:sym typeface="Arial"/>
+              </a:rPr>
+              <a:t>ome columns have missing values.</a:t>
+            </a:r>
+          </a:p>
+          <a:p>
+            <a:pPr marL="457200" lvl="0" indent="-317500" algn="l" rtl="0">
+              <a:lnSpc>
+                <a:spcPct val="115000"/>
+              </a:lnSpc>
+              <a:spcBef>
+                <a:spcPts val="1000"/>
+              </a:spcBef>
+              <a:spcAft>
+                <a:spcPts val="0"/>
+              </a:spcAft>
+              <a:buClr>
+                <a:srgbClr val="000000"/>
+              </a:buClr>
+              <a:buSzPts val="1400"/>
+              <a:buFont typeface="Arial"/>
+              <a:buChar char="●"/>
+            </a:pPr>
+            <a:r>
+              <a:rPr lang="en-US" sz="1400" dirty="0">
+                <a:solidFill>
+                  <a:srgbClr val="000000"/>
+                </a:solidFill>
+                <a:latin typeface="Daytona" panose="020B0604030500040204" pitchFamily="34" charset="0"/>
+                <a:ea typeface="Arial"/>
+                <a:cs typeface="Arial"/>
+                <a:sym typeface="Arial"/>
+              </a:rPr>
+              <a:t>Also, w</a:t>
+            </a:r>
+            <a:r>
+              <a:rPr lang="en" sz="1400" dirty="0">
+                <a:solidFill>
+                  <a:srgbClr val="000000"/>
+                </a:solidFill>
+                <a:latin typeface="Daytona" panose="020B0604030500040204" pitchFamily="34" charset="0"/>
+                <a:ea typeface="Arial"/>
+                <a:cs typeface="Arial"/>
+                <a:sym typeface="Arial"/>
+              </a:rPr>
+              <a:t>e have outliers in our data </a:t>
+            </a:r>
+          </a:p>
+          <a:p>
+            <a:pPr marL="457200" lvl="0" indent="-317500" algn="l" rtl="0">
+              <a:lnSpc>
+                <a:spcPct val="115000"/>
+              </a:lnSpc>
+              <a:spcBef>
+                <a:spcPts val="1000"/>
+              </a:spcBef>
+              <a:spcAft>
+                <a:spcPts val="0"/>
+              </a:spcAft>
+              <a:buClr>
+                <a:srgbClr val="000000"/>
+              </a:buClr>
+              <a:buSzPts val="1400"/>
+              <a:buFont typeface="Arial"/>
+              <a:buChar char="●"/>
+            </a:pPr>
+            <a:endParaRPr lang="en" dirty="0">
+              <a:solidFill>
+                <a:srgbClr val="000000"/>
+              </a:solidFill>
+              <a:latin typeface="Daytona" panose="020B0604030500040204" pitchFamily="34" charset="0"/>
+              <a:ea typeface="Arial"/>
+              <a:cs typeface="Arial"/>
+              <a:sym typeface="Arial"/>
+            </a:endParaRPr>
+          </a:p>
+          <a:p>
+            <a:pPr marL="457200" lvl="0" indent="-317500" algn="l" rtl="0">
+              <a:lnSpc>
+                <a:spcPct val="115000"/>
+              </a:lnSpc>
+              <a:spcBef>
+                <a:spcPts val="1000"/>
+              </a:spcBef>
+              <a:spcAft>
+                <a:spcPts val="0"/>
+              </a:spcAft>
+              <a:buClr>
+                <a:srgbClr val="000000"/>
+              </a:buClr>
+              <a:buSzPts val="1400"/>
+              <a:buFont typeface="Arial"/>
+              <a:buChar char="●"/>
+            </a:pPr>
+            <a:endParaRPr lang="en" sz="1400" dirty="0">
+              <a:solidFill>
+                <a:srgbClr val="000000"/>
+              </a:solidFill>
+              <a:latin typeface="Arial"/>
+              <a:ea typeface="Arial"/>
+              <a:cs typeface="Arial"/>
+              <a:sym typeface="Arial"/>
+            </a:endParaRPr>
+          </a:p>
+          <a:p>
+            <a:pPr marL="457200" lvl="0" indent="-317500" algn="l" rtl="0">
+              <a:lnSpc>
+                <a:spcPct val="115000"/>
+              </a:lnSpc>
+              <a:spcBef>
+                <a:spcPts val="1000"/>
+              </a:spcBef>
+              <a:spcAft>
+                <a:spcPts val="0"/>
+              </a:spcAft>
+              <a:buClr>
+                <a:srgbClr val="000000"/>
+              </a:buClr>
+              <a:buSzPts val="1400"/>
+              <a:buFont typeface="Arial"/>
+              <a:buChar char="●"/>
+            </a:pPr>
+            <a:endParaRPr sz="1400" dirty="0">
+              <a:solidFill>
+                <a:srgbClr val="000000"/>
+              </a:solidFill>
+              <a:latin typeface="Arial"/>
+              <a:ea typeface="Arial"/>
+              <a:cs typeface="Arial"/>
+              <a:sym typeface="Arial"/>
+            </a:endParaRPr>
+          </a:p>
+        </p:txBody>
+      </p:sp>
+      <p:sp>
+        <p:nvSpPr>
+          <p:cNvPr id="9" name="Google Shape;74;p4">
+            <a:extLst>
+              <a:ext uri="{FF2B5EF4-FFF2-40B4-BE49-F238E27FC236}">
+                <a16:creationId xmlns:a16="http://schemas.microsoft.com/office/drawing/2014/main" id="{40AC4EBD-AAFC-4237-A2D5-C613A9832A82}"/>
+              </a:ext>
+            </a:extLst>
+          </p:cNvPr>
+          <p:cNvSpPr txBox="1">
+            <a:spLocks/>
+          </p:cNvSpPr>
+          <p:nvPr/>
+        </p:nvSpPr>
+        <p:spPr>
+          <a:xfrm>
+            <a:off x="5142476" y="673395"/>
+            <a:ext cx="3863907" cy="4338084"/>
+          </a:xfrm>
+          <a:prstGeom prst="rect">
+            <a:avLst/>
+          </a:prstGeom>
+          <a:noFill/>
+          <a:ln>
+            <a:noFill/>
+          </a:ln>
+        </p:spPr>
+        <p:txBody>
+          <a:bodyPr spcFirstLastPara="1" wrap="square" lIns="91425" tIns="91425" rIns="91425" bIns="91425" anchor="t" anchorCtr="0">
+            <a:noAutofit/>
+          </a:bodyPr>
+          <a:lstStyle>
+            <a:defPPr marR="0" lvl="0" algn="l" rtl="0">
+              <a:lnSpc>
+                <a:spcPct val="100000"/>
+              </a:lnSpc>
+              <a:spcBef>
+                <a:spcPts val="0"/>
+              </a:spcBef>
+              <a:spcAft>
+                <a:spcPts val="0"/>
+              </a:spcAft>
+            </a:defPPr>
+            <a:lvl1pPr marL="457200" marR="0" lvl="0" indent="-323850" algn="l" rtl="0">
+              <a:lnSpc>
+                <a:spcPct val="115000"/>
+              </a:lnSpc>
+              <a:spcBef>
+                <a:spcPts val="0"/>
+              </a:spcBef>
+              <a:spcAft>
+                <a:spcPts val="0"/>
+              </a:spcAft>
+              <a:buClr>
+                <a:schemeClr val="dk2"/>
+              </a:buClr>
+              <a:buSzPts val="1500"/>
+              <a:buFont typeface="Nunito"/>
+              <a:buChar char="●"/>
+              <a:defRPr sz="1500" b="0" i="0" u="none" strike="noStrike" cap="none">
+                <a:solidFill>
+                  <a:schemeClr val="dk2"/>
+                </a:solidFill>
+                <a:latin typeface="Nunito"/>
+                <a:ea typeface="Nunito"/>
+                <a:cs typeface="Nunito"/>
+                <a:sym typeface="Nunito"/>
+              </a:defRPr>
+            </a:lvl1pPr>
+            <a:lvl2pPr marL="914400" marR="0" lvl="1" indent="-311150" algn="l" rtl="0">
+              <a:lnSpc>
+                <a:spcPct val="115000"/>
+              </a:lnSpc>
+              <a:spcBef>
+                <a:spcPts val="1600"/>
+              </a:spcBef>
+              <a:spcAft>
+                <a:spcPts val="0"/>
+              </a:spcAft>
+              <a:buClr>
+                <a:schemeClr val="dk2"/>
+              </a:buClr>
+              <a:buSzPts val="1300"/>
+              <a:buFont typeface="Nunito"/>
+              <a:buChar char="○"/>
+              <a:defRPr sz="1300" b="0" i="0" u="none" strike="noStrike" cap="none">
+                <a:solidFill>
+                  <a:schemeClr val="dk2"/>
+                </a:solidFill>
+                <a:latin typeface="Nunito"/>
+                <a:ea typeface="Nunito"/>
+                <a:cs typeface="Nunito"/>
+                <a:sym typeface="Nunito"/>
+              </a:defRPr>
+            </a:lvl2pPr>
+            <a:lvl3pPr marL="1371600" marR="0" lvl="2" indent="-304800" algn="l" rtl="0">
+              <a:lnSpc>
+                <a:spcPct val="115000"/>
+              </a:lnSpc>
+              <a:spcBef>
+                <a:spcPts val="1600"/>
+              </a:spcBef>
+              <a:spcAft>
+                <a:spcPts val="0"/>
+              </a:spcAft>
+              <a:buClr>
+                <a:schemeClr val="dk2"/>
+              </a:buClr>
+              <a:buSzPts val="1200"/>
+              <a:buFont typeface="Nunito"/>
+              <a:buChar char="■"/>
+              <a:defRPr sz="1200" b="0" i="0" u="none" strike="noStrike" cap="none">
+                <a:solidFill>
+                  <a:schemeClr val="dk2"/>
+                </a:solidFill>
+                <a:latin typeface="Nunito"/>
+                <a:ea typeface="Nunito"/>
+                <a:cs typeface="Nunito"/>
+                <a:sym typeface="Nunito"/>
+              </a:defRPr>
+            </a:lvl3pPr>
+            <a:lvl4pPr marL="1828800" marR="0" lvl="3" indent="-298450" algn="l" rtl="0">
+              <a:lnSpc>
+                <a:spcPct val="115000"/>
+              </a:lnSpc>
+              <a:spcBef>
+                <a:spcPts val="1600"/>
+              </a:spcBef>
+              <a:spcAft>
+                <a:spcPts val="0"/>
+              </a:spcAft>
+              <a:buClr>
+                <a:schemeClr val="dk2"/>
+              </a:buClr>
+              <a:buSzPts val="1100"/>
+              <a:buFont typeface="Nunito"/>
+              <a:buChar char="●"/>
+              <a:defRPr sz="1100" b="0" i="0" u="none" strike="noStrike" cap="none">
+                <a:solidFill>
+                  <a:schemeClr val="dk2"/>
+                </a:solidFill>
+                <a:latin typeface="Nunito"/>
+                <a:ea typeface="Nunito"/>
+                <a:cs typeface="Nunito"/>
+                <a:sym typeface="Nunito"/>
+              </a:defRPr>
+            </a:lvl4pPr>
+            <a:lvl5pPr marL="2286000" marR="0" lvl="4" indent="-292100" algn="l" rtl="0">
+              <a:lnSpc>
+                <a:spcPct val="115000"/>
+              </a:lnSpc>
+              <a:spcBef>
+                <a:spcPts val="1600"/>
+              </a:spcBef>
+              <a:spcAft>
+                <a:spcPts val="0"/>
+              </a:spcAft>
+              <a:buClr>
+                <a:schemeClr val="dk2"/>
+              </a:buClr>
+              <a:buSzPts val="1000"/>
+              <a:buFont typeface="Nunito"/>
+              <a:buChar char="○"/>
+              <a:defRPr sz="1000" b="0" i="0" u="none" strike="noStrike" cap="none">
+                <a:solidFill>
+                  <a:schemeClr val="dk2"/>
+                </a:solidFill>
+                <a:latin typeface="Nunito"/>
+                <a:ea typeface="Nunito"/>
+                <a:cs typeface="Nunito"/>
+                <a:sym typeface="Nunito"/>
+              </a:defRPr>
+            </a:lvl5pPr>
+            <a:lvl6pPr marL="2743200" marR="0" lvl="5" indent="-285750" algn="l" rtl="0">
+              <a:lnSpc>
+                <a:spcPct val="115000"/>
+              </a:lnSpc>
+              <a:spcBef>
+                <a:spcPts val="1600"/>
+              </a:spcBef>
+              <a:spcAft>
+                <a:spcPts val="0"/>
+              </a:spcAft>
+              <a:buClr>
+                <a:schemeClr val="dk2"/>
+              </a:buClr>
+              <a:buSzPts val="900"/>
+              <a:buFont typeface="Nunito"/>
+              <a:buChar char="■"/>
+              <a:defRPr sz="900" b="0" i="0" u="none" strike="noStrike" cap="none">
+                <a:solidFill>
+                  <a:schemeClr val="dk2"/>
+                </a:solidFill>
+                <a:latin typeface="Nunito"/>
+                <a:ea typeface="Nunito"/>
+                <a:cs typeface="Nunito"/>
+                <a:sym typeface="Nunito"/>
+              </a:defRPr>
+            </a:lvl6pPr>
+            <a:lvl7pPr marL="3200400" marR="0" lvl="6" indent="-279400" algn="l" rtl="0">
+              <a:lnSpc>
+                <a:spcPct val="115000"/>
+              </a:lnSpc>
+              <a:spcBef>
+                <a:spcPts val="1600"/>
+              </a:spcBef>
+              <a:spcAft>
+                <a:spcPts val="0"/>
+              </a:spcAft>
+              <a:buClr>
+                <a:schemeClr val="dk2"/>
+              </a:buClr>
+              <a:buSzPts val="800"/>
+              <a:buFont typeface="Nunito"/>
+              <a:buChar char="●"/>
+              <a:defRPr sz="800" b="0" i="0" u="none" strike="noStrike" cap="none">
+                <a:solidFill>
+                  <a:schemeClr val="dk2"/>
+                </a:solidFill>
+                <a:latin typeface="Nunito"/>
+                <a:ea typeface="Nunito"/>
+                <a:cs typeface="Nunito"/>
+                <a:sym typeface="Nunito"/>
+              </a:defRPr>
+            </a:lvl7pPr>
+            <a:lvl8pPr marL="3657600" marR="0" lvl="7" indent="-273050" algn="l" rtl="0">
+              <a:lnSpc>
+                <a:spcPct val="115000"/>
+              </a:lnSpc>
+              <a:spcBef>
+                <a:spcPts val="1600"/>
+              </a:spcBef>
+              <a:spcAft>
+                <a:spcPts val="0"/>
+              </a:spcAft>
+              <a:buClr>
+                <a:schemeClr val="dk2"/>
+              </a:buClr>
+              <a:buSzPts val="700"/>
+              <a:buFont typeface="Nunito"/>
+              <a:buChar char="○"/>
+              <a:defRPr sz="700" b="0" i="0" u="none" strike="noStrike" cap="none">
+                <a:solidFill>
+                  <a:schemeClr val="dk2"/>
+                </a:solidFill>
+                <a:latin typeface="Nunito"/>
+                <a:ea typeface="Nunito"/>
+                <a:cs typeface="Nunito"/>
+                <a:sym typeface="Nunito"/>
+              </a:defRPr>
+            </a:lvl8pPr>
+            <a:lvl9pPr marL="4114800" marR="0" lvl="8" indent="-266700" algn="l" rtl="0">
+              <a:lnSpc>
+                <a:spcPct val="115000"/>
+              </a:lnSpc>
+              <a:spcBef>
+                <a:spcPts val="1600"/>
+              </a:spcBef>
+              <a:spcAft>
+                <a:spcPts val="1600"/>
+              </a:spcAft>
+              <a:buClr>
+                <a:schemeClr val="dk2"/>
+              </a:buClr>
+              <a:buSzPts val="600"/>
+              <a:buFont typeface="Nunito"/>
+              <a:buChar char="■"/>
+              <a:defRPr sz="600" b="0" i="0" u="none" strike="noStrike" cap="none">
+                <a:solidFill>
+                  <a:schemeClr val="dk2"/>
+                </a:solidFill>
+                <a:latin typeface="Nunito"/>
+                <a:ea typeface="Nunito"/>
+                <a:cs typeface="Nunito"/>
+                <a:sym typeface="Nunito"/>
+              </a:defRPr>
+            </a:lvl9pPr>
+          </a:lstStyle>
+          <a:p>
+            <a:pPr algn="just">
+              <a:buFont typeface="Arial" panose="020B0604020202020204" pitchFamily="34" charset="0"/>
+              <a:buChar char="•"/>
+            </a:pPr>
+            <a:r>
+              <a:rPr lang="en-US" i="0" dirty="0">
+                <a:solidFill>
+                  <a:srgbClr val="000000"/>
+                </a:solidFill>
+                <a:effectLst/>
+                <a:latin typeface="Daytona" panose="020B0604030500040204" pitchFamily="34" charset="0"/>
+              </a:rPr>
+              <a:t>os column has 4 unique values</a:t>
+            </a:r>
+          </a:p>
+          <a:p>
+            <a:pPr algn="just">
+              <a:buFont typeface="Arial" panose="020B0604020202020204" pitchFamily="34" charset="0"/>
+              <a:buChar char="•"/>
+            </a:pPr>
+            <a:r>
+              <a:rPr lang="en-US" i="0" dirty="0">
+                <a:solidFill>
+                  <a:srgbClr val="000000"/>
+                </a:solidFill>
+                <a:effectLst/>
+                <a:latin typeface="Daytona" panose="020B0604030500040204" pitchFamily="34" charset="0"/>
+              </a:rPr>
+              <a:t>4g and 5g have 2 unique values</a:t>
+            </a:r>
+          </a:p>
+          <a:p>
+            <a:pPr algn="just">
+              <a:buFont typeface="Arial" panose="020B0604020202020204" pitchFamily="34" charset="0"/>
+              <a:buChar char="•"/>
+            </a:pPr>
+            <a:r>
+              <a:rPr lang="en-US" i="0" dirty="0" err="1">
+                <a:solidFill>
+                  <a:srgbClr val="000000"/>
+                </a:solidFill>
+                <a:effectLst/>
+                <a:latin typeface="Daytona" panose="020B0604030500040204" pitchFamily="34" charset="0"/>
+              </a:rPr>
+              <a:t>brand_name</a:t>
+            </a:r>
+            <a:r>
+              <a:rPr lang="en-US" i="0" dirty="0">
+                <a:solidFill>
+                  <a:srgbClr val="000000"/>
+                </a:solidFill>
+                <a:effectLst/>
+                <a:latin typeface="Daytona" panose="020B0604030500040204" pitchFamily="34" charset="0"/>
+              </a:rPr>
+              <a:t> has 34 unique values</a:t>
+            </a:r>
+          </a:p>
+          <a:p>
+            <a:pPr algn="just">
+              <a:buFont typeface="Arial" panose="020B0604020202020204" pitchFamily="34" charset="0"/>
+              <a:buChar char="•"/>
+            </a:pPr>
+            <a:r>
+              <a:rPr lang="en-US" i="0" dirty="0" err="1">
+                <a:solidFill>
+                  <a:srgbClr val="000000"/>
+                </a:solidFill>
+                <a:effectLst/>
+                <a:latin typeface="Daytona" panose="020B0604030500040204" pitchFamily="34" charset="0"/>
+              </a:rPr>
+              <a:t>release_year</a:t>
+            </a:r>
+            <a:r>
+              <a:rPr lang="en-US" i="0" dirty="0">
+                <a:solidFill>
+                  <a:srgbClr val="000000"/>
+                </a:solidFill>
+                <a:effectLst/>
+                <a:latin typeface="Daytona" panose="020B0604030500040204" pitchFamily="34" charset="0"/>
+              </a:rPr>
+              <a:t> rang from 2015 to 2020</a:t>
+            </a:r>
+          </a:p>
+          <a:p>
+            <a:pPr algn="just">
+              <a:buFont typeface="Arial" panose="020B0604020202020204" pitchFamily="34" charset="0"/>
+              <a:buChar char="•"/>
+            </a:pPr>
+            <a:r>
+              <a:rPr lang="en-US" i="0" dirty="0">
+                <a:solidFill>
+                  <a:srgbClr val="000000"/>
+                </a:solidFill>
+                <a:effectLst/>
+                <a:latin typeface="Daytona" panose="020B0604030500040204" pitchFamily="34" charset="0"/>
+              </a:rPr>
+              <a:t>The average of </a:t>
+            </a:r>
+            <a:r>
+              <a:rPr lang="en-US" i="0" dirty="0" err="1">
+                <a:solidFill>
+                  <a:srgbClr val="000000"/>
+                </a:solidFill>
+                <a:effectLst/>
+                <a:latin typeface="Daytona" panose="020B0604030500040204" pitchFamily="34" charset="0"/>
+              </a:rPr>
+              <a:t>used_price</a:t>
+            </a:r>
+            <a:r>
+              <a:rPr lang="en-US" i="0" dirty="0">
+                <a:solidFill>
+                  <a:srgbClr val="000000"/>
+                </a:solidFill>
+                <a:effectLst/>
+                <a:latin typeface="Daytona" panose="020B0604030500040204" pitchFamily="34" charset="0"/>
+              </a:rPr>
+              <a:t> is 109.880 euro</a:t>
+            </a:r>
+            <a:endParaRPr lang="en-US" dirty="0">
+              <a:solidFill>
+                <a:srgbClr val="000000"/>
+              </a:solidFill>
+              <a:latin typeface="Daytona" panose="020B0604030500040204" pitchFamily="34" charset="0"/>
+              <a:ea typeface="Arial"/>
+              <a:cs typeface="Arial"/>
+              <a:sym typeface="Arial"/>
+            </a:endParaRPr>
+          </a:p>
+          <a:p>
+            <a:pPr indent="-317500" algn="just">
+              <a:spcBef>
+                <a:spcPts val="1000"/>
+              </a:spcBef>
+              <a:buClr>
+                <a:srgbClr val="000000"/>
+              </a:buClr>
+              <a:buSzPts val="1400"/>
+              <a:buFont typeface="Arial"/>
+              <a:buChar char="●"/>
+            </a:pPr>
+            <a:r>
+              <a:rPr lang="en-US" dirty="0">
+                <a:solidFill>
+                  <a:srgbClr val="000000"/>
+                </a:solidFill>
+                <a:latin typeface="Daytona" panose="020B0604030500040204" pitchFamily="34" charset="0"/>
+                <a:ea typeface="Arial"/>
+                <a:cs typeface="Arial"/>
+                <a:sym typeface="Arial"/>
+              </a:rPr>
+              <a:t>Columns </a:t>
+            </a:r>
+            <a:r>
+              <a:rPr lang="en-US" dirty="0" err="1">
+                <a:solidFill>
+                  <a:srgbClr val="000000"/>
+                </a:solidFill>
+                <a:latin typeface="Daytona" panose="020B0604030500040204" pitchFamily="34" charset="0"/>
+                <a:ea typeface="Arial"/>
+                <a:cs typeface="Arial"/>
+                <a:sym typeface="Arial"/>
+              </a:rPr>
+              <a:t>brand_name</a:t>
+            </a:r>
+            <a:r>
+              <a:rPr lang="en-US" dirty="0">
+                <a:solidFill>
+                  <a:srgbClr val="000000"/>
+                </a:solidFill>
+                <a:latin typeface="Daytona" panose="020B0604030500040204" pitchFamily="34" charset="0"/>
+                <a:ea typeface="Arial"/>
+                <a:cs typeface="Arial"/>
+                <a:sym typeface="Arial"/>
+              </a:rPr>
+              <a:t>, os, 4g and 5g need to be dummy variable.</a:t>
+            </a:r>
+          </a:p>
+          <a:p>
+            <a:pPr indent="-317500" algn="just">
+              <a:spcBef>
+                <a:spcPts val="1000"/>
+              </a:spcBef>
+              <a:buClr>
+                <a:srgbClr val="000000"/>
+              </a:buClr>
+              <a:buSzPts val="1400"/>
+              <a:buFont typeface="Arial"/>
+              <a:buChar char="●"/>
+            </a:pPr>
+            <a:r>
+              <a:rPr lang="en-US" dirty="0">
+                <a:solidFill>
+                  <a:srgbClr val="000000"/>
+                </a:solidFill>
+                <a:latin typeface="Daytona" panose="020B0604030500040204" pitchFamily="34" charset="0"/>
+                <a:ea typeface="Arial"/>
+                <a:cs typeface="Arial"/>
+                <a:sym typeface="Arial"/>
+              </a:rPr>
+              <a:t>Also, 4g and 5g have overlapping so, I tried to apply a feature engineering to have in a new column called "4_5g“ containing 3 possible values: 5g, 4g, and Other. </a:t>
+            </a:r>
+          </a:p>
+          <a:p>
+            <a:pPr indent="-317500" algn="just">
+              <a:spcBef>
+                <a:spcPts val="1000"/>
+              </a:spcBef>
+              <a:buClr>
+                <a:srgbClr val="000000"/>
+              </a:buClr>
+              <a:buSzPts val="1400"/>
+              <a:buFont typeface="Arial"/>
+              <a:buChar char="●"/>
+            </a:pPr>
+            <a:endParaRPr lang="en-US" sz="1400" dirty="0">
+              <a:solidFill>
+                <a:srgbClr val="000000"/>
+              </a:solidFill>
+              <a:latin typeface="Arial"/>
+              <a:ea typeface="Arial"/>
+              <a:cs typeface="Arial"/>
+              <a:sym typeface="Arial"/>
+            </a:endParaRPr>
+          </a:p>
+          <a:p>
+            <a:pPr indent="-317500">
+              <a:spcBef>
+                <a:spcPts val="1000"/>
+              </a:spcBef>
+              <a:buClr>
+                <a:srgbClr val="000000"/>
+              </a:buClr>
+              <a:buSzPts val="1400"/>
+              <a:buFont typeface="Arial"/>
+              <a:buChar char="●"/>
+            </a:pPr>
+            <a:endParaRPr lang="en-US" sz="1400" dirty="0">
+              <a:solidFill>
+                <a:srgbClr val="000000"/>
+              </a:solidFill>
+              <a:latin typeface="Arial"/>
+              <a:ea typeface="Arial"/>
+              <a:cs typeface="Arial"/>
+              <a:sym typeface="Arial"/>
+            </a:endParaRPr>
+          </a:p>
+        </p:txBody>
+      </p:sp>
+      <p:pic>
+        <p:nvPicPr>
+          <p:cNvPr id="11" name="Picture 10" descr="Table&#10;&#10;Description automatically generated">
+            <a:extLst>
+              <a:ext uri="{FF2B5EF4-FFF2-40B4-BE49-F238E27FC236}">
+                <a16:creationId xmlns:a16="http://schemas.microsoft.com/office/drawing/2014/main" id="{0F792575-CCC4-437F-B11D-2FC24B565232}"/>
+              </a:ext>
+            </a:extLst>
+          </p:cNvPr>
+          <p:cNvPicPr>
+            <a:picLocks noChangeAspect="1"/>
+          </p:cNvPicPr>
+          <p:nvPr/>
+        </p:nvPicPr>
+        <p:blipFill>
+          <a:blip r:embed="rId3"/>
+          <a:stretch>
+            <a:fillRect/>
+          </a:stretch>
+        </p:blipFill>
+        <p:spPr>
+          <a:xfrm>
+            <a:off x="202550" y="1763693"/>
+            <a:ext cx="5069993" cy="3213164"/>
+          </a:xfrm>
+          <a:prstGeom prst="rect">
+            <a:avLst/>
+          </a:prstGeom>
+        </p:spPr>
+      </p:pic>
+    </p:spTree>
+  </p:cSld>
+  <p:clrMapOvr>
+    <a:masterClrMapping/>
+  </p:clrMapOvr>
+</p:sld>
+</file>
+
+<file path=ppt/slides/slide5.xml><?xml version="1.0" encoding="utf-8"?>
+<p:sld xmlns:a="http://schemas.openxmlformats.org/drawingml/2006/main" xmlns:r="http://schemas.openxmlformats.org/officeDocument/2006/relationships" xmlns:p="http://schemas.openxmlformats.org/presentationml/2006/main">
+  <p:cSld>
+    <p:spTree>
+      <p:nvGrpSpPr>
+        <p:cNvPr id="1" name="Shape 78"/>
+        <p:cNvGrpSpPr/>
+        <p:nvPr/>
+      </p:nvGrpSpPr>
+      <p:grpSpPr>
+        <a:xfrm>
+          <a:off x="0" y="0"/>
+          <a:ext cx="0" cy="0"/>
+          <a:chOff x="0" y="0"/>
+          <a:chExt cx="0" cy="0"/>
+        </a:xfrm>
+      </p:grpSpPr>
+      <p:sp>
+        <p:nvSpPr>
+          <p:cNvPr id="79" name="Google Shape;79;p5"/>
+          <p:cNvSpPr txBox="1">
+            <a:spLocks noGrp="1"/>
+          </p:cNvSpPr>
+          <p:nvPr>
+            <p:ph type="title"/>
+          </p:nvPr>
+        </p:nvSpPr>
+        <p:spPr>
+          <a:xfrm>
+            <a:off x="422289" y="224460"/>
+            <a:ext cx="8520600" cy="572700"/>
+          </a:xfrm>
+          <a:prstGeom prst="rect">
+            <a:avLst/>
+          </a:prstGeom>
+          <a:noFill/>
+          <a:ln>
+            <a:noFill/>
+          </a:ln>
+        </p:spPr>
+        <p:txBody>
+          <a:bodyPr spcFirstLastPara="1" wrap="square" lIns="91425" tIns="91425" rIns="91425" bIns="91425" anchor="t" anchorCtr="0">
+            <a:noAutofit/>
+          </a:bodyPr>
+          <a:lstStyle/>
+          <a:p>
+            <a:pPr marL="0" lvl="0" indent="0" algn="l" rtl="0">
+              <a:lnSpc>
+                <a:spcPct val="100000"/>
+              </a:lnSpc>
+              <a:spcBef>
+                <a:spcPts val="0"/>
+              </a:spcBef>
+              <a:spcAft>
+                <a:spcPts val="0"/>
+              </a:spcAft>
+              <a:buSzPts val="2200"/>
+              <a:buNone/>
+            </a:pPr>
+            <a:r>
+              <a:rPr lang="en">
+                <a:solidFill>
+                  <a:srgbClr val="000000"/>
+                </a:solidFill>
+                <a:latin typeface="Arial"/>
+                <a:ea typeface="Arial"/>
+                <a:cs typeface="Arial"/>
+                <a:sym typeface="Arial"/>
+              </a:rPr>
+              <a:t>EDA</a:t>
+            </a:r>
+            <a:endParaRPr>
+              <a:solidFill>
+                <a:srgbClr val="000000"/>
+              </a:solidFill>
+              <a:latin typeface="Arial"/>
+              <a:ea typeface="Arial"/>
+              <a:cs typeface="Arial"/>
+              <a:sym typeface="Arial"/>
+            </a:endParaRPr>
+          </a:p>
+        </p:txBody>
+      </p:sp>
+      <p:pic>
+        <p:nvPicPr>
+          <p:cNvPr id="3" name="Picture 2" descr="Chart&#10;&#10;Description automatically generated">
+            <a:extLst>
+              <a:ext uri="{FF2B5EF4-FFF2-40B4-BE49-F238E27FC236}">
+                <a16:creationId xmlns:a16="http://schemas.microsoft.com/office/drawing/2014/main" id="{985F582B-1265-4A0E-BF1C-2FEA1B86D227}"/>
+              </a:ext>
+            </a:extLst>
+          </p:cNvPr>
+          <p:cNvPicPr>
+            <a:picLocks noChangeAspect="1"/>
+          </p:cNvPicPr>
+          <p:nvPr/>
+        </p:nvPicPr>
+        <p:blipFill>
+          <a:blip r:embed="rId3"/>
+          <a:stretch>
+            <a:fillRect/>
+          </a:stretch>
+        </p:blipFill>
+        <p:spPr>
+          <a:xfrm>
+            <a:off x="4572000" y="83864"/>
+            <a:ext cx="4501037" cy="3237037"/>
+          </a:xfrm>
+          <a:prstGeom prst="rect">
+            <a:avLst/>
+          </a:prstGeom>
+        </p:spPr>
+      </p:pic>
+      <p:sp>
+        <p:nvSpPr>
+          <p:cNvPr id="5" name="Text Placeholder 4">
+            <a:extLst>
+              <a:ext uri="{FF2B5EF4-FFF2-40B4-BE49-F238E27FC236}">
+                <a16:creationId xmlns:a16="http://schemas.microsoft.com/office/drawing/2014/main" id="{76B0D293-BE79-4BA8-9A24-ED4142EFB09F}"/>
+              </a:ext>
+            </a:extLst>
+          </p:cNvPr>
+          <p:cNvSpPr>
+            <a:spLocks noGrp="1"/>
+          </p:cNvSpPr>
+          <p:nvPr>
+            <p:ph type="body" idx="1"/>
+          </p:nvPr>
+        </p:nvSpPr>
+        <p:spPr>
+          <a:xfrm>
+            <a:off x="0" y="797160"/>
+            <a:ext cx="3100631" cy="3771615"/>
+          </a:xfrm>
+        </p:spPr>
+        <p:txBody>
+          <a:bodyPr/>
+          <a:lstStyle/>
+          <a:p>
+            <a:pPr algn="just"/>
+            <a:r>
+              <a:rPr lang="en-US" sz="1400" dirty="0" err="1"/>
+              <a:t>Used_price</a:t>
+            </a:r>
+            <a:r>
+              <a:rPr lang="en-US" sz="1400" dirty="0"/>
+              <a:t> and </a:t>
+            </a:r>
+            <a:r>
+              <a:rPr lang="en-US" sz="1400" dirty="0" err="1"/>
+              <a:t>new_price</a:t>
+            </a:r>
+            <a:r>
+              <a:rPr lang="en-US" sz="1400" dirty="0"/>
+              <a:t> are highly skewed to the right so; I used log transformation to make their shape better and look like a normal distribution.</a:t>
+            </a:r>
+          </a:p>
+        </p:txBody>
+      </p:sp>
+      <p:pic>
+        <p:nvPicPr>
+          <p:cNvPr id="2" name="Picture 1">
+            <a:extLst>
+              <a:ext uri="{FF2B5EF4-FFF2-40B4-BE49-F238E27FC236}">
+                <a16:creationId xmlns:a16="http://schemas.microsoft.com/office/drawing/2014/main" id="{7E303305-5047-508B-A58E-6B07AA497426}"/>
+              </a:ext>
+            </a:extLst>
+          </p:cNvPr>
+          <p:cNvPicPr>
+            <a:picLocks noChangeAspect="1"/>
+          </p:cNvPicPr>
+          <p:nvPr/>
+        </p:nvPicPr>
+        <p:blipFill>
+          <a:blip r:embed="rId4"/>
+          <a:stretch>
+            <a:fillRect/>
+          </a:stretch>
+        </p:blipFill>
+        <p:spPr>
+          <a:xfrm>
+            <a:off x="356191" y="2264733"/>
+            <a:ext cx="4338083" cy="2654308"/>
+          </a:xfrm>
+          <a:prstGeom prst="rect">
+            <a:avLst/>
+          </a:prstGeom>
+        </p:spPr>
+      </p:pic>
+    </p:spTree>
+  </p:cSld>
+  <p:clrMapOvr>
+    <a:masterClrMapping/>
+  </p:clrMapOvr>
+</p:sld>
+</file>
+
+<file path=ppt/slides/slide6.xml><?xml version="1.0" encoding="utf-8"?>
+<p:sld xmlns:a="http://schemas.openxmlformats.org/drawingml/2006/main" xmlns:r="http://schemas.openxmlformats.org/officeDocument/2006/relationships" xmlns:p="http://schemas.openxmlformats.org/presentationml/2006/main">
+  <p:cSld>
+    <p:spTree>
+      <p:nvGrpSpPr>
+        <p:cNvPr id="1" name=""/>
+        <p:cNvGrpSpPr/>
+        <p:nvPr/>
+      </p:nvGrpSpPr>
+      <p:grpSpPr>
+        <a:xfrm>
+          <a:off x="0" y="0"/>
+          <a:ext cx="0" cy="0"/>
+          <a:chOff x="0" y="0"/>
+          <a:chExt cx="0" cy="0"/>
+        </a:xfrm>
+      </p:grpSpPr>
+      <p:sp>
+        <p:nvSpPr>
+          <p:cNvPr id="2" name="Title 1">
+            <a:extLst>
+              <a:ext uri="{FF2B5EF4-FFF2-40B4-BE49-F238E27FC236}">
+                <a16:creationId xmlns:a16="http://schemas.microsoft.com/office/drawing/2014/main" id="{2E8FF87E-8ABF-4313-BB59-C09D4BA52FF9}"/>
+              </a:ext>
+            </a:extLst>
+          </p:cNvPr>
+          <p:cNvSpPr>
+            <a:spLocks noGrp="1"/>
+          </p:cNvSpPr>
+          <p:nvPr>
+            <p:ph type="title"/>
+          </p:nvPr>
+        </p:nvSpPr>
+        <p:spPr/>
+        <p:txBody>
+          <a:bodyPr/>
+          <a:lstStyle/>
+          <a:p>
+            <a:r>
+              <a:rPr lang="en-US" dirty="0"/>
+              <a:t>EDA</a:t>
+            </a:r>
+          </a:p>
+        </p:txBody>
+      </p:sp>
+      <p:sp>
+        <p:nvSpPr>
+          <p:cNvPr id="3" name="Text Placeholder 2">
+            <a:extLst>
+              <a:ext uri="{FF2B5EF4-FFF2-40B4-BE49-F238E27FC236}">
+                <a16:creationId xmlns:a16="http://schemas.microsoft.com/office/drawing/2014/main" id="{B61E4B02-0F45-42A0-A0D0-7E73BFD86F13}"/>
+              </a:ext>
+            </a:extLst>
+          </p:cNvPr>
+          <p:cNvSpPr>
+            <a:spLocks noGrp="1"/>
+          </p:cNvSpPr>
+          <p:nvPr>
+            <p:ph type="body" idx="1"/>
+          </p:nvPr>
+        </p:nvSpPr>
+        <p:spPr>
+          <a:xfrm>
+            <a:off x="0" y="1149545"/>
+            <a:ext cx="2941673" cy="3416400"/>
+          </a:xfrm>
+        </p:spPr>
+        <p:txBody>
+          <a:bodyPr/>
+          <a:lstStyle/>
+          <a:p>
+            <a:pPr algn="just"/>
+            <a:r>
+              <a:rPr lang="en-US" dirty="0">
+                <a:latin typeface="Daytona" panose="020B0604030500040204" pitchFamily="34" charset="0"/>
+              </a:rPr>
+              <a:t>Distribution of columns </a:t>
+            </a:r>
+            <a:r>
+              <a:rPr lang="en-US" dirty="0" err="1">
+                <a:latin typeface="Daytona" panose="020B0604030500040204" pitchFamily="34" charset="0"/>
+              </a:rPr>
+              <a:t>new_price</a:t>
+            </a:r>
+            <a:r>
+              <a:rPr lang="en-US" dirty="0">
+                <a:latin typeface="Daytona" panose="020B0604030500040204" pitchFamily="34" charset="0"/>
+              </a:rPr>
+              <a:t> and </a:t>
+            </a:r>
+            <a:r>
+              <a:rPr lang="en-US" dirty="0" err="1">
+                <a:latin typeface="Daytona" panose="020B0604030500040204" pitchFamily="34" charset="0"/>
+              </a:rPr>
+              <a:t>used_price</a:t>
+            </a:r>
+            <a:r>
+              <a:rPr lang="en-US" dirty="0">
+                <a:latin typeface="Daytona" panose="020B0604030500040204" pitchFamily="34" charset="0"/>
+              </a:rPr>
+              <a:t> after log transformation</a:t>
+            </a:r>
+          </a:p>
+          <a:p>
+            <a:pPr algn="just"/>
+            <a:r>
+              <a:rPr lang="en-US" dirty="0">
+                <a:latin typeface="Daytona" panose="020B0604030500040204" pitchFamily="34" charset="0"/>
+              </a:rPr>
+              <a:t>it seems that Log transformation is helpful in reducing the skewness. the blue one is related to </a:t>
+            </a:r>
+            <a:r>
+              <a:rPr lang="en-US" dirty="0" err="1">
+                <a:latin typeface="Daytona" panose="020B0604030500040204" pitchFamily="34" charset="0"/>
+              </a:rPr>
+              <a:t>new_price</a:t>
+            </a:r>
+            <a:r>
+              <a:rPr lang="en-US" dirty="0">
+                <a:latin typeface="Daytona" panose="020B0604030500040204" pitchFamily="34" charset="0"/>
+              </a:rPr>
+              <a:t> and yellow is related to used_price. </a:t>
+            </a:r>
+          </a:p>
+        </p:txBody>
+      </p:sp>
+      <p:pic>
+        <p:nvPicPr>
+          <p:cNvPr id="6" name="Picture 5" descr="Chart, histogram&#10;&#10;Description automatically generated">
+            <a:extLst>
+              <a:ext uri="{FF2B5EF4-FFF2-40B4-BE49-F238E27FC236}">
+                <a16:creationId xmlns:a16="http://schemas.microsoft.com/office/drawing/2014/main" id="{FFDF997E-2C70-453A-875C-D16E1DF83CE9}"/>
+              </a:ext>
+            </a:extLst>
+          </p:cNvPr>
+          <p:cNvPicPr>
+            <a:picLocks noChangeAspect="1"/>
+          </p:cNvPicPr>
+          <p:nvPr/>
+        </p:nvPicPr>
+        <p:blipFill>
+          <a:blip r:embed="rId2"/>
+          <a:stretch>
+            <a:fillRect/>
+          </a:stretch>
+        </p:blipFill>
+        <p:spPr>
+          <a:xfrm>
+            <a:off x="2941673" y="1152475"/>
+            <a:ext cx="6121140" cy="3778444"/>
+          </a:xfrm>
+          <a:prstGeom prst="rect">
+            <a:avLst/>
+          </a:prstGeom>
+        </p:spPr>
+      </p:pic>
+    </p:spTree>
+    <p:extLst>
+      <p:ext uri="{BB962C8B-B14F-4D97-AF65-F5344CB8AC3E}">
+        <p14:creationId xmlns:p14="http://schemas.microsoft.com/office/powerpoint/2010/main" val="2219742238"/>
+      </p:ext>
+    </p:extLst>
+  </p:cSld>
+  <p:clrMapOvr>
+    <a:masterClrMapping/>
+  </p:clrMapOvr>
+</p:sld>
+</file>
+
+<file path=ppt/slides/slide7.xml><?xml version="1.0" encoding="utf-8"?>
+<p:sld xmlns:a="http://schemas.openxmlformats.org/drawingml/2006/main" xmlns:r="http://schemas.openxmlformats.org/officeDocument/2006/relationships" xmlns:p="http://schemas.openxmlformats.org/presentationml/2006/main">
+  <p:cSld>
+    <p:spTree>
+      <p:nvGrpSpPr>
+        <p:cNvPr id="1" name=""/>
+        <p:cNvGrpSpPr/>
+        <p:nvPr/>
+      </p:nvGrpSpPr>
+      <p:grpSpPr>
+        <a:xfrm>
+          <a:off x="0" y="0"/>
+          <a:ext cx="0" cy="0"/>
+          <a:chOff x="0" y="0"/>
+          <a:chExt cx="0" cy="0"/>
+        </a:xfrm>
+      </p:grpSpPr>
+      <p:sp>
+        <p:nvSpPr>
+          <p:cNvPr id="2" name="Title 1">
+            <a:extLst>
+              <a:ext uri="{FF2B5EF4-FFF2-40B4-BE49-F238E27FC236}">
+                <a16:creationId xmlns:a16="http://schemas.microsoft.com/office/drawing/2014/main" id="{D2B06055-4CB3-4797-ACF4-C6F0890DA653}"/>
+              </a:ext>
+            </a:extLst>
+          </p:cNvPr>
+          <p:cNvSpPr>
+            <a:spLocks noGrp="1"/>
+          </p:cNvSpPr>
+          <p:nvPr>
+            <p:ph type="title"/>
+          </p:nvPr>
+        </p:nvSpPr>
+        <p:spPr/>
+        <p:txBody>
+          <a:bodyPr/>
+          <a:lstStyle/>
+          <a:p>
+            <a:r>
+              <a:rPr lang="en-US" dirty="0"/>
+              <a:t>EDA</a:t>
+            </a:r>
+          </a:p>
+        </p:txBody>
+      </p:sp>
+      <p:sp>
+        <p:nvSpPr>
+          <p:cNvPr id="3" name="Text Placeholder 2">
+            <a:extLst>
+              <a:ext uri="{FF2B5EF4-FFF2-40B4-BE49-F238E27FC236}">
+                <a16:creationId xmlns:a16="http://schemas.microsoft.com/office/drawing/2014/main" id="{341B0D8A-255C-40DB-AC9C-C43D295CDB66}"/>
+              </a:ext>
+            </a:extLst>
+          </p:cNvPr>
+          <p:cNvSpPr>
+            <a:spLocks noGrp="1"/>
+          </p:cNvSpPr>
+          <p:nvPr>
+            <p:ph type="body" idx="1"/>
+          </p:nvPr>
+        </p:nvSpPr>
+        <p:spPr>
+          <a:xfrm>
+            <a:off x="311700" y="1750828"/>
+            <a:ext cx="3758512" cy="2818047"/>
+          </a:xfrm>
+        </p:spPr>
+        <p:txBody>
+          <a:bodyPr/>
+          <a:lstStyle/>
+          <a:p>
+            <a:r>
+              <a:rPr lang="en-US" dirty="0">
+                <a:latin typeface="Daytona" panose="020B0604030500040204" pitchFamily="34" charset="0"/>
+              </a:rPr>
+              <a:t>it seems that heavy cell phones have a bigger screen, and a bigger screen does affect the price.</a:t>
+            </a:r>
+          </a:p>
+          <a:p>
+            <a:r>
+              <a:rPr lang="en-US" dirty="0">
+                <a:latin typeface="Daytona" panose="020B0604030500040204" pitchFamily="34" charset="0"/>
+              </a:rPr>
+              <a:t>Android is much more than other [</a:t>
+            </a:r>
+            <a:r>
+              <a:rPr lang="en-US" dirty="0" err="1">
+                <a:latin typeface="Daytona" panose="020B0604030500040204" pitchFamily="34" charset="0"/>
+              </a:rPr>
+              <a:t>os</a:t>
+            </a:r>
+            <a:r>
+              <a:rPr lang="en-US" dirty="0">
+                <a:latin typeface="Daytona" panose="020B0604030500040204" pitchFamily="34" charset="0"/>
+              </a:rPr>
+              <a:t>] which is showing very well in this plot.</a:t>
+            </a:r>
+          </a:p>
+        </p:txBody>
+      </p:sp>
+      <p:pic>
+        <p:nvPicPr>
+          <p:cNvPr id="6" name="Picture 5" descr="Chart, scatter chart, bubble chart&#10;&#10;Description automatically generated">
+            <a:extLst>
+              <a:ext uri="{FF2B5EF4-FFF2-40B4-BE49-F238E27FC236}">
+                <a16:creationId xmlns:a16="http://schemas.microsoft.com/office/drawing/2014/main" id="{47AFE90C-A51E-4200-A3F3-C6FADA00FF1E}"/>
+              </a:ext>
+            </a:extLst>
+          </p:cNvPr>
+          <p:cNvPicPr>
+            <a:picLocks noChangeAspect="1"/>
+          </p:cNvPicPr>
+          <p:nvPr/>
+        </p:nvPicPr>
+        <p:blipFill>
+          <a:blip r:embed="rId2"/>
+          <a:stretch>
+            <a:fillRect/>
+          </a:stretch>
+        </p:blipFill>
+        <p:spPr>
+          <a:xfrm>
+            <a:off x="4070212" y="698415"/>
+            <a:ext cx="5073788" cy="4324519"/>
+          </a:xfrm>
+          <a:prstGeom prst="rect">
+            <a:avLst/>
+          </a:prstGeom>
+        </p:spPr>
+      </p:pic>
+    </p:spTree>
+    <p:extLst>
+      <p:ext uri="{BB962C8B-B14F-4D97-AF65-F5344CB8AC3E}">
+        <p14:creationId xmlns:p14="http://schemas.microsoft.com/office/powerpoint/2010/main" val="2910335185"/>
+      </p:ext>
+    </p:extLst>
+  </p:cSld>
+  <p:clrMapOvr>
+    <a:masterClrMapping/>
+  </p:clrMapOvr>
+</p:sld>
+</file>
+
+<file path=ppt/slides/slide8.xml><?xml version="1.0" encoding="utf-8"?>
+<p:sld xmlns:a="http://schemas.openxmlformats.org/drawingml/2006/main" xmlns:r="http://schemas.openxmlformats.org/officeDocument/2006/relationships" xmlns:p="http://schemas.openxmlformats.org/presentationml/2006/main">
+  <p:cSld>
+    <p:spTree>
+      <p:nvGrpSpPr>
+        <p:cNvPr id="1" name=""/>
+        <p:cNvGrpSpPr/>
+        <p:nvPr/>
+      </p:nvGrpSpPr>
+      <p:grpSpPr>
+        <a:xfrm>
+          <a:off x="0" y="0"/>
+          <a:ext cx="0" cy="0"/>
+          <a:chOff x="0" y="0"/>
+          <a:chExt cx="0" cy="0"/>
+        </a:xfrm>
+      </p:grpSpPr>
+      <p:sp>
+        <p:nvSpPr>
+          <p:cNvPr id="2" name="Title 1">
+            <a:extLst>
+              <a:ext uri="{FF2B5EF4-FFF2-40B4-BE49-F238E27FC236}">
+                <a16:creationId xmlns:a16="http://schemas.microsoft.com/office/drawing/2014/main" id="{1903D45B-7DFB-4DFE-B674-525F7766D0D4}"/>
+              </a:ext>
+            </a:extLst>
+          </p:cNvPr>
+          <p:cNvSpPr>
+            <a:spLocks noGrp="1"/>
+          </p:cNvSpPr>
+          <p:nvPr>
+            <p:ph type="title"/>
+          </p:nvPr>
+        </p:nvSpPr>
+        <p:spPr/>
+        <p:txBody>
+          <a:bodyPr/>
+          <a:lstStyle/>
+          <a:p>
+            <a:r>
+              <a:rPr lang="en-US" dirty="0"/>
+              <a:t>EDA</a:t>
+            </a:r>
+          </a:p>
+        </p:txBody>
+      </p:sp>
+      <p:sp>
+        <p:nvSpPr>
+          <p:cNvPr id="3" name="Text Placeholder 2">
+            <a:extLst>
+              <a:ext uri="{FF2B5EF4-FFF2-40B4-BE49-F238E27FC236}">
+                <a16:creationId xmlns:a16="http://schemas.microsoft.com/office/drawing/2014/main" id="{0DDB0A30-F4F4-4174-9043-9DD9CB010CEA}"/>
+              </a:ext>
+            </a:extLst>
+          </p:cNvPr>
+          <p:cNvSpPr>
+            <a:spLocks noGrp="1"/>
+          </p:cNvSpPr>
+          <p:nvPr>
+            <p:ph type="body" idx="1"/>
+          </p:nvPr>
+        </p:nvSpPr>
+        <p:spPr>
+          <a:xfrm>
+            <a:off x="311700" y="1152475"/>
+            <a:ext cx="3140337" cy="3416400"/>
+          </a:xfrm>
+        </p:spPr>
+        <p:txBody>
+          <a:bodyPr/>
+          <a:lstStyle/>
+          <a:p>
+            <a:pPr algn="just"/>
+            <a:r>
+              <a:rPr lang="en-US" dirty="0"/>
+              <a:t>The price of </a:t>
+            </a:r>
+            <a:r>
+              <a:rPr lang="en-US" dirty="0" err="1"/>
+              <a:t>ios</a:t>
+            </a:r>
+            <a:r>
+              <a:rPr lang="en-US" dirty="0"/>
+              <a:t> and Android were going up till 2019 but then </a:t>
+            </a:r>
+            <a:r>
+              <a:rPr lang="en-US" dirty="0" err="1"/>
+              <a:t>ios</a:t>
+            </a:r>
+            <a:r>
+              <a:rPr lang="en-US" dirty="0"/>
+              <a:t> is coming down. Also, the Others [os] are going up.</a:t>
+            </a:r>
+          </a:p>
+          <a:p>
+            <a:pPr algn="just"/>
+            <a:r>
+              <a:rPr lang="en-US" dirty="0"/>
+              <a:t> Windows stop producing in 2016. </a:t>
+            </a:r>
+          </a:p>
+          <a:p>
+            <a:pPr algn="just"/>
+            <a:r>
+              <a:rPr lang="en-US" dirty="0"/>
+              <a:t>Totally it is acceptable that the recently released cell phone has a price higher than the old released.</a:t>
+            </a:r>
+          </a:p>
+        </p:txBody>
+      </p:sp>
+      <p:pic>
+        <p:nvPicPr>
+          <p:cNvPr id="6" name="Picture 5" descr="Chart, line chart&#10;&#10;Description automatically generated">
+            <a:extLst>
+              <a:ext uri="{FF2B5EF4-FFF2-40B4-BE49-F238E27FC236}">
+                <a16:creationId xmlns:a16="http://schemas.microsoft.com/office/drawing/2014/main" id="{F4593B0B-30A9-484B-ACB7-3E140F6BAD5E}"/>
+              </a:ext>
+            </a:extLst>
+          </p:cNvPr>
+          <p:cNvPicPr>
+            <a:picLocks noChangeAspect="1"/>
+          </p:cNvPicPr>
+          <p:nvPr/>
+        </p:nvPicPr>
+        <p:blipFill>
+          <a:blip r:embed="rId2"/>
+          <a:stretch>
+            <a:fillRect/>
+          </a:stretch>
+        </p:blipFill>
+        <p:spPr>
+          <a:xfrm>
+            <a:off x="3979740" y="1095901"/>
+            <a:ext cx="5072111" cy="3472974"/>
+          </a:xfrm>
+          <a:prstGeom prst="rect">
+            <a:avLst/>
+          </a:prstGeom>
+        </p:spPr>
+      </p:pic>
+    </p:spTree>
+    <p:extLst>
+      <p:ext uri="{BB962C8B-B14F-4D97-AF65-F5344CB8AC3E}">
+        <p14:creationId xmlns:p14="http://schemas.microsoft.com/office/powerpoint/2010/main" val="2738480363"/>
+      </p:ext>
+    </p:extLst>
+  </p:cSld>
+  <p:clrMapOvr>
+    <a:masterClrMapping/>
+  </p:clrMapOvr>
+</p:sld>
+</file>
+
+<file path=ppt/slides/slide9.xml><?xml version="1.0" encoding="utf-8"?>
+<p:sld xmlns:a="http://schemas.openxmlformats.org/drawingml/2006/main" xmlns:r="http://schemas.openxmlformats.org/officeDocument/2006/relationships" xmlns:p="http://schemas.openxmlformats.org/presentationml/2006/main">
+  <p:cSld>
+    <p:spTree>
+      <p:nvGrpSpPr>
+        <p:cNvPr id="1" name=""/>
+        <p:cNvGrpSpPr/>
+        <p:nvPr/>
+      </p:nvGrpSpPr>
+      <p:grpSpPr>
+        <a:xfrm>
+          <a:off x="0" y="0"/>
+          <a:ext cx="0" cy="0"/>
+          <a:chOff x="0" y="0"/>
+          <a:chExt cx="0" cy="0"/>
+        </a:xfrm>
+      </p:grpSpPr>
+      <p:sp>
+        <p:nvSpPr>
+          <p:cNvPr id="2" name="Title 1">
+            <a:extLst>
+              <a:ext uri="{FF2B5EF4-FFF2-40B4-BE49-F238E27FC236}">
                 <a16:creationId xmlns:a16="http://schemas.microsoft.com/office/drawing/2014/main" id="{CAF62BEB-E70D-4BE6-9F2D-1EA38EA9937B}"/>
               </a:ext>
             </a:extLst>
@@ -9445,3962 +14267,6 @@
     <p:extLst>
       <p:ext uri="{BB962C8B-B14F-4D97-AF65-F5344CB8AC3E}">
         <p14:creationId xmlns:p14="http://schemas.microsoft.com/office/powerpoint/2010/main" val="200926033"/>
-      </p:ext>
-    </p:extLst>
-  </p:cSld>
-  <p:clrMapOvr>
-    <a:masterClrMapping/>
-  </p:clrMapOvr>
-</p:sld>
-</file>
-
-<file path=ppt/slides/slide11.xml><?xml version="1.0" encoding="utf-8"?>
-<p:sld xmlns:a="http://schemas.openxmlformats.org/drawingml/2006/main" xmlns:r="http://schemas.openxmlformats.org/officeDocument/2006/relationships" xmlns:p="http://schemas.openxmlformats.org/presentationml/2006/main">
-  <p:cSld>
-    <p:spTree>
-      <p:nvGrpSpPr>
-        <p:cNvPr id="1" name=""/>
-        <p:cNvGrpSpPr/>
-        <p:nvPr/>
-      </p:nvGrpSpPr>
-      <p:grpSpPr>
-        <a:xfrm>
-          <a:off x="0" y="0"/>
-          <a:ext cx="0" cy="0"/>
-          <a:chOff x="0" y="0"/>
-          <a:chExt cx="0" cy="0"/>
-        </a:xfrm>
-      </p:grpSpPr>
-      <p:sp>
-        <p:nvSpPr>
-          <p:cNvPr id="2" name="Title 1">
-            <a:extLst>
-              <a:ext uri="{FF2B5EF4-FFF2-40B4-BE49-F238E27FC236}">
-                <a16:creationId xmlns:a16="http://schemas.microsoft.com/office/drawing/2014/main" id="{9AB80EED-FDAE-48A9-B336-DA1298D2CE0A}"/>
-              </a:ext>
-            </a:extLst>
-          </p:cNvPr>
-          <p:cNvSpPr>
-            <a:spLocks noGrp="1"/>
-          </p:cNvSpPr>
-          <p:nvPr>
-            <p:ph type="title"/>
-          </p:nvPr>
-        </p:nvSpPr>
-        <p:spPr/>
-        <p:txBody>
-          <a:bodyPr/>
-          <a:lstStyle/>
-          <a:p>
-            <a:r>
-              <a:rPr lang="en-US" dirty="0"/>
-              <a:t>EDA</a:t>
-            </a:r>
-          </a:p>
-        </p:txBody>
-      </p:sp>
-      <p:sp>
-        <p:nvSpPr>
-          <p:cNvPr id="3" name="Text Placeholder 2">
-            <a:extLst>
-              <a:ext uri="{FF2B5EF4-FFF2-40B4-BE49-F238E27FC236}">
-                <a16:creationId xmlns:a16="http://schemas.microsoft.com/office/drawing/2014/main" id="{3711E1A1-22F9-406D-80BD-18D9432A3343}"/>
-              </a:ext>
-            </a:extLst>
-          </p:cNvPr>
-          <p:cNvSpPr>
-            <a:spLocks noGrp="1"/>
-          </p:cNvSpPr>
-          <p:nvPr>
-            <p:ph type="body" idx="1"/>
-          </p:nvPr>
-        </p:nvSpPr>
-        <p:spPr/>
-        <p:txBody>
-          <a:bodyPr/>
-          <a:lstStyle/>
-          <a:p>
-            <a:r>
-              <a:rPr lang="en-US" dirty="0"/>
-              <a:t>How does the weight vary for phones offering large batteries ( more than 4500 </a:t>
-            </a:r>
-            <a:r>
-              <a:rPr lang="en-US" dirty="0" err="1"/>
-              <a:t>mAh</a:t>
-            </a:r>
-            <a:r>
-              <a:rPr lang="en-US" dirty="0"/>
-              <a:t> )?</a:t>
-            </a:r>
-          </a:p>
-          <a:p>
-            <a:endParaRPr lang="en-US" dirty="0"/>
-          </a:p>
-          <a:p>
-            <a:r>
-              <a:rPr lang="en-US" dirty="0"/>
-              <a:t>I started with filtering the data base on </a:t>
-            </a:r>
-            <a:r>
-              <a:rPr lang="en-US" dirty="0" err="1"/>
-              <a:t>mAh</a:t>
-            </a:r>
-            <a:r>
-              <a:rPr lang="en-US" dirty="0"/>
-              <a:t> &gt;4500 and get their means</a:t>
-            </a:r>
-          </a:p>
-          <a:p>
-            <a:endParaRPr lang="en-US" dirty="0"/>
-          </a:p>
-          <a:p>
-            <a:r>
-              <a:rPr lang="en-US" dirty="0"/>
-              <a:t>for best understanding I categorized battery column to 3 groups and then got a bar plot</a:t>
-            </a:r>
-          </a:p>
-          <a:p>
-            <a:endParaRPr lang="en-US" dirty="0"/>
-          </a:p>
-          <a:p>
-            <a:r>
-              <a:rPr lang="en-US" dirty="0"/>
-              <a:t>cellphones with highest weight have larger batteries</a:t>
-            </a:r>
-          </a:p>
-          <a:p>
-            <a:endParaRPr lang="en-US" dirty="0"/>
-          </a:p>
-        </p:txBody>
-      </p:sp>
-      <p:pic>
-        <p:nvPicPr>
-          <p:cNvPr id="6" name="Picture 5" descr="Chart, bar chart&#10;&#10;Description automatically generated">
-            <a:extLst>
-              <a:ext uri="{FF2B5EF4-FFF2-40B4-BE49-F238E27FC236}">
-                <a16:creationId xmlns:a16="http://schemas.microsoft.com/office/drawing/2014/main" id="{C71160D7-9C86-4D12-8FAF-BCFE3887D848}"/>
-              </a:ext>
-            </a:extLst>
-          </p:cNvPr>
-          <p:cNvPicPr>
-            <a:picLocks noChangeAspect="1"/>
-          </p:cNvPicPr>
-          <p:nvPr/>
-        </p:nvPicPr>
-        <p:blipFill>
-          <a:blip r:embed="rId2"/>
-          <a:stretch>
-            <a:fillRect/>
-          </a:stretch>
-        </p:blipFill>
-        <p:spPr>
-          <a:xfrm>
-            <a:off x="4710989" y="1077433"/>
-            <a:ext cx="4220359" cy="3777699"/>
-          </a:xfrm>
-          <a:prstGeom prst="rect">
-            <a:avLst/>
-          </a:prstGeom>
-        </p:spPr>
-      </p:pic>
-    </p:spTree>
-    <p:extLst>
-      <p:ext uri="{BB962C8B-B14F-4D97-AF65-F5344CB8AC3E}">
-        <p14:creationId xmlns:p14="http://schemas.microsoft.com/office/powerpoint/2010/main" val="244112345"/>
-      </p:ext>
-    </p:extLst>
-  </p:cSld>
-  <p:clrMapOvr>
-    <a:masterClrMapping/>
-  </p:clrMapOvr>
-</p:sld>
-</file>
-
-<file path=ppt/slides/slide12.xml><?xml version="1.0" encoding="utf-8"?>
-<p:sld xmlns:a="http://schemas.openxmlformats.org/drawingml/2006/main" xmlns:r="http://schemas.openxmlformats.org/officeDocument/2006/relationships" xmlns:p="http://schemas.openxmlformats.org/presentationml/2006/main">
-  <p:cSld>
-    <p:spTree>
-      <p:nvGrpSpPr>
-        <p:cNvPr id="1" name=""/>
-        <p:cNvGrpSpPr/>
-        <p:nvPr/>
-      </p:nvGrpSpPr>
-      <p:grpSpPr>
-        <a:xfrm>
-          <a:off x="0" y="0"/>
-          <a:ext cx="0" cy="0"/>
-          <a:chOff x="0" y="0"/>
-          <a:chExt cx="0" cy="0"/>
-        </a:xfrm>
-      </p:grpSpPr>
-      <p:sp>
-        <p:nvSpPr>
-          <p:cNvPr id="2" name="Title 1">
-            <a:extLst>
-              <a:ext uri="{FF2B5EF4-FFF2-40B4-BE49-F238E27FC236}">
-                <a16:creationId xmlns:a16="http://schemas.microsoft.com/office/drawing/2014/main" id="{7393EE7E-B178-4640-A7FA-7D77249FA776}"/>
-              </a:ext>
-            </a:extLst>
-          </p:cNvPr>
-          <p:cNvSpPr>
-            <a:spLocks noGrp="1"/>
-          </p:cNvSpPr>
-          <p:nvPr>
-            <p:ph type="title"/>
-          </p:nvPr>
-        </p:nvSpPr>
-        <p:spPr/>
-        <p:txBody>
-          <a:bodyPr/>
-          <a:lstStyle/>
-          <a:p>
-            <a:r>
-              <a:rPr lang="en-US" dirty="0"/>
-              <a:t>EDA</a:t>
-            </a:r>
-          </a:p>
-        </p:txBody>
-      </p:sp>
-      <p:sp>
-        <p:nvSpPr>
-          <p:cNvPr id="3" name="Text Placeholder 2">
-            <a:extLst>
-              <a:ext uri="{FF2B5EF4-FFF2-40B4-BE49-F238E27FC236}">
-                <a16:creationId xmlns:a16="http://schemas.microsoft.com/office/drawing/2014/main" id="{6DD1542C-28C3-4F8B-93FA-5B0CF2D4F349}"/>
-              </a:ext>
-            </a:extLst>
-          </p:cNvPr>
-          <p:cNvSpPr>
-            <a:spLocks noGrp="1"/>
-          </p:cNvSpPr>
-          <p:nvPr>
-            <p:ph type="body" idx="1"/>
-          </p:nvPr>
-        </p:nvSpPr>
-        <p:spPr>
-          <a:xfrm>
-            <a:off x="201972" y="806140"/>
-            <a:ext cx="8194347" cy="640883"/>
-          </a:xfrm>
-        </p:spPr>
-        <p:txBody>
-          <a:bodyPr/>
-          <a:lstStyle/>
-          <a:p>
-            <a:r>
-              <a:rPr lang="en-US" dirty="0">
-                <a:latin typeface="Daytona" panose="020B0604030500040204" pitchFamily="34" charset="0"/>
-              </a:rPr>
-              <a:t>How many phones are available across different brands with a screen size larger than 6 inches?</a:t>
-            </a:r>
-          </a:p>
-          <a:p>
-            <a:endParaRPr lang="en-US" dirty="0">
-              <a:latin typeface="Daytona" panose="020B0604030500040204" pitchFamily="34" charset="0"/>
-            </a:endParaRPr>
-          </a:p>
-        </p:txBody>
-      </p:sp>
-      <p:sp>
-        <p:nvSpPr>
-          <p:cNvPr id="4" name="Text Placeholder 3">
-            <a:extLst>
-              <a:ext uri="{FF2B5EF4-FFF2-40B4-BE49-F238E27FC236}">
-                <a16:creationId xmlns:a16="http://schemas.microsoft.com/office/drawing/2014/main" id="{30D5E9F6-EA5C-4716-B731-C773137188B7}"/>
-              </a:ext>
-            </a:extLst>
-          </p:cNvPr>
-          <p:cNvSpPr>
-            <a:spLocks noGrp="1"/>
-          </p:cNvSpPr>
-          <p:nvPr>
-            <p:ph type="body" idx="2"/>
-          </p:nvPr>
-        </p:nvSpPr>
-        <p:spPr>
-          <a:xfrm>
-            <a:off x="5925879" y="1687032"/>
-            <a:ext cx="3154326" cy="2775517"/>
-          </a:xfrm>
-        </p:spPr>
-        <p:txBody>
-          <a:bodyPr/>
-          <a:lstStyle/>
-          <a:p>
-            <a:pPr marL="457200" marR="0" lvl="0" indent="-317500" algn="l" defTabSz="914400" rtl="0" eaLnBrk="1" fontAlgn="auto" latinLnBrk="0" hangingPunct="1">
-              <a:lnSpc>
-                <a:spcPct val="115000"/>
-              </a:lnSpc>
-              <a:spcBef>
-                <a:spcPts val="0"/>
-              </a:spcBef>
-              <a:spcAft>
-                <a:spcPts val="0"/>
-              </a:spcAft>
-              <a:buClr>
-                <a:srgbClr val="222222"/>
-              </a:buClr>
-              <a:buSzPts val="1400"/>
-              <a:buFont typeface="Nunito"/>
-              <a:buChar char="●"/>
-              <a:tabLst/>
-              <a:defRPr/>
-            </a:pPr>
-            <a:r>
-              <a:rPr kumimoji="0" lang="en-US" sz="1400" b="0" i="0" u="none" strike="noStrike" kern="0" cap="none" spc="0" normalizeH="0" baseline="0" noProof="0" dirty="0">
-                <a:ln>
-                  <a:noFill/>
-                </a:ln>
-                <a:solidFill>
-                  <a:srgbClr val="222222"/>
-                </a:solidFill>
-                <a:effectLst/>
-                <a:uLnTx/>
-                <a:uFillTx/>
-                <a:latin typeface="Daytona" panose="020B0604030500040204" pitchFamily="34" charset="0"/>
-                <a:sym typeface="Nunito"/>
-              </a:rPr>
-              <a:t>between all brands, Huawei and Samsung cell phones are more than other brands which have screen sizes bigger than 6 inches (159 and 128) also, we have Other category which is located after them(116)</a:t>
-            </a:r>
-          </a:p>
-          <a:p>
-            <a:endParaRPr lang="en-US" dirty="0"/>
-          </a:p>
-        </p:txBody>
-      </p:sp>
-      <p:pic>
-        <p:nvPicPr>
-          <p:cNvPr id="7" name="Picture 6" descr="Chart, bar chart, histogram&#10;&#10;Description automatically generated">
-            <a:extLst>
-              <a:ext uri="{FF2B5EF4-FFF2-40B4-BE49-F238E27FC236}">
-                <a16:creationId xmlns:a16="http://schemas.microsoft.com/office/drawing/2014/main" id="{67ABA431-6CB5-4C88-8809-88754ADE3CF4}"/>
-              </a:ext>
-            </a:extLst>
-          </p:cNvPr>
-          <p:cNvPicPr>
-            <a:picLocks noChangeAspect="1"/>
-          </p:cNvPicPr>
-          <p:nvPr/>
-        </p:nvPicPr>
-        <p:blipFill>
-          <a:blip r:embed="rId2"/>
-          <a:stretch>
-            <a:fillRect/>
-          </a:stretch>
-        </p:blipFill>
-        <p:spPr>
-          <a:xfrm>
-            <a:off x="-54301" y="1403498"/>
-            <a:ext cx="6164478" cy="3619501"/>
-          </a:xfrm>
-          <a:prstGeom prst="rect">
-            <a:avLst/>
-          </a:prstGeom>
-        </p:spPr>
-      </p:pic>
-    </p:spTree>
-    <p:extLst>
-      <p:ext uri="{BB962C8B-B14F-4D97-AF65-F5344CB8AC3E}">
-        <p14:creationId xmlns:p14="http://schemas.microsoft.com/office/powerpoint/2010/main" val="322917080"/>
-      </p:ext>
-    </p:extLst>
-  </p:cSld>
-  <p:clrMapOvr>
-    <a:masterClrMapping/>
-  </p:clrMapOvr>
-</p:sld>
-</file>
-
-<file path=ppt/slides/slide13.xml><?xml version="1.0" encoding="utf-8"?>
-<p:sld xmlns:a="http://schemas.openxmlformats.org/drawingml/2006/main" xmlns:r="http://schemas.openxmlformats.org/officeDocument/2006/relationships" xmlns:p="http://schemas.openxmlformats.org/presentationml/2006/main">
-  <p:cSld>
-    <p:spTree>
-      <p:nvGrpSpPr>
-        <p:cNvPr id="1" name=""/>
-        <p:cNvGrpSpPr/>
-        <p:nvPr/>
-      </p:nvGrpSpPr>
-      <p:grpSpPr>
-        <a:xfrm>
-          <a:off x="0" y="0"/>
-          <a:ext cx="0" cy="0"/>
-          <a:chOff x="0" y="0"/>
-          <a:chExt cx="0" cy="0"/>
-        </a:xfrm>
-      </p:grpSpPr>
-      <p:sp>
-        <p:nvSpPr>
-          <p:cNvPr id="2" name="Title 1">
-            <a:extLst>
-              <a:ext uri="{FF2B5EF4-FFF2-40B4-BE49-F238E27FC236}">
-                <a16:creationId xmlns:a16="http://schemas.microsoft.com/office/drawing/2014/main" id="{75BD49CF-0351-4DA9-97CA-E79A7FB16D80}"/>
-              </a:ext>
-            </a:extLst>
-          </p:cNvPr>
-          <p:cNvSpPr>
-            <a:spLocks noGrp="1"/>
-          </p:cNvSpPr>
-          <p:nvPr>
-            <p:ph type="title"/>
-          </p:nvPr>
-        </p:nvSpPr>
-        <p:spPr/>
-        <p:txBody>
-          <a:bodyPr/>
-          <a:lstStyle/>
-          <a:p>
-            <a:r>
-              <a:rPr lang="en-US" dirty="0"/>
-              <a:t>EDA</a:t>
-            </a:r>
-          </a:p>
-        </p:txBody>
-      </p:sp>
-      <p:sp>
-        <p:nvSpPr>
-          <p:cNvPr id="3" name="Text Placeholder 2">
-            <a:extLst>
-              <a:ext uri="{FF2B5EF4-FFF2-40B4-BE49-F238E27FC236}">
-                <a16:creationId xmlns:a16="http://schemas.microsoft.com/office/drawing/2014/main" id="{FB313CB6-8EF7-4BC9-909F-0B12A9AE28C9}"/>
-              </a:ext>
-            </a:extLst>
-          </p:cNvPr>
-          <p:cNvSpPr>
-            <a:spLocks noGrp="1"/>
-          </p:cNvSpPr>
-          <p:nvPr>
-            <p:ph type="body" idx="1"/>
-          </p:nvPr>
-        </p:nvSpPr>
-        <p:spPr>
-          <a:xfrm>
-            <a:off x="201972" y="1360967"/>
-            <a:ext cx="3820821" cy="3416400"/>
-          </a:xfrm>
-        </p:spPr>
-        <p:txBody>
-          <a:bodyPr/>
-          <a:lstStyle/>
-          <a:p>
-            <a:r>
-              <a:rPr lang="en-US" dirty="0">
-                <a:latin typeface="Daytona" panose="020B0604030500040204" pitchFamily="34" charset="0"/>
-              </a:rPr>
-              <a:t>What is the distribution of budget phones offering greater than 8MP selfie cameras across brands?</a:t>
-            </a:r>
-          </a:p>
-          <a:p>
-            <a:endParaRPr lang="en-US" dirty="0">
-              <a:latin typeface="Daytona" panose="020B0604030500040204" pitchFamily="34" charset="0"/>
-            </a:endParaRPr>
-          </a:p>
-          <a:p>
-            <a:r>
-              <a:rPr lang="en-US" dirty="0">
-                <a:latin typeface="Daytona" panose="020B0604030500040204" pitchFamily="34" charset="0"/>
-              </a:rPr>
-              <a:t>the distribution of budget phones offering greater than 8MP selfie cameras across brands is normal in compere to previews plot it is not very skewed to the right</a:t>
-            </a:r>
-          </a:p>
-          <a:p>
-            <a:endParaRPr lang="en-US" dirty="0">
-              <a:latin typeface="Daytona" panose="020B0604030500040204" pitchFamily="34" charset="0"/>
-            </a:endParaRPr>
-          </a:p>
-        </p:txBody>
-      </p:sp>
-      <p:pic>
-        <p:nvPicPr>
-          <p:cNvPr id="6" name="Picture 5" descr="Chart, line chart&#10;&#10;Description automatically generated">
-            <a:extLst>
-              <a:ext uri="{FF2B5EF4-FFF2-40B4-BE49-F238E27FC236}">
-                <a16:creationId xmlns:a16="http://schemas.microsoft.com/office/drawing/2014/main" id="{2DF90857-2056-4150-A6F0-2272636D632A}"/>
-              </a:ext>
-            </a:extLst>
-          </p:cNvPr>
-          <p:cNvPicPr>
-            <a:picLocks noChangeAspect="1"/>
-          </p:cNvPicPr>
-          <p:nvPr/>
-        </p:nvPicPr>
-        <p:blipFill>
-          <a:blip r:embed="rId2"/>
-          <a:stretch>
-            <a:fillRect/>
-          </a:stretch>
-        </p:blipFill>
-        <p:spPr>
-          <a:xfrm>
-            <a:off x="4226436" y="1360967"/>
-            <a:ext cx="4849929" cy="3351469"/>
-          </a:xfrm>
-          <a:prstGeom prst="rect">
-            <a:avLst/>
-          </a:prstGeom>
-        </p:spPr>
-      </p:pic>
-    </p:spTree>
-    <p:extLst>
-      <p:ext uri="{BB962C8B-B14F-4D97-AF65-F5344CB8AC3E}">
-        <p14:creationId xmlns:p14="http://schemas.microsoft.com/office/powerpoint/2010/main" val="1420241182"/>
-      </p:ext>
-    </p:extLst>
-  </p:cSld>
-  <p:clrMapOvr>
-    <a:masterClrMapping/>
-  </p:clrMapOvr>
-</p:sld>
-</file>
-
-<file path=ppt/slides/slide14.xml><?xml version="1.0" encoding="utf-8"?>
-<p:sld xmlns:a="http://schemas.openxmlformats.org/drawingml/2006/main" xmlns:r="http://schemas.openxmlformats.org/officeDocument/2006/relationships" xmlns:p="http://schemas.openxmlformats.org/presentationml/2006/main">
-  <p:cSld>
-    <p:spTree>
-      <p:nvGrpSpPr>
-        <p:cNvPr id="1" name=""/>
-        <p:cNvGrpSpPr/>
-        <p:nvPr/>
-      </p:nvGrpSpPr>
-      <p:grpSpPr>
-        <a:xfrm>
-          <a:off x="0" y="0"/>
-          <a:ext cx="0" cy="0"/>
-          <a:chOff x="0" y="0"/>
-          <a:chExt cx="0" cy="0"/>
-        </a:xfrm>
-      </p:grpSpPr>
-      <p:sp>
-        <p:nvSpPr>
-          <p:cNvPr id="2" name="Title 1">
-            <a:extLst>
-              <a:ext uri="{FF2B5EF4-FFF2-40B4-BE49-F238E27FC236}">
-                <a16:creationId xmlns:a16="http://schemas.microsoft.com/office/drawing/2014/main" id="{38DE71F9-4A03-4A17-B8B3-E3333855FB06}"/>
-              </a:ext>
-            </a:extLst>
-          </p:cNvPr>
-          <p:cNvSpPr>
-            <a:spLocks noGrp="1"/>
-          </p:cNvSpPr>
-          <p:nvPr>
-            <p:ph type="title"/>
-          </p:nvPr>
-        </p:nvSpPr>
-        <p:spPr/>
-        <p:txBody>
-          <a:bodyPr/>
-          <a:lstStyle/>
-          <a:p>
-            <a:r>
-              <a:rPr lang="en-US" dirty="0"/>
-              <a:t>EDA</a:t>
-            </a:r>
-          </a:p>
-        </p:txBody>
-      </p:sp>
-      <p:sp>
-        <p:nvSpPr>
-          <p:cNvPr id="3" name="Text Placeholder 2">
-            <a:extLst>
-              <a:ext uri="{FF2B5EF4-FFF2-40B4-BE49-F238E27FC236}">
-                <a16:creationId xmlns:a16="http://schemas.microsoft.com/office/drawing/2014/main" id="{5031055D-0A03-4E1F-A37C-C74CE1BD535E}"/>
-              </a:ext>
-            </a:extLst>
-          </p:cNvPr>
-          <p:cNvSpPr>
-            <a:spLocks noGrp="1"/>
-          </p:cNvSpPr>
-          <p:nvPr>
-            <p:ph type="body" idx="1"/>
-          </p:nvPr>
-        </p:nvSpPr>
-        <p:spPr/>
-        <p:txBody>
-          <a:bodyPr/>
-          <a:lstStyle/>
-          <a:p>
-            <a:r>
-              <a:rPr lang="en-US" dirty="0">
-                <a:latin typeface="Daytona" panose="020B0604030500040204" pitchFamily="34" charset="0"/>
-              </a:rPr>
-              <a:t>What percentage of the used phone market is dominated by Android devices?</a:t>
-            </a:r>
-          </a:p>
-          <a:p>
-            <a:endParaRPr lang="en-US" dirty="0">
-              <a:latin typeface="Daytona" panose="020B0604030500040204" pitchFamily="34" charset="0"/>
-            </a:endParaRPr>
-          </a:p>
-          <a:p>
-            <a:r>
-              <a:rPr lang="en-US" i="0" dirty="0">
-                <a:solidFill>
-                  <a:srgbClr val="000000"/>
-                </a:solidFill>
-                <a:effectLst/>
-                <a:latin typeface="Daytona" panose="020B0604030500040204" pitchFamily="34" charset="0"/>
-              </a:rPr>
-              <a:t>around 90% of the used phone market is dominated by Android devices</a:t>
-            </a:r>
-          </a:p>
-          <a:p>
-            <a:endParaRPr lang="en-US" dirty="0"/>
-          </a:p>
-        </p:txBody>
-      </p:sp>
-      <p:pic>
-        <p:nvPicPr>
-          <p:cNvPr id="6" name="Picture 5" descr="Chart, pie chart&#10;&#10;Description automatically generated">
-            <a:extLst>
-              <a:ext uri="{FF2B5EF4-FFF2-40B4-BE49-F238E27FC236}">
-                <a16:creationId xmlns:a16="http://schemas.microsoft.com/office/drawing/2014/main" id="{B8957512-406F-4200-A2B9-0E31550F2FE3}"/>
-              </a:ext>
-            </a:extLst>
-          </p:cNvPr>
-          <p:cNvPicPr>
-            <a:picLocks noChangeAspect="1"/>
-          </p:cNvPicPr>
-          <p:nvPr/>
-        </p:nvPicPr>
-        <p:blipFill>
-          <a:blip r:embed="rId2"/>
-          <a:stretch>
-            <a:fillRect/>
-          </a:stretch>
-        </p:blipFill>
-        <p:spPr>
-          <a:xfrm>
-            <a:off x="4462272" y="639848"/>
-            <a:ext cx="4787301" cy="4317460"/>
-          </a:xfrm>
-          <a:prstGeom prst="rect">
-            <a:avLst/>
-          </a:prstGeom>
-        </p:spPr>
-      </p:pic>
-    </p:spTree>
-    <p:extLst>
-      <p:ext uri="{BB962C8B-B14F-4D97-AF65-F5344CB8AC3E}">
-        <p14:creationId xmlns:p14="http://schemas.microsoft.com/office/powerpoint/2010/main" val="1512466063"/>
-      </p:ext>
-    </p:extLst>
-  </p:cSld>
-  <p:clrMapOvr>
-    <a:masterClrMapping/>
-  </p:clrMapOvr>
-</p:sld>
-</file>
-
-<file path=ppt/slides/slide15.xml><?xml version="1.0" encoding="utf-8"?>
-<p:sld xmlns:a="http://schemas.openxmlformats.org/drawingml/2006/main" xmlns:r="http://schemas.openxmlformats.org/officeDocument/2006/relationships" xmlns:p="http://schemas.openxmlformats.org/presentationml/2006/main">
-  <p:cSld>
-    <p:spTree>
-      <p:nvGrpSpPr>
-        <p:cNvPr id="1" name="Shape 84"/>
-        <p:cNvGrpSpPr/>
-        <p:nvPr/>
-      </p:nvGrpSpPr>
-      <p:grpSpPr>
-        <a:xfrm>
-          <a:off x="0" y="0"/>
-          <a:ext cx="0" cy="0"/>
-          <a:chOff x="0" y="0"/>
-          <a:chExt cx="0" cy="0"/>
-        </a:xfrm>
-      </p:grpSpPr>
-      <p:sp>
-        <p:nvSpPr>
-          <p:cNvPr id="85" name="Google Shape;85;p6"/>
-          <p:cNvSpPr txBox="1">
-            <a:spLocks noGrp="1"/>
-          </p:cNvSpPr>
-          <p:nvPr>
-            <p:ph type="title"/>
-          </p:nvPr>
-        </p:nvSpPr>
-        <p:spPr>
-          <a:xfrm>
-            <a:off x="202550" y="289279"/>
-            <a:ext cx="8520600" cy="572700"/>
-          </a:xfrm>
-          <a:prstGeom prst="rect">
-            <a:avLst/>
-          </a:prstGeom>
-          <a:noFill/>
-          <a:ln>
-            <a:noFill/>
-          </a:ln>
-        </p:spPr>
-        <p:txBody>
-          <a:bodyPr spcFirstLastPara="1" wrap="square" lIns="91425" tIns="91425" rIns="91425" bIns="91425" anchor="t" anchorCtr="0">
-            <a:noAutofit/>
-          </a:bodyPr>
-          <a:lstStyle/>
-          <a:p>
-            <a:pPr marL="0" lvl="0" indent="0" algn="l" rtl="0">
-              <a:lnSpc>
-                <a:spcPct val="100000"/>
-              </a:lnSpc>
-              <a:spcBef>
-                <a:spcPts val="0"/>
-              </a:spcBef>
-              <a:spcAft>
-                <a:spcPts val="0"/>
-              </a:spcAft>
-              <a:buSzPts val="2200"/>
-              <a:buNone/>
-            </a:pPr>
-            <a:r>
-              <a:rPr lang="en" dirty="0">
-                <a:solidFill>
-                  <a:srgbClr val="000000"/>
-                </a:solidFill>
-                <a:latin typeface="Arial"/>
-                <a:ea typeface="Arial"/>
-                <a:cs typeface="Arial"/>
-                <a:sym typeface="Arial"/>
-              </a:rPr>
-              <a:t>Model Performance Summary</a:t>
-            </a:r>
-            <a:endParaRPr dirty="0">
-              <a:solidFill>
-                <a:srgbClr val="000000"/>
-              </a:solidFill>
-              <a:latin typeface="Arial"/>
-              <a:ea typeface="Arial"/>
-              <a:cs typeface="Arial"/>
-              <a:sym typeface="Arial"/>
-            </a:endParaRPr>
-          </a:p>
-        </p:txBody>
-      </p:sp>
-      <p:sp>
-        <p:nvSpPr>
-          <p:cNvPr id="86" name="Google Shape;86;p6"/>
-          <p:cNvSpPr txBox="1">
-            <a:spLocks noGrp="1"/>
-          </p:cNvSpPr>
-          <p:nvPr>
-            <p:ph type="body" idx="1"/>
-          </p:nvPr>
-        </p:nvSpPr>
-        <p:spPr>
-          <a:xfrm>
-            <a:off x="202550" y="861975"/>
-            <a:ext cx="8629800" cy="3706800"/>
-          </a:xfrm>
-          <a:prstGeom prst="rect">
-            <a:avLst/>
-          </a:prstGeom>
-          <a:noFill/>
-          <a:ln>
-            <a:noFill/>
-          </a:ln>
-        </p:spPr>
-        <p:txBody>
-          <a:bodyPr spcFirstLastPara="1" wrap="square" lIns="91425" tIns="91425" rIns="91425" bIns="91425" anchor="t" anchorCtr="0">
-            <a:noAutofit/>
-          </a:bodyPr>
-          <a:lstStyle/>
-          <a:p>
-            <a:pPr marL="457200" lvl="0" indent="-317500" algn="l" rtl="0">
-              <a:lnSpc>
-                <a:spcPct val="115000"/>
-              </a:lnSpc>
-              <a:spcBef>
-                <a:spcPts val="0"/>
-              </a:spcBef>
-              <a:spcAft>
-                <a:spcPts val="0"/>
-              </a:spcAft>
-              <a:buClr>
-                <a:srgbClr val="000000"/>
-              </a:buClr>
-              <a:buSzPts val="1400"/>
-              <a:buFont typeface="Arial"/>
-              <a:buChar char="●"/>
-            </a:pPr>
-            <a:r>
-              <a:rPr lang="en" sz="1400" dirty="0">
-                <a:solidFill>
-                  <a:schemeClr val="dk1"/>
-                </a:solidFill>
-                <a:latin typeface="Arial"/>
-                <a:ea typeface="Arial"/>
-                <a:cs typeface="Arial"/>
-                <a:sym typeface="Arial"/>
-              </a:rPr>
-              <a:t>Overview of ML model and its parameters</a:t>
-            </a:r>
-          </a:p>
-          <a:p>
-            <a:pPr marL="457200" lvl="0" indent="-317500" algn="l" rtl="0">
-              <a:lnSpc>
-                <a:spcPct val="115000"/>
-              </a:lnSpc>
-              <a:spcBef>
-                <a:spcPts val="0"/>
-              </a:spcBef>
-              <a:spcAft>
-                <a:spcPts val="0"/>
-              </a:spcAft>
-              <a:buClr>
-                <a:srgbClr val="000000"/>
-              </a:buClr>
-              <a:buSzPts val="1400"/>
-              <a:buFont typeface="Arial"/>
-              <a:buChar char="●"/>
-            </a:pPr>
-            <a:endParaRPr lang="en" sz="1400" dirty="0">
-              <a:solidFill>
-                <a:schemeClr val="dk1"/>
-              </a:solidFill>
-              <a:latin typeface="Arial"/>
-              <a:ea typeface="Arial"/>
-              <a:cs typeface="Arial"/>
-              <a:sym typeface="Arial"/>
-            </a:endParaRPr>
-          </a:p>
-          <a:p>
-            <a:pPr marL="482600" lvl="0" indent="-342900" algn="l" rtl="0">
-              <a:lnSpc>
-                <a:spcPct val="115000"/>
-              </a:lnSpc>
-              <a:spcBef>
-                <a:spcPts val="0"/>
-              </a:spcBef>
-              <a:spcAft>
-                <a:spcPts val="0"/>
-              </a:spcAft>
-              <a:buClr>
-                <a:srgbClr val="000000"/>
-              </a:buClr>
-              <a:buSzPts val="1400"/>
-              <a:buFont typeface="+mj-lt"/>
-              <a:buAutoNum type="arabicPeriod"/>
-            </a:pPr>
-            <a:r>
-              <a:rPr lang="en-US" sz="1400" dirty="0">
-                <a:solidFill>
-                  <a:schemeClr val="dk1"/>
-                </a:solidFill>
-                <a:latin typeface="Arial"/>
-                <a:ea typeface="Arial"/>
-                <a:cs typeface="Arial"/>
-                <a:sym typeface="Arial"/>
-              </a:rPr>
-              <a:t>Create Dummy Variables for 3 columns: 4_5g , os and brand_name</a:t>
-            </a:r>
-          </a:p>
-          <a:p>
-            <a:pPr marL="482600" lvl="0" indent="-342900" algn="l" rtl="0">
-              <a:lnSpc>
-                <a:spcPct val="115000"/>
-              </a:lnSpc>
-              <a:spcBef>
-                <a:spcPts val="0"/>
-              </a:spcBef>
-              <a:spcAft>
-                <a:spcPts val="0"/>
-              </a:spcAft>
-              <a:buClr>
-                <a:srgbClr val="000000"/>
-              </a:buClr>
-              <a:buSzPts val="1400"/>
-              <a:buFont typeface="+mj-lt"/>
-              <a:buAutoNum type="arabicPeriod"/>
-            </a:pPr>
-            <a:r>
-              <a:rPr lang="en-US" sz="1400" dirty="0">
-                <a:solidFill>
-                  <a:schemeClr val="dk1"/>
-                </a:solidFill>
-                <a:latin typeface="Arial"/>
-                <a:ea typeface="Arial"/>
-                <a:cs typeface="Arial"/>
-                <a:sym typeface="Arial"/>
-              </a:rPr>
-              <a:t>since ram column has just one value(4.000) I will delete it.</a:t>
-            </a:r>
-          </a:p>
-          <a:p>
-            <a:pPr marL="482600" lvl="0" indent="-342900" algn="l" rtl="0">
-              <a:lnSpc>
-                <a:spcPct val="115000"/>
-              </a:lnSpc>
-              <a:spcBef>
-                <a:spcPts val="0"/>
-              </a:spcBef>
-              <a:spcAft>
-                <a:spcPts val="0"/>
-              </a:spcAft>
-              <a:buClr>
-                <a:srgbClr val="000000"/>
-              </a:buClr>
-              <a:buSzPts val="1400"/>
-              <a:buFont typeface="+mj-lt"/>
-              <a:buAutoNum type="arabicPeriod"/>
-            </a:pPr>
-            <a:r>
-              <a:rPr lang="en-US" sz="1400" dirty="0">
-                <a:solidFill>
-                  <a:schemeClr val="dk1"/>
-                </a:solidFill>
-                <a:latin typeface="Arial"/>
-                <a:ea typeface="Arial"/>
-                <a:cs typeface="Arial"/>
-                <a:sym typeface="Arial"/>
-              </a:rPr>
-              <a:t>Then I split the data:</a:t>
-            </a:r>
-          </a:p>
-          <a:p>
-            <a:pPr marL="482600" lvl="0" indent="-342900" algn="l" rtl="0">
-              <a:lnSpc>
-                <a:spcPct val="115000"/>
-              </a:lnSpc>
-              <a:spcBef>
-                <a:spcPts val="0"/>
-              </a:spcBef>
-              <a:spcAft>
-                <a:spcPts val="0"/>
-              </a:spcAft>
-              <a:buClr>
-                <a:srgbClr val="000000"/>
-              </a:buClr>
-              <a:buSzPts val="1400"/>
-              <a:buFont typeface="+mj-lt"/>
-              <a:buAutoNum type="arabicPeriod"/>
-            </a:pPr>
-            <a:endParaRPr lang="en-US" sz="1400" dirty="0">
-              <a:solidFill>
-                <a:schemeClr val="dk1"/>
-              </a:solidFill>
-              <a:latin typeface="Arial"/>
-              <a:ea typeface="Arial"/>
-              <a:cs typeface="Arial"/>
-              <a:sym typeface="Arial"/>
-            </a:endParaRPr>
-          </a:p>
-          <a:p>
-            <a:pPr marL="139700" lvl="0" indent="0" algn="l" rtl="0">
-              <a:lnSpc>
-                <a:spcPct val="115000"/>
-              </a:lnSpc>
-              <a:spcBef>
-                <a:spcPts val="0"/>
-              </a:spcBef>
-              <a:spcAft>
-                <a:spcPts val="0"/>
-              </a:spcAft>
-              <a:buClr>
-                <a:srgbClr val="000000"/>
-              </a:buClr>
-              <a:buSzPts val="1400"/>
-              <a:buNone/>
-            </a:pPr>
-            <a:r>
-              <a:rPr lang="en-US" sz="1400" dirty="0">
-                <a:solidFill>
-                  <a:schemeClr val="dk1"/>
-                </a:solidFill>
-                <a:latin typeface="Arial"/>
-                <a:ea typeface="Arial"/>
-                <a:cs typeface="Arial"/>
-                <a:sym typeface="Arial"/>
-              </a:rPr>
-              <a:t>independent variables</a:t>
-            </a:r>
-          </a:p>
-          <a:p>
-            <a:pPr marL="139700" lvl="0" indent="0" algn="l" rtl="0">
-              <a:lnSpc>
-                <a:spcPct val="115000"/>
-              </a:lnSpc>
-              <a:spcBef>
-                <a:spcPts val="0"/>
-              </a:spcBef>
-              <a:spcAft>
-                <a:spcPts val="0"/>
-              </a:spcAft>
-              <a:buClr>
-                <a:srgbClr val="000000"/>
-              </a:buClr>
-              <a:buSzPts val="1400"/>
-              <a:buNone/>
-            </a:pPr>
-            <a:r>
-              <a:rPr lang="en-US" sz="1400" dirty="0">
-                <a:solidFill>
-                  <a:schemeClr val="dk1"/>
-                </a:solidFill>
-                <a:latin typeface="Arial"/>
-                <a:ea typeface="Arial"/>
-                <a:cs typeface="Arial"/>
-                <a:sym typeface="Arial"/>
-              </a:rPr>
-              <a:t>x = all my data but: log_used_price, 4_5g_other, os_Others, brand_name_Xiaomi and ram</a:t>
-            </a:r>
-          </a:p>
-          <a:p>
-            <a:pPr marL="139700" lvl="0" indent="0" algn="l" rtl="0">
-              <a:lnSpc>
-                <a:spcPct val="115000"/>
-              </a:lnSpc>
-              <a:spcBef>
-                <a:spcPts val="0"/>
-              </a:spcBef>
-              <a:spcAft>
-                <a:spcPts val="0"/>
-              </a:spcAft>
-              <a:buClr>
-                <a:srgbClr val="000000"/>
-              </a:buClr>
-              <a:buSzPts val="1400"/>
-              <a:buNone/>
-            </a:pPr>
-            <a:endParaRPr lang="en-US" sz="1400" dirty="0">
-              <a:solidFill>
-                <a:schemeClr val="dk1"/>
-              </a:solidFill>
-              <a:latin typeface="Arial"/>
-              <a:ea typeface="Arial"/>
-              <a:cs typeface="Arial"/>
-              <a:sym typeface="Arial"/>
-            </a:endParaRPr>
-          </a:p>
-          <a:p>
-            <a:pPr marL="139700" lvl="0" indent="0" algn="l" rtl="0">
-              <a:lnSpc>
-                <a:spcPct val="115000"/>
-              </a:lnSpc>
-              <a:spcBef>
-                <a:spcPts val="0"/>
-              </a:spcBef>
-              <a:spcAft>
-                <a:spcPts val="0"/>
-              </a:spcAft>
-              <a:buClr>
-                <a:srgbClr val="000000"/>
-              </a:buClr>
-              <a:buSzPts val="1400"/>
-              <a:buNone/>
-            </a:pPr>
-            <a:r>
-              <a:rPr lang="en-US" sz="1400" dirty="0">
-                <a:solidFill>
-                  <a:schemeClr val="dk1"/>
-                </a:solidFill>
-                <a:latin typeface="Arial"/>
-                <a:ea typeface="Arial"/>
-                <a:cs typeface="Arial"/>
-                <a:sym typeface="Arial"/>
-              </a:rPr>
-              <a:t>dependent variable</a:t>
-            </a:r>
-          </a:p>
-          <a:p>
-            <a:pPr marL="139700" lvl="0" indent="0" algn="l" rtl="0">
-              <a:lnSpc>
-                <a:spcPct val="115000"/>
-              </a:lnSpc>
-              <a:spcBef>
-                <a:spcPts val="0"/>
-              </a:spcBef>
-              <a:spcAft>
-                <a:spcPts val="0"/>
-              </a:spcAft>
-              <a:buClr>
-                <a:srgbClr val="000000"/>
-              </a:buClr>
-              <a:buSzPts val="1400"/>
-              <a:buNone/>
-            </a:pPr>
-            <a:r>
-              <a:rPr lang="en-US" sz="1400" dirty="0">
-                <a:solidFill>
-                  <a:schemeClr val="dk1"/>
-                </a:solidFill>
-                <a:latin typeface="Arial"/>
-                <a:ea typeface="Arial"/>
-                <a:cs typeface="Arial"/>
-                <a:sym typeface="Arial"/>
-              </a:rPr>
-              <a:t>y = log_used_price</a:t>
-            </a:r>
-          </a:p>
-          <a:p>
-            <a:pPr marL="482600" lvl="0" indent="-342900" algn="l" rtl="0">
-              <a:lnSpc>
-                <a:spcPct val="115000"/>
-              </a:lnSpc>
-              <a:spcBef>
-                <a:spcPts val="0"/>
-              </a:spcBef>
-              <a:spcAft>
-                <a:spcPts val="0"/>
-              </a:spcAft>
-              <a:buClr>
-                <a:srgbClr val="000000"/>
-              </a:buClr>
-              <a:buSzPts val="1400"/>
-              <a:buFont typeface="+mj-lt"/>
-              <a:buAutoNum type="arabicPeriod"/>
-            </a:pPr>
-            <a:endParaRPr sz="1400" dirty="0">
-              <a:solidFill>
-                <a:schemeClr val="dk1"/>
-              </a:solidFill>
-              <a:latin typeface="Arial"/>
-              <a:ea typeface="Arial"/>
-              <a:cs typeface="Arial"/>
-              <a:sym typeface="Arial"/>
-            </a:endParaRPr>
-          </a:p>
-        </p:txBody>
-      </p:sp>
-    </p:spTree>
-  </p:cSld>
-  <p:clrMapOvr>
-    <a:masterClrMapping/>
-  </p:clrMapOvr>
-</p:sld>
-</file>
-
-<file path=ppt/slides/slide16.xml><?xml version="1.0" encoding="utf-8"?>
-<p:sld xmlns:a="http://schemas.openxmlformats.org/drawingml/2006/main" xmlns:r="http://schemas.openxmlformats.org/officeDocument/2006/relationships" xmlns:p="http://schemas.openxmlformats.org/presentationml/2006/main">
-  <p:cSld>
-    <p:spTree>
-      <p:nvGrpSpPr>
-        <p:cNvPr id="1" name=""/>
-        <p:cNvGrpSpPr/>
-        <p:nvPr/>
-      </p:nvGrpSpPr>
-      <p:grpSpPr>
-        <a:xfrm>
-          <a:off x="0" y="0"/>
-          <a:ext cx="0" cy="0"/>
-          <a:chOff x="0" y="0"/>
-          <a:chExt cx="0" cy="0"/>
-        </a:xfrm>
-      </p:grpSpPr>
-      <p:sp>
-        <p:nvSpPr>
-          <p:cNvPr id="2" name="Title 1">
-            <a:extLst>
-              <a:ext uri="{FF2B5EF4-FFF2-40B4-BE49-F238E27FC236}">
-                <a16:creationId xmlns:a16="http://schemas.microsoft.com/office/drawing/2014/main" id="{96C9CB9F-D8A2-4460-B858-FED59BF753F4}"/>
-              </a:ext>
-            </a:extLst>
-          </p:cNvPr>
-          <p:cNvSpPr>
-            <a:spLocks noGrp="1"/>
-          </p:cNvSpPr>
-          <p:nvPr>
-            <p:ph type="title"/>
-          </p:nvPr>
-        </p:nvSpPr>
-        <p:spPr/>
-        <p:txBody>
-          <a:bodyPr/>
-          <a:lstStyle/>
-          <a:p>
-            <a:r>
-              <a:rPr lang="en-US" dirty="0"/>
-              <a:t>Model Performance Summary</a:t>
-            </a:r>
-          </a:p>
-        </p:txBody>
-      </p:sp>
-      <p:sp>
-        <p:nvSpPr>
-          <p:cNvPr id="3" name="Text Placeholder 2">
-            <a:extLst>
-              <a:ext uri="{FF2B5EF4-FFF2-40B4-BE49-F238E27FC236}">
-                <a16:creationId xmlns:a16="http://schemas.microsoft.com/office/drawing/2014/main" id="{4C391705-C5FB-45ED-A000-47DE306F51D7}"/>
-              </a:ext>
-            </a:extLst>
-          </p:cNvPr>
-          <p:cNvSpPr>
-            <a:spLocks noGrp="1"/>
-          </p:cNvSpPr>
-          <p:nvPr>
-            <p:ph type="body" idx="1"/>
-          </p:nvPr>
-        </p:nvSpPr>
-        <p:spPr>
-          <a:xfrm>
-            <a:off x="202550" y="779721"/>
-            <a:ext cx="4901078" cy="4125432"/>
-          </a:xfrm>
-        </p:spPr>
-        <p:txBody>
-          <a:bodyPr/>
-          <a:lstStyle/>
-          <a:p>
-            <a:pPr marL="476250" indent="-342900">
-              <a:buFont typeface="+mj-lt"/>
-              <a:buAutoNum type="arabicPeriod"/>
-            </a:pPr>
-            <a:r>
-              <a:rPr lang="en-US" dirty="0"/>
-              <a:t>There is </a:t>
-            </a:r>
-            <a:r>
-              <a:rPr lang="en-US" b="1" dirty="0"/>
-              <a:t>negative</a:t>
-            </a:r>
-            <a:r>
-              <a:rPr lang="en-US" dirty="0"/>
-              <a:t> relationship between used_ price, days_used, some brand name like Gionee, Panasonic and Lenovo. It means for example, for every unit increase in days_used (one day) there is a 0.0011€ decrease in used_price.</a:t>
-            </a:r>
-          </a:p>
-          <a:p>
-            <a:pPr marL="476250" indent="-342900">
-              <a:buFont typeface="+mj-lt"/>
-              <a:buAutoNum type="arabicPeriod"/>
-            </a:pPr>
-            <a:endParaRPr lang="en-US" dirty="0"/>
-          </a:p>
-          <a:p>
-            <a:pPr marL="476250" indent="-342900">
-              <a:buFont typeface="+mj-lt"/>
-              <a:buAutoNum type="arabicPeriod"/>
-            </a:pPr>
-            <a:r>
-              <a:rPr lang="en-US" dirty="0"/>
-              <a:t>1 unit increase in int_memory(GB) leads to an increase in used_price by 0.001€.</a:t>
-            </a:r>
-          </a:p>
-          <a:p>
-            <a:pPr marL="476250" indent="-342900">
-              <a:buFont typeface="+mj-lt"/>
-              <a:buAutoNum type="arabicPeriod"/>
-            </a:pPr>
-            <a:endParaRPr lang="en-US" dirty="0"/>
-          </a:p>
-          <a:p>
-            <a:pPr marL="476250" indent="-342900">
-              <a:buFont typeface="+mj-lt"/>
-              <a:buAutoNum type="arabicPeriod"/>
-            </a:pPr>
-            <a:r>
-              <a:rPr lang="en-US" dirty="0"/>
-              <a:t>1 unit increase in screen_size (cm) leads to an increase in used_price by 0.001788€.</a:t>
-            </a:r>
-          </a:p>
-          <a:p>
-            <a:pPr marL="476250" indent="-342900">
-              <a:buFont typeface="+mj-lt"/>
-              <a:buAutoNum type="arabicPeriod"/>
-            </a:pPr>
-            <a:endParaRPr lang="en-US" dirty="0"/>
-          </a:p>
-          <a:p>
-            <a:pPr marL="476250" indent="-342900">
-              <a:buFont typeface="+mj-lt"/>
-              <a:buAutoNum type="arabicPeriod"/>
-            </a:pPr>
-            <a:r>
-              <a:rPr lang="en-US" dirty="0"/>
-              <a:t>1 EURO increase in log_new_price (price of new cell phone) leads to increase in used_price(used cell phones) by 0.99€.</a:t>
-            </a:r>
-          </a:p>
-          <a:p>
-            <a:endParaRPr lang="en-US" dirty="0"/>
-          </a:p>
-        </p:txBody>
-      </p:sp>
-      <p:pic>
-        <p:nvPicPr>
-          <p:cNvPr id="6" name="Picture 5" descr="Table&#10;&#10;Description automatically generated">
-            <a:extLst>
-              <a:ext uri="{FF2B5EF4-FFF2-40B4-BE49-F238E27FC236}">
-                <a16:creationId xmlns:a16="http://schemas.microsoft.com/office/drawing/2014/main" id="{5E508DBF-5347-4949-AD20-3AF7CB58AFC0}"/>
-              </a:ext>
-            </a:extLst>
-          </p:cNvPr>
-          <p:cNvPicPr>
-            <a:picLocks noChangeAspect="1"/>
-          </p:cNvPicPr>
-          <p:nvPr/>
-        </p:nvPicPr>
-        <p:blipFill>
-          <a:blip r:embed="rId2"/>
-          <a:stretch>
-            <a:fillRect/>
-          </a:stretch>
-        </p:blipFill>
-        <p:spPr>
-          <a:xfrm>
-            <a:off x="5261216" y="1630327"/>
-            <a:ext cx="3680234" cy="2885792"/>
-          </a:xfrm>
-          <a:prstGeom prst="rect">
-            <a:avLst/>
-          </a:prstGeom>
-        </p:spPr>
-      </p:pic>
-    </p:spTree>
-    <p:extLst>
-      <p:ext uri="{BB962C8B-B14F-4D97-AF65-F5344CB8AC3E}">
-        <p14:creationId xmlns:p14="http://schemas.microsoft.com/office/powerpoint/2010/main" val="1924667154"/>
-      </p:ext>
-    </p:extLst>
-  </p:cSld>
-  <p:clrMapOvr>
-    <a:masterClrMapping/>
-  </p:clrMapOvr>
-</p:sld>
-</file>
-
-<file path=ppt/slides/slide17.xml><?xml version="1.0" encoding="utf-8"?>
-<p:sld xmlns:a="http://schemas.openxmlformats.org/drawingml/2006/main" xmlns:r="http://schemas.openxmlformats.org/officeDocument/2006/relationships" xmlns:p="http://schemas.openxmlformats.org/presentationml/2006/main">
-  <p:cSld>
-    <p:spTree>
-      <p:nvGrpSpPr>
-        <p:cNvPr id="1" name=""/>
-        <p:cNvGrpSpPr/>
-        <p:nvPr/>
-      </p:nvGrpSpPr>
-      <p:grpSpPr>
-        <a:xfrm>
-          <a:off x="0" y="0"/>
-          <a:ext cx="0" cy="0"/>
-          <a:chOff x="0" y="0"/>
-          <a:chExt cx="0" cy="0"/>
-        </a:xfrm>
-      </p:grpSpPr>
-      <p:sp>
-        <p:nvSpPr>
-          <p:cNvPr id="2" name="Title 1">
-            <a:extLst>
-              <a:ext uri="{FF2B5EF4-FFF2-40B4-BE49-F238E27FC236}">
-                <a16:creationId xmlns:a16="http://schemas.microsoft.com/office/drawing/2014/main" id="{BC404C46-6322-43F6-BC08-6011CEB544AA}"/>
-              </a:ext>
-            </a:extLst>
-          </p:cNvPr>
-          <p:cNvSpPr>
-            <a:spLocks noGrp="1"/>
-          </p:cNvSpPr>
-          <p:nvPr>
-            <p:ph type="title"/>
-          </p:nvPr>
-        </p:nvSpPr>
-        <p:spPr/>
-        <p:txBody>
-          <a:bodyPr/>
-          <a:lstStyle/>
-          <a:p>
-            <a:r>
-              <a:rPr lang="en-US" dirty="0"/>
-              <a:t>Model Performance Summary</a:t>
-            </a:r>
-          </a:p>
-        </p:txBody>
-      </p:sp>
-      <p:sp>
-        <p:nvSpPr>
-          <p:cNvPr id="3" name="Text Placeholder 2">
-            <a:extLst>
-              <a:ext uri="{FF2B5EF4-FFF2-40B4-BE49-F238E27FC236}">
-                <a16:creationId xmlns:a16="http://schemas.microsoft.com/office/drawing/2014/main" id="{74C107A9-C876-48F4-95FA-4E83AFCEBF58}"/>
-              </a:ext>
-            </a:extLst>
-          </p:cNvPr>
-          <p:cNvSpPr>
-            <a:spLocks noGrp="1"/>
-          </p:cNvSpPr>
-          <p:nvPr>
-            <p:ph type="body" idx="1"/>
-          </p:nvPr>
-        </p:nvSpPr>
-        <p:spPr>
-          <a:xfrm>
-            <a:off x="392383" y="861068"/>
-            <a:ext cx="8432137" cy="4022037"/>
-          </a:xfrm>
-        </p:spPr>
-        <p:txBody>
-          <a:bodyPr/>
-          <a:lstStyle/>
-          <a:p>
-            <a:r>
-              <a:rPr lang="en-US" dirty="0"/>
-              <a:t>Training Performance</a:t>
-            </a:r>
-          </a:p>
-          <a:p>
-            <a:endParaRPr lang="en-US" dirty="0"/>
-          </a:p>
-          <a:p>
-            <a:endParaRPr lang="en-US" dirty="0"/>
-          </a:p>
-          <a:p>
-            <a:pPr marL="139700" indent="0">
-              <a:buNone/>
-            </a:pPr>
-            <a:endParaRPr lang="en-US" dirty="0"/>
-          </a:p>
-          <a:p>
-            <a:r>
-              <a:rPr lang="en-US" dirty="0"/>
-              <a:t>Test Performance</a:t>
-            </a:r>
-          </a:p>
-          <a:p>
-            <a:endParaRPr lang="en-US" dirty="0"/>
-          </a:p>
-          <a:p>
-            <a:endParaRPr lang="en-US" dirty="0"/>
-          </a:p>
-          <a:p>
-            <a:endParaRPr lang="en-US" dirty="0"/>
-          </a:p>
-          <a:p>
-            <a:r>
-              <a:rPr lang="en-US" sz="1200" dirty="0">
-                <a:latin typeface="Daytona" panose="020B0604030500040204" pitchFamily="34" charset="0"/>
-              </a:rPr>
-              <a:t>The model can explain ~99% of the variation in the data, which is very good.</a:t>
-            </a:r>
-          </a:p>
-          <a:p>
-            <a:endParaRPr lang="en-US" sz="1200" dirty="0">
-              <a:latin typeface="Daytona" panose="020B0604030500040204" pitchFamily="34" charset="0"/>
-            </a:endParaRPr>
-          </a:p>
-          <a:p>
-            <a:r>
-              <a:rPr lang="en-US" sz="1200" dirty="0">
-                <a:latin typeface="Daytona" panose="020B0604030500040204" pitchFamily="34" charset="0"/>
-              </a:rPr>
-              <a:t>The train and test RMSE and MAE are low and comparable. So, our model is not suffering from overfitting.</a:t>
-            </a:r>
-          </a:p>
-          <a:p>
-            <a:endParaRPr lang="en-US" sz="1200" dirty="0">
-              <a:latin typeface="Daytona" panose="020B0604030500040204" pitchFamily="34" charset="0"/>
-            </a:endParaRPr>
-          </a:p>
-          <a:p>
-            <a:r>
-              <a:rPr lang="en-US" sz="1200" dirty="0">
-                <a:latin typeface="Daytona" panose="020B0604030500040204" pitchFamily="34" charset="0"/>
-              </a:rPr>
-              <a:t>The MAPE on the test set suggests we can predict within 0.07% of the used cell phone price.</a:t>
-            </a:r>
-          </a:p>
-          <a:p>
-            <a:endParaRPr lang="en-US" sz="1200" dirty="0">
-              <a:latin typeface="Daytona" panose="020B0604030500040204" pitchFamily="34" charset="0"/>
-            </a:endParaRPr>
-          </a:p>
-          <a:p>
-            <a:r>
-              <a:rPr lang="en-US" sz="1200" dirty="0">
-                <a:latin typeface="Daytona" panose="020B0604030500040204" pitchFamily="34" charset="0"/>
-              </a:rPr>
-              <a:t>Hence, we can conclude the model olsmod2 is good for prediction as well as inference purposes</a:t>
-            </a:r>
-            <a:r>
-              <a:rPr lang="en-US" dirty="0"/>
-              <a:t>.</a:t>
-            </a:r>
-          </a:p>
-        </p:txBody>
-      </p:sp>
-      <p:pic>
-        <p:nvPicPr>
-          <p:cNvPr id="6" name="Picture 5">
-            <a:extLst>
-              <a:ext uri="{FF2B5EF4-FFF2-40B4-BE49-F238E27FC236}">
-                <a16:creationId xmlns:a16="http://schemas.microsoft.com/office/drawing/2014/main" id="{7F9CEBBB-E286-4444-988F-B0DD00A05C03}"/>
-              </a:ext>
-            </a:extLst>
-          </p:cNvPr>
-          <p:cNvPicPr>
-            <a:picLocks noChangeAspect="1"/>
-          </p:cNvPicPr>
-          <p:nvPr/>
-        </p:nvPicPr>
-        <p:blipFill>
-          <a:blip r:embed="rId2"/>
-          <a:stretch>
-            <a:fillRect/>
-          </a:stretch>
-        </p:blipFill>
-        <p:spPr>
-          <a:xfrm>
-            <a:off x="456178" y="1256409"/>
-            <a:ext cx="5423955" cy="506079"/>
-          </a:xfrm>
-          <a:prstGeom prst="rect">
-            <a:avLst/>
-          </a:prstGeom>
-        </p:spPr>
-      </p:pic>
-      <p:pic>
-        <p:nvPicPr>
-          <p:cNvPr id="7" name="Picture 6">
-            <a:extLst>
-              <a:ext uri="{FF2B5EF4-FFF2-40B4-BE49-F238E27FC236}">
-                <a16:creationId xmlns:a16="http://schemas.microsoft.com/office/drawing/2014/main" id="{C34488DB-B4F0-40D2-9937-0FDDC77ED626}"/>
-              </a:ext>
-            </a:extLst>
-          </p:cNvPr>
-          <p:cNvPicPr>
-            <a:picLocks noChangeAspect="1"/>
-          </p:cNvPicPr>
-          <p:nvPr/>
-        </p:nvPicPr>
-        <p:blipFill>
-          <a:blip r:embed="rId3"/>
-          <a:stretch>
-            <a:fillRect/>
-          </a:stretch>
-        </p:blipFill>
-        <p:spPr>
-          <a:xfrm>
-            <a:off x="392383" y="2188318"/>
-            <a:ext cx="5423956" cy="466117"/>
-          </a:xfrm>
-          <a:prstGeom prst="rect">
-            <a:avLst/>
-          </a:prstGeom>
-        </p:spPr>
-      </p:pic>
-    </p:spTree>
-    <p:extLst>
-      <p:ext uri="{BB962C8B-B14F-4D97-AF65-F5344CB8AC3E}">
-        <p14:creationId xmlns:p14="http://schemas.microsoft.com/office/powerpoint/2010/main" val="1879699706"/>
-      </p:ext>
-    </p:extLst>
-  </p:cSld>
-  <p:clrMapOvr>
-    <a:masterClrMapping/>
-  </p:clrMapOvr>
-</p:sld>
-</file>
-
-<file path=ppt/slides/slide18.xml><?xml version="1.0" encoding="utf-8"?>
-<p:sld xmlns:a="http://schemas.openxmlformats.org/drawingml/2006/main" xmlns:r="http://schemas.openxmlformats.org/officeDocument/2006/relationships" xmlns:p="http://schemas.openxmlformats.org/presentationml/2006/main">
-  <p:cSld>
-    <p:spTree>
-      <p:nvGrpSpPr>
-        <p:cNvPr id="1" name="Shape 90"/>
-        <p:cNvGrpSpPr/>
-        <p:nvPr/>
-      </p:nvGrpSpPr>
-      <p:grpSpPr>
-        <a:xfrm>
-          <a:off x="0" y="0"/>
-          <a:ext cx="0" cy="0"/>
-          <a:chOff x="0" y="0"/>
-          <a:chExt cx="0" cy="0"/>
-        </a:xfrm>
-      </p:grpSpPr>
-      <p:sp>
-        <p:nvSpPr>
-          <p:cNvPr id="91" name="Google Shape;91;p7"/>
-          <p:cNvSpPr txBox="1">
-            <a:spLocks noGrp="1"/>
-          </p:cNvSpPr>
-          <p:nvPr>
-            <p:ph type="title"/>
-          </p:nvPr>
-        </p:nvSpPr>
-        <p:spPr>
-          <a:xfrm>
-            <a:off x="202550" y="289279"/>
-            <a:ext cx="8520600" cy="572700"/>
-          </a:xfrm>
-          <a:prstGeom prst="rect">
-            <a:avLst/>
-          </a:prstGeom>
-          <a:noFill/>
-          <a:ln>
-            <a:noFill/>
-          </a:ln>
-        </p:spPr>
-        <p:txBody>
-          <a:bodyPr spcFirstLastPara="1" wrap="square" lIns="91425" tIns="91425" rIns="91425" bIns="91425" anchor="t" anchorCtr="0">
-            <a:noAutofit/>
-          </a:bodyPr>
-          <a:lstStyle/>
-          <a:p>
-            <a:pPr marL="0" lvl="0" indent="0" algn="l" rtl="0">
-              <a:lnSpc>
-                <a:spcPct val="100000"/>
-              </a:lnSpc>
-              <a:spcBef>
-                <a:spcPts val="0"/>
-              </a:spcBef>
-              <a:spcAft>
-                <a:spcPts val="0"/>
-              </a:spcAft>
-              <a:buSzPts val="2200"/>
-              <a:buNone/>
-            </a:pPr>
-            <a:r>
-              <a:rPr lang="en" dirty="0">
-                <a:solidFill>
-                  <a:srgbClr val="000000"/>
-                </a:solidFill>
-                <a:latin typeface="Arial"/>
-                <a:ea typeface="Arial"/>
-                <a:cs typeface="Arial"/>
-                <a:sym typeface="Arial"/>
-              </a:rPr>
-              <a:t>Business Insights and Recommendations</a:t>
-            </a:r>
-            <a:endParaRPr dirty="0">
-              <a:solidFill>
-                <a:srgbClr val="000000"/>
-              </a:solidFill>
-              <a:latin typeface="Arial"/>
-              <a:ea typeface="Arial"/>
-              <a:cs typeface="Arial"/>
-              <a:sym typeface="Arial"/>
-            </a:endParaRPr>
-          </a:p>
-        </p:txBody>
-      </p:sp>
-      <p:sp>
-        <p:nvSpPr>
-          <p:cNvPr id="92" name="Google Shape;92;p7"/>
-          <p:cNvSpPr txBox="1">
-            <a:spLocks noGrp="1"/>
-          </p:cNvSpPr>
-          <p:nvPr>
-            <p:ph type="body" idx="1"/>
-          </p:nvPr>
-        </p:nvSpPr>
-        <p:spPr>
-          <a:xfrm>
-            <a:off x="202550" y="861975"/>
-            <a:ext cx="8629800" cy="3706800"/>
-          </a:xfrm>
-          <a:prstGeom prst="rect">
-            <a:avLst/>
-          </a:prstGeom>
-          <a:noFill/>
-          <a:ln>
-            <a:noFill/>
-          </a:ln>
-        </p:spPr>
-        <p:txBody>
-          <a:bodyPr spcFirstLastPara="1" wrap="square" lIns="91425" tIns="91425" rIns="91425" bIns="91425" anchor="t" anchorCtr="0">
-            <a:noAutofit/>
-          </a:bodyPr>
-          <a:lstStyle/>
-          <a:p>
-            <a:pPr marL="457200" lvl="0" indent="-317500" algn="l" rtl="0">
-              <a:lnSpc>
-                <a:spcPct val="115000"/>
-              </a:lnSpc>
-              <a:spcBef>
-                <a:spcPts val="1000"/>
-              </a:spcBef>
-              <a:spcAft>
-                <a:spcPts val="1000"/>
-              </a:spcAft>
-              <a:buClr>
-                <a:srgbClr val="000000"/>
-              </a:buClr>
-              <a:buSzPts val="1400"/>
-              <a:buFont typeface="Arial"/>
-              <a:buChar char="●"/>
-            </a:pPr>
-            <a:r>
-              <a:rPr lang="en-US" sz="1400" dirty="0">
-                <a:solidFill>
-                  <a:schemeClr val="dk1"/>
-                </a:solidFill>
-                <a:latin typeface="Daytona" panose="020B0604030500040204" pitchFamily="34" charset="0"/>
-                <a:ea typeface="Arial"/>
-                <a:cs typeface="Arial"/>
-                <a:sym typeface="Arial"/>
-              </a:rPr>
-              <a:t>All the assumptions of linear regression have been checked but two tests for checking the normality are not satisfied. since I did set the model on log transformation for </a:t>
-            </a:r>
-            <a:r>
-              <a:rPr lang="en-US" sz="1400" b="1" dirty="0">
-                <a:solidFill>
-                  <a:schemeClr val="dk1"/>
-                </a:solidFill>
-                <a:latin typeface="Daytona" panose="020B0604030500040204" pitchFamily="34" charset="0"/>
-                <a:ea typeface="Arial"/>
-                <a:cs typeface="Arial"/>
-                <a:sym typeface="Arial"/>
-              </a:rPr>
-              <a:t>Y</a:t>
-            </a:r>
-            <a:r>
-              <a:rPr lang="en-US" sz="1400" dirty="0">
-                <a:solidFill>
-                  <a:schemeClr val="dk1"/>
-                </a:solidFill>
-                <a:latin typeface="Daytona" panose="020B0604030500040204" pitchFamily="34" charset="0"/>
-                <a:ea typeface="Arial"/>
-                <a:cs typeface="Arial"/>
-                <a:sym typeface="Arial"/>
-              </a:rPr>
-              <a:t> I believe we should apply non-parametric tests e.g. chi-square in place of correlation. Although I believe there should be some complicated transformations to solve this problem which I don't know them yet.</a:t>
-            </a:r>
-          </a:p>
-          <a:p>
-            <a:pPr marL="457200" lvl="0" indent="-317500" algn="l" rtl="0">
-              <a:lnSpc>
-                <a:spcPct val="115000"/>
-              </a:lnSpc>
-              <a:spcBef>
-                <a:spcPts val="1000"/>
-              </a:spcBef>
-              <a:spcAft>
-                <a:spcPts val="1000"/>
-              </a:spcAft>
-              <a:buClr>
-                <a:srgbClr val="000000"/>
-              </a:buClr>
-              <a:buSzPts val="1400"/>
-              <a:buFont typeface="Arial"/>
-              <a:buChar char="●"/>
-            </a:pPr>
-            <a:r>
-              <a:rPr lang="en-US" sz="1400" dirty="0">
-                <a:solidFill>
-                  <a:schemeClr val="dk1"/>
-                </a:solidFill>
-                <a:latin typeface="Daytona" panose="020B0604030500040204" pitchFamily="34" charset="0"/>
-                <a:ea typeface="Arial"/>
-                <a:cs typeface="Arial"/>
-                <a:sym typeface="Arial"/>
-              </a:rPr>
-              <a:t>Anyway, as we were asked, I did summary the final model and </a:t>
-            </a:r>
-            <a:r>
-              <a:rPr lang="en-US" sz="1600" b="0" i="0" dirty="0">
-                <a:solidFill>
-                  <a:srgbClr val="000000"/>
-                </a:solidFill>
-                <a:effectLst/>
-                <a:latin typeface="lato"/>
-              </a:rPr>
-              <a:t>closest solution although the assumptions were not met. </a:t>
-            </a:r>
-            <a:endParaRPr lang="en-US" sz="1400" dirty="0">
-              <a:solidFill>
-                <a:schemeClr val="dk1"/>
-              </a:solidFill>
-              <a:latin typeface="Daytona" panose="020B0604030500040204" pitchFamily="34" charset="0"/>
-              <a:ea typeface="Arial"/>
-              <a:cs typeface="Arial"/>
-              <a:sym typeface="Arial"/>
-            </a:endParaRPr>
-          </a:p>
-        </p:txBody>
-      </p:sp>
-    </p:spTree>
-  </p:cSld>
-  <p:clrMapOvr>
-    <a:masterClrMapping/>
-  </p:clrMapOvr>
-</p:sld>
-</file>
-
-<file path=ppt/slides/slide19.xml><?xml version="1.0" encoding="utf-8"?>
-<p:sld xmlns:a="http://schemas.openxmlformats.org/drawingml/2006/main" xmlns:r="http://schemas.openxmlformats.org/officeDocument/2006/relationships" xmlns:p="http://schemas.openxmlformats.org/presentationml/2006/main">
-  <p:cSld>
-    <p:spTree>
-      <p:nvGrpSpPr>
-        <p:cNvPr id="1" name=""/>
-        <p:cNvGrpSpPr/>
-        <p:nvPr/>
-      </p:nvGrpSpPr>
-      <p:grpSpPr>
-        <a:xfrm>
-          <a:off x="0" y="0"/>
-          <a:ext cx="0" cy="0"/>
-          <a:chOff x="0" y="0"/>
-          <a:chExt cx="0" cy="0"/>
-        </a:xfrm>
-      </p:grpSpPr>
-      <p:sp>
-        <p:nvSpPr>
-          <p:cNvPr id="2" name="Title 1">
-            <a:extLst>
-              <a:ext uri="{FF2B5EF4-FFF2-40B4-BE49-F238E27FC236}">
-                <a16:creationId xmlns:a16="http://schemas.microsoft.com/office/drawing/2014/main" id="{F7D71FAD-459C-468E-A86F-EE7BF5CCED92}"/>
-              </a:ext>
-            </a:extLst>
-          </p:cNvPr>
-          <p:cNvSpPr>
-            <a:spLocks noGrp="1"/>
-          </p:cNvSpPr>
-          <p:nvPr>
-            <p:ph type="title"/>
-          </p:nvPr>
-        </p:nvSpPr>
-        <p:spPr/>
-        <p:txBody>
-          <a:bodyPr/>
-          <a:lstStyle/>
-          <a:p>
-            <a:r>
-              <a:rPr lang="en" dirty="0">
-                <a:solidFill>
-                  <a:srgbClr val="000000"/>
-                </a:solidFill>
-                <a:latin typeface="Arial"/>
-                <a:ea typeface="Arial"/>
-                <a:cs typeface="Arial"/>
-                <a:sym typeface="Arial"/>
-              </a:rPr>
-              <a:t>Business Insights and Recommendations</a:t>
-            </a:r>
-            <a:endParaRPr lang="en-US" dirty="0"/>
-          </a:p>
-        </p:txBody>
-      </p:sp>
-      <p:sp>
-        <p:nvSpPr>
-          <p:cNvPr id="3" name="Text Placeholder 2">
-            <a:extLst>
-              <a:ext uri="{FF2B5EF4-FFF2-40B4-BE49-F238E27FC236}">
-                <a16:creationId xmlns:a16="http://schemas.microsoft.com/office/drawing/2014/main" id="{0D1B8D79-BE45-4D56-84E8-52BF8B1D897F}"/>
-              </a:ext>
-            </a:extLst>
-          </p:cNvPr>
-          <p:cNvSpPr>
-            <a:spLocks noGrp="1"/>
-          </p:cNvSpPr>
-          <p:nvPr>
-            <p:ph type="body" idx="1"/>
-          </p:nvPr>
-        </p:nvSpPr>
-        <p:spPr/>
-        <p:txBody>
-          <a:bodyPr/>
-          <a:lstStyle/>
-          <a:p>
-            <a:r>
-              <a:rPr lang="en-US" dirty="0"/>
-              <a:t>The model can be used for predictive purposes as it can make predictions within ~7% of the actual price.</a:t>
-            </a:r>
-          </a:p>
-          <a:p>
-            <a:r>
-              <a:rPr lang="en-US" dirty="0" err="1"/>
-              <a:t>ReCell</a:t>
-            </a:r>
-            <a:r>
-              <a:rPr lang="en-US" dirty="0"/>
-              <a:t> should look to attract people who want to sell used phones which have been released in recent years and have not been used for many days.</a:t>
-            </a:r>
-          </a:p>
-          <a:p>
-            <a:r>
-              <a:rPr lang="en-US" dirty="0"/>
-              <a:t>They should also try to gather, and put-up phones having a high price for new models to try and increase revenue.</a:t>
-            </a:r>
-          </a:p>
-          <a:p>
-            <a:r>
-              <a:rPr lang="en-US" dirty="0"/>
-              <a:t>They can focus on volume for the budget phones and offer discounts during festive sales on premium phones.</a:t>
-            </a:r>
-          </a:p>
-          <a:p>
-            <a:r>
-              <a:rPr lang="en-US" dirty="0"/>
-              <a:t>Additional data regarding customer demographics (age, gender, income, etc.) can be collected and analyzed to gain better insights into the preferences of customers across different segments.</a:t>
-            </a:r>
-          </a:p>
-          <a:p>
-            <a:endParaRPr lang="en-US" dirty="0"/>
-          </a:p>
-        </p:txBody>
-      </p:sp>
-    </p:spTree>
-    <p:extLst>
-      <p:ext uri="{BB962C8B-B14F-4D97-AF65-F5344CB8AC3E}">
-        <p14:creationId xmlns:p14="http://schemas.microsoft.com/office/powerpoint/2010/main" val="3875505210"/>
-      </p:ext>
-    </p:extLst>
-  </p:cSld>
-  <p:clrMapOvr>
-    <a:masterClrMapping/>
-  </p:clrMapOvr>
-</p:sld>
-</file>
-
-<file path=ppt/slides/slide2.xml><?xml version="1.0" encoding="utf-8"?>
-<p:sld xmlns:a="http://schemas.openxmlformats.org/drawingml/2006/main" xmlns:r="http://schemas.openxmlformats.org/officeDocument/2006/relationships" xmlns:p="http://schemas.openxmlformats.org/presentationml/2006/main">
-  <p:cSld>
-    <p:spTree>
-      <p:nvGrpSpPr>
-        <p:cNvPr id="1" name="Shape 61"/>
-        <p:cNvGrpSpPr/>
-        <p:nvPr/>
-      </p:nvGrpSpPr>
-      <p:grpSpPr>
-        <a:xfrm>
-          <a:off x="0" y="0"/>
-          <a:ext cx="0" cy="0"/>
-          <a:chOff x="0" y="0"/>
-          <a:chExt cx="0" cy="0"/>
-        </a:xfrm>
-      </p:grpSpPr>
-      <p:sp>
-        <p:nvSpPr>
-          <p:cNvPr id="62" name="Google Shape;62;p2"/>
-          <p:cNvSpPr txBox="1">
-            <a:spLocks noGrp="1"/>
-          </p:cNvSpPr>
-          <p:nvPr>
-            <p:ph type="title"/>
-          </p:nvPr>
-        </p:nvSpPr>
-        <p:spPr>
-          <a:xfrm>
-            <a:off x="202550" y="289279"/>
-            <a:ext cx="8520600" cy="572700"/>
-          </a:xfrm>
-          <a:prstGeom prst="rect">
-            <a:avLst/>
-          </a:prstGeom>
-          <a:noFill/>
-          <a:ln>
-            <a:noFill/>
-          </a:ln>
-        </p:spPr>
-        <p:txBody>
-          <a:bodyPr spcFirstLastPara="1" wrap="square" lIns="91425" tIns="91425" rIns="91425" bIns="91425" anchor="t" anchorCtr="0">
-            <a:noAutofit/>
-          </a:bodyPr>
-          <a:lstStyle/>
-          <a:p>
-            <a:pPr marL="0" lvl="0" indent="0" algn="l" rtl="0">
-              <a:lnSpc>
-                <a:spcPct val="100000"/>
-              </a:lnSpc>
-              <a:spcBef>
-                <a:spcPts val="0"/>
-              </a:spcBef>
-              <a:spcAft>
-                <a:spcPts val="0"/>
-              </a:spcAft>
-              <a:buSzPts val="2200"/>
-              <a:buNone/>
-            </a:pPr>
-            <a:r>
-              <a:rPr lang="en" dirty="0">
-                <a:solidFill>
-                  <a:srgbClr val="000000"/>
-                </a:solidFill>
-                <a:latin typeface="Arial"/>
-                <a:ea typeface="Arial"/>
-                <a:cs typeface="Arial"/>
-                <a:sym typeface="Arial"/>
-              </a:rPr>
-              <a:t>Contents</a:t>
-            </a:r>
-            <a:endParaRPr dirty="0">
-              <a:solidFill>
-                <a:srgbClr val="000000"/>
-              </a:solidFill>
-              <a:latin typeface="Arial"/>
-              <a:ea typeface="Arial"/>
-              <a:cs typeface="Arial"/>
-              <a:sym typeface="Arial"/>
-            </a:endParaRPr>
-          </a:p>
-        </p:txBody>
-      </p:sp>
-      <p:sp>
-        <p:nvSpPr>
-          <p:cNvPr id="4" name="TextBox 3">
-            <a:extLst>
-              <a:ext uri="{FF2B5EF4-FFF2-40B4-BE49-F238E27FC236}">
-                <a16:creationId xmlns:a16="http://schemas.microsoft.com/office/drawing/2014/main" id="{0F999D18-B122-4673-8B61-DDDA2851AA53}"/>
-              </a:ext>
-            </a:extLst>
-          </p:cNvPr>
-          <p:cNvSpPr txBox="1"/>
-          <p:nvPr/>
-        </p:nvSpPr>
-        <p:spPr>
-          <a:xfrm>
-            <a:off x="492642" y="1214163"/>
-            <a:ext cx="8230508" cy="2308324"/>
-          </a:xfrm>
-          <a:prstGeom prst="rect">
-            <a:avLst/>
-          </a:prstGeom>
-          <a:noFill/>
-        </p:spPr>
-        <p:txBody>
-          <a:bodyPr wrap="square">
-            <a:spAutoFit/>
-          </a:bodyPr>
-          <a:lstStyle/>
-          <a:p>
-            <a:r>
-              <a:rPr lang="en-US" sz="1600" dirty="0">
-                <a:latin typeface="Verdana Pro Cond SemiBold" panose="020B0604020202020204" pitchFamily="34" charset="0"/>
-              </a:rPr>
-              <a:t>In this presentation, we are going to get deep into the Refurbished and used cell phone market. </a:t>
-            </a:r>
-          </a:p>
-          <a:p>
-            <a:r>
-              <a:rPr lang="en-US" sz="1600" dirty="0">
-                <a:latin typeface="Verdana Pro Cond SemiBold" panose="020B0604020202020204" pitchFamily="34" charset="0"/>
-              </a:rPr>
-              <a:t>Buying and selling used smartphones used to be something that happened on a handful of online marketplace sites. But the used and refurbished phone market has grown considerably over the past decade, and a new IDC (International Data Corporation) forecast predicts that the used phone market would be worth $52.7bn by 2023 with a compound annual growth rate (CAGR) of 13.6% from 2018 to 2023. This growth can be attributed to an uptick in demand for used smartphones that offer considerable savings compared with new models.</a:t>
-            </a:r>
-          </a:p>
-        </p:txBody>
-      </p:sp>
-    </p:spTree>
-  </p:cSld>
-  <p:clrMapOvr>
-    <a:masterClrMapping/>
-  </p:clrMapOvr>
-</p:sld>
-</file>
-
-<file path=ppt/slides/slide20.xml><?xml version="1.0" encoding="utf-8"?>
-<p:sld xmlns:a="http://schemas.openxmlformats.org/drawingml/2006/main" xmlns:r="http://schemas.openxmlformats.org/officeDocument/2006/relationships" xmlns:p="http://schemas.openxmlformats.org/presentationml/2006/main">
-  <p:cSld>
-    <p:spTree>
-      <p:nvGrpSpPr>
-        <p:cNvPr id="1" name="Shape 96"/>
-        <p:cNvGrpSpPr/>
-        <p:nvPr/>
-      </p:nvGrpSpPr>
-      <p:grpSpPr>
-        <a:xfrm>
-          <a:off x="0" y="0"/>
-          <a:ext cx="0" cy="0"/>
-          <a:chOff x="0" y="0"/>
-          <a:chExt cx="0" cy="0"/>
-        </a:xfrm>
-      </p:grpSpPr>
-      <p:sp>
-        <p:nvSpPr>
-          <p:cNvPr id="97" name="Google Shape;97;p8"/>
-          <p:cNvSpPr txBox="1">
-            <a:spLocks noGrp="1"/>
-          </p:cNvSpPr>
-          <p:nvPr>
-            <p:ph type="title"/>
-          </p:nvPr>
-        </p:nvSpPr>
-        <p:spPr>
-          <a:xfrm>
-            <a:off x="70129" y="6703219"/>
-            <a:ext cx="15008700" cy="697800"/>
-          </a:xfrm>
-          <a:prstGeom prst="rect">
-            <a:avLst/>
-          </a:prstGeom>
-          <a:noFill/>
-          <a:ln>
-            <a:noFill/>
-          </a:ln>
-        </p:spPr>
-        <p:txBody>
-          <a:bodyPr spcFirstLastPara="1" wrap="square" lIns="0" tIns="12850" rIns="0" bIns="0" anchor="t" anchorCtr="0">
-            <a:noAutofit/>
-          </a:bodyPr>
-          <a:lstStyle/>
-          <a:p>
-            <a:pPr marL="0" lvl="0" indent="0" algn="l" rtl="0">
-              <a:lnSpc>
-                <a:spcPct val="100000"/>
-              </a:lnSpc>
-              <a:spcBef>
-                <a:spcPts val="0"/>
-              </a:spcBef>
-              <a:spcAft>
-                <a:spcPts val="0"/>
-              </a:spcAft>
-              <a:buSzPts val="2200"/>
-              <a:buNone/>
-            </a:pPr>
-            <a:endParaRPr/>
-          </a:p>
-        </p:txBody>
-      </p:sp>
-    </p:spTree>
-  </p:cSld>
-  <p:clrMapOvr>
-    <a:masterClrMapping/>
-  </p:clrMapOvr>
-</p:sld>
-</file>
-
-<file path=ppt/slides/slide3.xml><?xml version="1.0" encoding="utf-8"?>
-<p:sld xmlns:a="http://schemas.openxmlformats.org/drawingml/2006/main" xmlns:r="http://schemas.openxmlformats.org/officeDocument/2006/relationships" xmlns:p="http://schemas.openxmlformats.org/presentationml/2006/main">
-  <p:cSld>
-    <p:spTree>
-      <p:nvGrpSpPr>
-        <p:cNvPr id="1" name="Shape 66"/>
-        <p:cNvGrpSpPr/>
-        <p:nvPr/>
-      </p:nvGrpSpPr>
-      <p:grpSpPr>
-        <a:xfrm>
-          <a:off x="0" y="0"/>
-          <a:ext cx="0" cy="0"/>
-          <a:chOff x="0" y="0"/>
-          <a:chExt cx="0" cy="0"/>
-        </a:xfrm>
-      </p:grpSpPr>
-      <p:sp>
-        <p:nvSpPr>
-          <p:cNvPr id="67" name="Google Shape;67;p3"/>
-          <p:cNvSpPr txBox="1">
-            <a:spLocks noGrp="1"/>
-          </p:cNvSpPr>
-          <p:nvPr>
-            <p:ph type="title"/>
-          </p:nvPr>
-        </p:nvSpPr>
-        <p:spPr>
-          <a:xfrm>
-            <a:off x="202550" y="289279"/>
-            <a:ext cx="8520600" cy="572700"/>
-          </a:xfrm>
-          <a:prstGeom prst="rect">
-            <a:avLst/>
-          </a:prstGeom>
-          <a:noFill/>
-          <a:ln>
-            <a:noFill/>
-          </a:ln>
-        </p:spPr>
-        <p:txBody>
-          <a:bodyPr spcFirstLastPara="1" wrap="square" lIns="91425" tIns="91425" rIns="91425" bIns="91425" anchor="t" anchorCtr="0">
-            <a:noAutofit/>
-          </a:bodyPr>
-          <a:lstStyle/>
-          <a:p>
-            <a:pPr marL="0" lvl="0" indent="0" algn="l" rtl="0">
-              <a:lnSpc>
-                <a:spcPct val="100000"/>
-              </a:lnSpc>
-              <a:spcBef>
-                <a:spcPts val="0"/>
-              </a:spcBef>
-              <a:spcAft>
-                <a:spcPts val="0"/>
-              </a:spcAft>
-              <a:buSzPts val="2200"/>
-              <a:buNone/>
-            </a:pPr>
-            <a:r>
-              <a:rPr lang="en">
-                <a:solidFill>
-                  <a:srgbClr val="000000"/>
-                </a:solidFill>
-                <a:latin typeface="Arial"/>
-                <a:ea typeface="Arial"/>
-                <a:cs typeface="Arial"/>
-                <a:sym typeface="Arial"/>
-              </a:rPr>
-              <a:t>Business Problem Overview and Solution Approach</a:t>
-            </a:r>
-            <a:endParaRPr>
-              <a:solidFill>
-                <a:srgbClr val="000000"/>
-              </a:solidFill>
-              <a:latin typeface="Arial"/>
-              <a:ea typeface="Arial"/>
-              <a:cs typeface="Arial"/>
-              <a:sym typeface="Arial"/>
-            </a:endParaRPr>
-          </a:p>
-        </p:txBody>
-      </p:sp>
-      <p:sp>
-        <p:nvSpPr>
-          <p:cNvPr id="68" name="Google Shape;68;p3"/>
-          <p:cNvSpPr txBox="1">
-            <a:spLocks noGrp="1"/>
-          </p:cNvSpPr>
-          <p:nvPr>
-            <p:ph type="body" idx="1"/>
-          </p:nvPr>
-        </p:nvSpPr>
-        <p:spPr>
-          <a:xfrm>
-            <a:off x="202550" y="1137530"/>
-            <a:ext cx="8629800" cy="3706800"/>
-          </a:xfrm>
-          <a:prstGeom prst="rect">
-            <a:avLst/>
-          </a:prstGeom>
-          <a:noFill/>
-          <a:ln>
-            <a:noFill/>
-          </a:ln>
-        </p:spPr>
-        <p:txBody>
-          <a:bodyPr spcFirstLastPara="1" wrap="square" lIns="91425" tIns="91425" rIns="91425" bIns="91425" anchor="t" anchorCtr="0">
-            <a:noAutofit/>
-          </a:bodyPr>
-          <a:lstStyle/>
-          <a:p>
-            <a:pPr marL="457200" lvl="0" indent="-317500" algn="l" rtl="0">
-              <a:lnSpc>
-                <a:spcPct val="115000"/>
-              </a:lnSpc>
-              <a:spcBef>
-                <a:spcPts val="1000"/>
-              </a:spcBef>
-              <a:spcAft>
-                <a:spcPts val="1000"/>
-              </a:spcAft>
-              <a:buClr>
-                <a:srgbClr val="000000"/>
-              </a:buClr>
-              <a:buSzPts val="1400"/>
-              <a:buFont typeface="Arial"/>
-              <a:buChar char="●"/>
-            </a:pPr>
-            <a:r>
-              <a:rPr lang="en-US" sz="1600" b="0" i="0" dirty="0">
-                <a:solidFill>
-                  <a:srgbClr val="000000"/>
-                </a:solidFill>
-                <a:effectLst/>
-                <a:latin typeface="Verdana Pro Cond SemiBold" panose="020B0706030504040204" pitchFamily="34" charset="0"/>
-              </a:rPr>
-              <a:t>The rising potential of this comparatively under-the-radar market fuels the need for an ML-based solution to develop a dynamic pricing strategy for used and refurbished smartphones. </a:t>
-            </a:r>
-          </a:p>
-          <a:p>
-            <a:pPr marL="457200" lvl="0" indent="-317500" algn="l" rtl="0">
-              <a:lnSpc>
-                <a:spcPct val="115000"/>
-              </a:lnSpc>
-              <a:spcBef>
-                <a:spcPts val="1000"/>
-              </a:spcBef>
-              <a:spcAft>
-                <a:spcPts val="1000"/>
-              </a:spcAft>
-              <a:buClr>
-                <a:srgbClr val="000000"/>
-              </a:buClr>
-              <a:buSzPts val="1400"/>
-              <a:buFont typeface="Arial"/>
-              <a:buChar char="●"/>
-            </a:pPr>
-            <a:r>
-              <a:rPr lang="en-US" sz="1600" b="0" i="0" dirty="0">
-                <a:solidFill>
-                  <a:srgbClr val="000000"/>
-                </a:solidFill>
-                <a:effectLst/>
-                <a:latin typeface="Verdana Pro Cond SemiBold" panose="020B0706030504040204" pitchFamily="34" charset="0"/>
-              </a:rPr>
-              <a:t>We as data scientist are going to analyze the data which is provided by </a:t>
-            </a:r>
-            <a:r>
-              <a:rPr lang="en-US" sz="1600" b="0" i="0" dirty="0" err="1">
-                <a:solidFill>
-                  <a:srgbClr val="000000"/>
-                </a:solidFill>
-                <a:effectLst/>
-                <a:latin typeface="Verdana Pro Cond SemiBold" panose="020B0706030504040204" pitchFamily="34" charset="0"/>
-              </a:rPr>
-              <a:t>ReCell</a:t>
-            </a:r>
-            <a:r>
-              <a:rPr lang="en-US" sz="1600" b="0" i="0" dirty="0">
-                <a:solidFill>
-                  <a:srgbClr val="000000"/>
-                </a:solidFill>
-                <a:effectLst/>
-                <a:latin typeface="Verdana Pro Cond SemiBold" panose="020B0706030504040204" pitchFamily="34" charset="0"/>
-              </a:rPr>
-              <a:t> and build a linear regression model to predict the price of a used phone and identify factors that significantly influence it.</a:t>
-            </a:r>
-            <a:endParaRPr sz="1400" dirty="0">
-              <a:solidFill>
-                <a:srgbClr val="000000"/>
-              </a:solidFill>
-              <a:latin typeface="Verdana Pro Cond SemiBold" panose="020B0706030504040204" pitchFamily="34" charset="0"/>
-              <a:ea typeface="Arial"/>
-              <a:cs typeface="Arial"/>
-              <a:sym typeface="Arial"/>
-            </a:endParaRPr>
-          </a:p>
-        </p:txBody>
-      </p:sp>
-    </p:spTree>
-  </p:cSld>
-  <p:clrMapOvr>
-    <a:masterClrMapping/>
-  </p:clrMapOvr>
-</p:sld>
-</file>
-
-<file path=ppt/slides/slide4.xml><?xml version="1.0" encoding="utf-8"?>
-<p:sld xmlns:a="http://schemas.openxmlformats.org/drawingml/2006/main" xmlns:r="http://schemas.openxmlformats.org/officeDocument/2006/relationships" xmlns:p="http://schemas.openxmlformats.org/presentationml/2006/main">
-  <p:cSld>
-    <p:spTree>
-      <p:nvGrpSpPr>
-        <p:cNvPr id="1" name="Shape 72"/>
-        <p:cNvGrpSpPr/>
-        <p:nvPr/>
-      </p:nvGrpSpPr>
-      <p:grpSpPr>
-        <a:xfrm>
-          <a:off x="0" y="0"/>
-          <a:ext cx="0" cy="0"/>
-          <a:chOff x="0" y="0"/>
-          <a:chExt cx="0" cy="0"/>
-        </a:xfrm>
-      </p:grpSpPr>
-      <p:sp>
-        <p:nvSpPr>
-          <p:cNvPr id="73" name="Google Shape;73;p4"/>
-          <p:cNvSpPr txBox="1">
-            <a:spLocks noGrp="1"/>
-          </p:cNvSpPr>
-          <p:nvPr>
-            <p:ph type="title"/>
-          </p:nvPr>
-        </p:nvSpPr>
-        <p:spPr>
-          <a:xfrm>
-            <a:off x="202550" y="230691"/>
-            <a:ext cx="8520600" cy="572700"/>
-          </a:xfrm>
-          <a:prstGeom prst="rect">
-            <a:avLst/>
-          </a:prstGeom>
-          <a:noFill/>
-          <a:ln>
-            <a:noFill/>
-          </a:ln>
-        </p:spPr>
-        <p:txBody>
-          <a:bodyPr spcFirstLastPara="1" wrap="square" lIns="91425" tIns="91425" rIns="91425" bIns="91425" anchor="t" anchorCtr="0">
-            <a:noAutofit/>
-          </a:bodyPr>
-          <a:lstStyle/>
-          <a:p>
-            <a:pPr marL="0" lvl="0" indent="0" algn="l" rtl="0">
-              <a:lnSpc>
-                <a:spcPct val="100000"/>
-              </a:lnSpc>
-              <a:spcBef>
-                <a:spcPts val="0"/>
-              </a:spcBef>
-              <a:spcAft>
-                <a:spcPts val="0"/>
-              </a:spcAft>
-              <a:buSzPts val="2200"/>
-              <a:buNone/>
-            </a:pPr>
-            <a:r>
-              <a:rPr lang="en" dirty="0">
-                <a:solidFill>
-                  <a:srgbClr val="000000"/>
-                </a:solidFill>
-                <a:latin typeface="Arial"/>
-                <a:ea typeface="Arial"/>
-                <a:cs typeface="Arial"/>
-                <a:sym typeface="Arial"/>
-              </a:rPr>
-              <a:t>Data Overview</a:t>
-            </a:r>
-            <a:endParaRPr dirty="0">
-              <a:solidFill>
-                <a:srgbClr val="000000"/>
-              </a:solidFill>
-              <a:latin typeface="Arial"/>
-              <a:ea typeface="Arial"/>
-              <a:cs typeface="Arial"/>
-              <a:sym typeface="Arial"/>
-            </a:endParaRPr>
-          </a:p>
-        </p:txBody>
-      </p:sp>
-      <p:sp>
-        <p:nvSpPr>
-          <p:cNvPr id="74" name="Google Shape;74;p4"/>
-          <p:cNvSpPr txBox="1">
-            <a:spLocks noGrp="1"/>
-          </p:cNvSpPr>
-          <p:nvPr>
-            <p:ph type="body" idx="1"/>
-          </p:nvPr>
-        </p:nvSpPr>
-        <p:spPr>
-          <a:xfrm>
-            <a:off x="202551" y="673395"/>
-            <a:ext cx="4872723" cy="3895380"/>
-          </a:xfrm>
-          <a:prstGeom prst="rect">
-            <a:avLst/>
-          </a:prstGeom>
-          <a:noFill/>
-          <a:ln>
-            <a:noFill/>
-          </a:ln>
-        </p:spPr>
-        <p:txBody>
-          <a:bodyPr spcFirstLastPara="1" wrap="square" lIns="91425" tIns="91425" rIns="91425" bIns="91425" anchor="t" anchorCtr="0">
-            <a:noAutofit/>
-          </a:bodyPr>
-          <a:lstStyle/>
-          <a:p>
-            <a:pPr marL="457200" lvl="0" indent="-317500" algn="l" rtl="0">
-              <a:lnSpc>
-                <a:spcPct val="115000"/>
-              </a:lnSpc>
-              <a:spcBef>
-                <a:spcPts val="1000"/>
-              </a:spcBef>
-              <a:spcAft>
-                <a:spcPts val="0"/>
-              </a:spcAft>
-              <a:buClr>
-                <a:srgbClr val="000000"/>
-              </a:buClr>
-              <a:buSzPts val="1400"/>
-              <a:buFont typeface="Arial"/>
-              <a:buChar char="●"/>
-            </a:pPr>
-            <a:r>
-              <a:rPr lang="en-US" sz="1400" dirty="0">
-                <a:solidFill>
-                  <a:srgbClr val="000000"/>
-                </a:solidFill>
-                <a:latin typeface="Daytona" panose="020B0604030500040204" pitchFamily="34" charset="0"/>
-                <a:ea typeface="Arial"/>
-                <a:cs typeface="Arial"/>
-                <a:sym typeface="Arial"/>
-              </a:rPr>
-              <a:t>W</a:t>
-            </a:r>
-            <a:r>
-              <a:rPr lang="en" sz="1400" dirty="0">
-                <a:solidFill>
-                  <a:srgbClr val="000000"/>
-                </a:solidFill>
-                <a:latin typeface="Daytona" panose="020B0604030500040204" pitchFamily="34" charset="0"/>
-                <a:ea typeface="Arial"/>
-                <a:cs typeface="Arial"/>
-                <a:sym typeface="Arial"/>
-              </a:rPr>
-              <a:t>e have a data with 3571 rows and 15 columns</a:t>
-            </a:r>
-          </a:p>
-          <a:p>
-            <a:pPr marL="457200" lvl="0" indent="-317500" algn="l" rtl="0">
-              <a:lnSpc>
-                <a:spcPct val="115000"/>
-              </a:lnSpc>
-              <a:spcBef>
-                <a:spcPts val="1000"/>
-              </a:spcBef>
-              <a:spcAft>
-                <a:spcPts val="0"/>
-              </a:spcAft>
-              <a:buClr>
-                <a:srgbClr val="000000"/>
-              </a:buClr>
-              <a:buSzPts val="1400"/>
-              <a:buFont typeface="Arial"/>
-              <a:buChar char="●"/>
-            </a:pPr>
-            <a:r>
-              <a:rPr lang="en-US" sz="1400" dirty="0">
-                <a:solidFill>
-                  <a:srgbClr val="000000"/>
-                </a:solidFill>
-                <a:latin typeface="Daytona" panose="020B0604030500040204" pitchFamily="34" charset="0"/>
-                <a:ea typeface="Arial"/>
-                <a:cs typeface="Arial"/>
-                <a:sym typeface="Arial"/>
-              </a:rPr>
-              <a:t>S</a:t>
-            </a:r>
-            <a:r>
-              <a:rPr lang="en" sz="1400" dirty="0">
-                <a:solidFill>
-                  <a:srgbClr val="000000"/>
-                </a:solidFill>
-                <a:latin typeface="Daytona" panose="020B0604030500040204" pitchFamily="34" charset="0"/>
-                <a:ea typeface="Arial"/>
-                <a:cs typeface="Arial"/>
-                <a:sym typeface="Arial"/>
-              </a:rPr>
-              <a:t>ome columns have missing values.</a:t>
-            </a:r>
-          </a:p>
-          <a:p>
-            <a:pPr marL="457200" lvl="0" indent="-317500" algn="l" rtl="0">
-              <a:lnSpc>
-                <a:spcPct val="115000"/>
-              </a:lnSpc>
-              <a:spcBef>
-                <a:spcPts val="1000"/>
-              </a:spcBef>
-              <a:spcAft>
-                <a:spcPts val="0"/>
-              </a:spcAft>
-              <a:buClr>
-                <a:srgbClr val="000000"/>
-              </a:buClr>
-              <a:buSzPts val="1400"/>
-              <a:buFont typeface="Arial"/>
-              <a:buChar char="●"/>
-            </a:pPr>
-            <a:r>
-              <a:rPr lang="en-US" sz="1400" dirty="0">
-                <a:solidFill>
-                  <a:srgbClr val="000000"/>
-                </a:solidFill>
-                <a:latin typeface="Daytona" panose="020B0604030500040204" pitchFamily="34" charset="0"/>
-                <a:ea typeface="Arial"/>
-                <a:cs typeface="Arial"/>
-                <a:sym typeface="Arial"/>
-              </a:rPr>
-              <a:t>Also, w</a:t>
-            </a:r>
-            <a:r>
-              <a:rPr lang="en" sz="1400" dirty="0">
-                <a:solidFill>
-                  <a:srgbClr val="000000"/>
-                </a:solidFill>
-                <a:latin typeface="Daytona" panose="020B0604030500040204" pitchFamily="34" charset="0"/>
-                <a:ea typeface="Arial"/>
-                <a:cs typeface="Arial"/>
-                <a:sym typeface="Arial"/>
-              </a:rPr>
-              <a:t>e have outliers in our data </a:t>
-            </a:r>
-          </a:p>
-          <a:p>
-            <a:pPr marL="457200" lvl="0" indent="-317500" algn="l" rtl="0">
-              <a:lnSpc>
-                <a:spcPct val="115000"/>
-              </a:lnSpc>
-              <a:spcBef>
-                <a:spcPts val="1000"/>
-              </a:spcBef>
-              <a:spcAft>
-                <a:spcPts val="0"/>
-              </a:spcAft>
-              <a:buClr>
-                <a:srgbClr val="000000"/>
-              </a:buClr>
-              <a:buSzPts val="1400"/>
-              <a:buFont typeface="Arial"/>
-              <a:buChar char="●"/>
-            </a:pPr>
-            <a:endParaRPr lang="en" dirty="0">
-              <a:solidFill>
-                <a:srgbClr val="000000"/>
-              </a:solidFill>
-              <a:latin typeface="Daytona" panose="020B0604030500040204" pitchFamily="34" charset="0"/>
-              <a:ea typeface="Arial"/>
-              <a:cs typeface="Arial"/>
-              <a:sym typeface="Arial"/>
-            </a:endParaRPr>
-          </a:p>
-          <a:p>
-            <a:pPr marL="457200" lvl="0" indent="-317500" algn="l" rtl="0">
-              <a:lnSpc>
-                <a:spcPct val="115000"/>
-              </a:lnSpc>
-              <a:spcBef>
-                <a:spcPts val="1000"/>
-              </a:spcBef>
-              <a:spcAft>
-                <a:spcPts val="0"/>
-              </a:spcAft>
-              <a:buClr>
-                <a:srgbClr val="000000"/>
-              </a:buClr>
-              <a:buSzPts val="1400"/>
-              <a:buFont typeface="Arial"/>
-              <a:buChar char="●"/>
-            </a:pPr>
-            <a:endParaRPr lang="en" sz="1400" dirty="0">
-              <a:solidFill>
-                <a:srgbClr val="000000"/>
-              </a:solidFill>
-              <a:latin typeface="Arial"/>
-              <a:ea typeface="Arial"/>
-              <a:cs typeface="Arial"/>
-              <a:sym typeface="Arial"/>
-            </a:endParaRPr>
-          </a:p>
-          <a:p>
-            <a:pPr marL="457200" lvl="0" indent="-317500" algn="l" rtl="0">
-              <a:lnSpc>
-                <a:spcPct val="115000"/>
-              </a:lnSpc>
-              <a:spcBef>
-                <a:spcPts val="1000"/>
-              </a:spcBef>
-              <a:spcAft>
-                <a:spcPts val="0"/>
-              </a:spcAft>
-              <a:buClr>
-                <a:srgbClr val="000000"/>
-              </a:buClr>
-              <a:buSzPts val="1400"/>
-              <a:buFont typeface="Arial"/>
-              <a:buChar char="●"/>
-            </a:pPr>
-            <a:endParaRPr sz="1400" dirty="0">
-              <a:solidFill>
-                <a:srgbClr val="000000"/>
-              </a:solidFill>
-              <a:latin typeface="Arial"/>
-              <a:ea typeface="Arial"/>
-              <a:cs typeface="Arial"/>
-              <a:sym typeface="Arial"/>
-            </a:endParaRPr>
-          </a:p>
-        </p:txBody>
-      </p:sp>
-      <p:sp>
-        <p:nvSpPr>
-          <p:cNvPr id="9" name="Google Shape;74;p4">
-            <a:extLst>
-              <a:ext uri="{FF2B5EF4-FFF2-40B4-BE49-F238E27FC236}">
-                <a16:creationId xmlns:a16="http://schemas.microsoft.com/office/drawing/2014/main" id="{40AC4EBD-AAFC-4237-A2D5-C613A9832A82}"/>
-              </a:ext>
-            </a:extLst>
-          </p:cNvPr>
-          <p:cNvSpPr txBox="1">
-            <a:spLocks/>
-          </p:cNvSpPr>
-          <p:nvPr/>
-        </p:nvSpPr>
-        <p:spPr>
-          <a:xfrm>
-            <a:off x="5142476" y="673395"/>
-            <a:ext cx="3863907" cy="4338084"/>
-          </a:xfrm>
-          <a:prstGeom prst="rect">
-            <a:avLst/>
-          </a:prstGeom>
-          <a:noFill/>
-          <a:ln>
-            <a:noFill/>
-          </a:ln>
-        </p:spPr>
-        <p:txBody>
-          <a:bodyPr spcFirstLastPara="1" wrap="square" lIns="91425" tIns="91425" rIns="91425" bIns="91425" anchor="t" anchorCtr="0">
-            <a:noAutofit/>
-          </a:bodyPr>
-          <a:lstStyle>
-            <a:defPPr marR="0" lvl="0" algn="l" rtl="0">
-              <a:lnSpc>
-                <a:spcPct val="100000"/>
-              </a:lnSpc>
-              <a:spcBef>
-                <a:spcPts val="0"/>
-              </a:spcBef>
-              <a:spcAft>
-                <a:spcPts val="0"/>
-              </a:spcAft>
-            </a:defPPr>
-            <a:lvl1pPr marL="457200" marR="0" lvl="0" indent="-323850" algn="l" rtl="0">
-              <a:lnSpc>
-                <a:spcPct val="115000"/>
-              </a:lnSpc>
-              <a:spcBef>
-                <a:spcPts val="0"/>
-              </a:spcBef>
-              <a:spcAft>
-                <a:spcPts val="0"/>
-              </a:spcAft>
-              <a:buClr>
-                <a:schemeClr val="dk2"/>
-              </a:buClr>
-              <a:buSzPts val="1500"/>
-              <a:buFont typeface="Nunito"/>
-              <a:buChar char="●"/>
-              <a:defRPr sz="1500" b="0" i="0" u="none" strike="noStrike" cap="none">
-                <a:solidFill>
-                  <a:schemeClr val="dk2"/>
-                </a:solidFill>
-                <a:latin typeface="Nunito"/>
-                <a:ea typeface="Nunito"/>
-                <a:cs typeface="Nunito"/>
-                <a:sym typeface="Nunito"/>
-              </a:defRPr>
-            </a:lvl1pPr>
-            <a:lvl2pPr marL="914400" marR="0" lvl="1" indent="-311150" algn="l" rtl="0">
-              <a:lnSpc>
-                <a:spcPct val="115000"/>
-              </a:lnSpc>
-              <a:spcBef>
-                <a:spcPts val="1600"/>
-              </a:spcBef>
-              <a:spcAft>
-                <a:spcPts val="0"/>
-              </a:spcAft>
-              <a:buClr>
-                <a:schemeClr val="dk2"/>
-              </a:buClr>
-              <a:buSzPts val="1300"/>
-              <a:buFont typeface="Nunito"/>
-              <a:buChar char="○"/>
-              <a:defRPr sz="1300" b="0" i="0" u="none" strike="noStrike" cap="none">
-                <a:solidFill>
-                  <a:schemeClr val="dk2"/>
-                </a:solidFill>
-                <a:latin typeface="Nunito"/>
-                <a:ea typeface="Nunito"/>
-                <a:cs typeface="Nunito"/>
-                <a:sym typeface="Nunito"/>
-              </a:defRPr>
-            </a:lvl2pPr>
-            <a:lvl3pPr marL="1371600" marR="0" lvl="2" indent="-304800" algn="l" rtl="0">
-              <a:lnSpc>
-                <a:spcPct val="115000"/>
-              </a:lnSpc>
-              <a:spcBef>
-                <a:spcPts val="1600"/>
-              </a:spcBef>
-              <a:spcAft>
-                <a:spcPts val="0"/>
-              </a:spcAft>
-              <a:buClr>
-                <a:schemeClr val="dk2"/>
-              </a:buClr>
-              <a:buSzPts val="1200"/>
-              <a:buFont typeface="Nunito"/>
-              <a:buChar char="■"/>
-              <a:defRPr sz="1200" b="0" i="0" u="none" strike="noStrike" cap="none">
-                <a:solidFill>
-                  <a:schemeClr val="dk2"/>
-                </a:solidFill>
-                <a:latin typeface="Nunito"/>
-                <a:ea typeface="Nunito"/>
-                <a:cs typeface="Nunito"/>
-                <a:sym typeface="Nunito"/>
-              </a:defRPr>
-            </a:lvl3pPr>
-            <a:lvl4pPr marL="1828800" marR="0" lvl="3" indent="-298450" algn="l" rtl="0">
-              <a:lnSpc>
-                <a:spcPct val="115000"/>
-              </a:lnSpc>
-              <a:spcBef>
-                <a:spcPts val="1600"/>
-              </a:spcBef>
-              <a:spcAft>
-                <a:spcPts val="0"/>
-              </a:spcAft>
-              <a:buClr>
-                <a:schemeClr val="dk2"/>
-              </a:buClr>
-              <a:buSzPts val="1100"/>
-              <a:buFont typeface="Nunito"/>
-              <a:buChar char="●"/>
-              <a:defRPr sz="1100" b="0" i="0" u="none" strike="noStrike" cap="none">
-                <a:solidFill>
-                  <a:schemeClr val="dk2"/>
-                </a:solidFill>
-                <a:latin typeface="Nunito"/>
-                <a:ea typeface="Nunito"/>
-                <a:cs typeface="Nunito"/>
-                <a:sym typeface="Nunito"/>
-              </a:defRPr>
-            </a:lvl4pPr>
-            <a:lvl5pPr marL="2286000" marR="0" lvl="4" indent="-292100" algn="l" rtl="0">
-              <a:lnSpc>
-                <a:spcPct val="115000"/>
-              </a:lnSpc>
-              <a:spcBef>
-                <a:spcPts val="1600"/>
-              </a:spcBef>
-              <a:spcAft>
-                <a:spcPts val="0"/>
-              </a:spcAft>
-              <a:buClr>
-                <a:schemeClr val="dk2"/>
-              </a:buClr>
-              <a:buSzPts val="1000"/>
-              <a:buFont typeface="Nunito"/>
-              <a:buChar char="○"/>
-              <a:defRPr sz="1000" b="0" i="0" u="none" strike="noStrike" cap="none">
-                <a:solidFill>
-                  <a:schemeClr val="dk2"/>
-                </a:solidFill>
-                <a:latin typeface="Nunito"/>
-                <a:ea typeface="Nunito"/>
-                <a:cs typeface="Nunito"/>
-                <a:sym typeface="Nunito"/>
-              </a:defRPr>
-            </a:lvl5pPr>
-            <a:lvl6pPr marL="2743200" marR="0" lvl="5" indent="-285750" algn="l" rtl="0">
-              <a:lnSpc>
-                <a:spcPct val="115000"/>
-              </a:lnSpc>
-              <a:spcBef>
-                <a:spcPts val="1600"/>
-              </a:spcBef>
-              <a:spcAft>
-                <a:spcPts val="0"/>
-              </a:spcAft>
-              <a:buClr>
-                <a:schemeClr val="dk2"/>
-              </a:buClr>
-              <a:buSzPts val="900"/>
-              <a:buFont typeface="Nunito"/>
-              <a:buChar char="■"/>
-              <a:defRPr sz="900" b="0" i="0" u="none" strike="noStrike" cap="none">
-                <a:solidFill>
-                  <a:schemeClr val="dk2"/>
-                </a:solidFill>
-                <a:latin typeface="Nunito"/>
-                <a:ea typeface="Nunito"/>
-                <a:cs typeface="Nunito"/>
-                <a:sym typeface="Nunito"/>
-              </a:defRPr>
-            </a:lvl6pPr>
-            <a:lvl7pPr marL="3200400" marR="0" lvl="6" indent="-279400" algn="l" rtl="0">
-              <a:lnSpc>
-                <a:spcPct val="115000"/>
-              </a:lnSpc>
-              <a:spcBef>
-                <a:spcPts val="1600"/>
-              </a:spcBef>
-              <a:spcAft>
-                <a:spcPts val="0"/>
-              </a:spcAft>
-              <a:buClr>
-                <a:schemeClr val="dk2"/>
-              </a:buClr>
-              <a:buSzPts val="800"/>
-              <a:buFont typeface="Nunito"/>
-              <a:buChar char="●"/>
-              <a:defRPr sz="800" b="0" i="0" u="none" strike="noStrike" cap="none">
-                <a:solidFill>
-                  <a:schemeClr val="dk2"/>
-                </a:solidFill>
-                <a:latin typeface="Nunito"/>
-                <a:ea typeface="Nunito"/>
-                <a:cs typeface="Nunito"/>
-                <a:sym typeface="Nunito"/>
-              </a:defRPr>
-            </a:lvl7pPr>
-            <a:lvl8pPr marL="3657600" marR="0" lvl="7" indent="-273050" algn="l" rtl="0">
-              <a:lnSpc>
-                <a:spcPct val="115000"/>
-              </a:lnSpc>
-              <a:spcBef>
-                <a:spcPts val="1600"/>
-              </a:spcBef>
-              <a:spcAft>
-                <a:spcPts val="0"/>
-              </a:spcAft>
-              <a:buClr>
-                <a:schemeClr val="dk2"/>
-              </a:buClr>
-              <a:buSzPts val="700"/>
-              <a:buFont typeface="Nunito"/>
-              <a:buChar char="○"/>
-              <a:defRPr sz="700" b="0" i="0" u="none" strike="noStrike" cap="none">
-                <a:solidFill>
-                  <a:schemeClr val="dk2"/>
-                </a:solidFill>
-                <a:latin typeface="Nunito"/>
-                <a:ea typeface="Nunito"/>
-                <a:cs typeface="Nunito"/>
-                <a:sym typeface="Nunito"/>
-              </a:defRPr>
-            </a:lvl8pPr>
-            <a:lvl9pPr marL="4114800" marR="0" lvl="8" indent="-266700" algn="l" rtl="0">
-              <a:lnSpc>
-                <a:spcPct val="115000"/>
-              </a:lnSpc>
-              <a:spcBef>
-                <a:spcPts val="1600"/>
-              </a:spcBef>
-              <a:spcAft>
-                <a:spcPts val="1600"/>
-              </a:spcAft>
-              <a:buClr>
-                <a:schemeClr val="dk2"/>
-              </a:buClr>
-              <a:buSzPts val="600"/>
-              <a:buFont typeface="Nunito"/>
-              <a:buChar char="■"/>
-              <a:defRPr sz="600" b="0" i="0" u="none" strike="noStrike" cap="none">
-                <a:solidFill>
-                  <a:schemeClr val="dk2"/>
-                </a:solidFill>
-                <a:latin typeface="Nunito"/>
-                <a:ea typeface="Nunito"/>
-                <a:cs typeface="Nunito"/>
-                <a:sym typeface="Nunito"/>
-              </a:defRPr>
-            </a:lvl9pPr>
-          </a:lstStyle>
-          <a:p>
-            <a:pPr algn="just">
-              <a:buFont typeface="Arial" panose="020B0604020202020204" pitchFamily="34" charset="0"/>
-              <a:buChar char="•"/>
-            </a:pPr>
-            <a:r>
-              <a:rPr lang="en-US" i="0" dirty="0">
-                <a:solidFill>
-                  <a:srgbClr val="000000"/>
-                </a:solidFill>
-                <a:effectLst/>
-                <a:latin typeface="Daytona" panose="020B0604030500040204" pitchFamily="34" charset="0"/>
-              </a:rPr>
-              <a:t>os column has 4unique values</a:t>
-            </a:r>
-          </a:p>
-          <a:p>
-            <a:pPr algn="just">
-              <a:buFont typeface="Arial" panose="020B0604020202020204" pitchFamily="34" charset="0"/>
-              <a:buChar char="•"/>
-            </a:pPr>
-            <a:r>
-              <a:rPr lang="en-US" i="0" dirty="0">
-                <a:solidFill>
-                  <a:srgbClr val="000000"/>
-                </a:solidFill>
-                <a:effectLst/>
-                <a:latin typeface="Daytona" panose="020B0604030500040204" pitchFamily="34" charset="0"/>
-              </a:rPr>
-              <a:t>4g and 5g have 2 unique values</a:t>
-            </a:r>
-          </a:p>
-          <a:p>
-            <a:pPr algn="just">
-              <a:buFont typeface="Arial" panose="020B0604020202020204" pitchFamily="34" charset="0"/>
-              <a:buChar char="•"/>
-            </a:pPr>
-            <a:r>
-              <a:rPr lang="en-US" i="0" dirty="0" err="1">
-                <a:solidFill>
-                  <a:srgbClr val="000000"/>
-                </a:solidFill>
-                <a:effectLst/>
-                <a:latin typeface="Daytona" panose="020B0604030500040204" pitchFamily="34" charset="0"/>
-              </a:rPr>
-              <a:t>brand_name</a:t>
-            </a:r>
-            <a:r>
-              <a:rPr lang="en-US" i="0" dirty="0">
-                <a:solidFill>
-                  <a:srgbClr val="000000"/>
-                </a:solidFill>
-                <a:effectLst/>
-                <a:latin typeface="Daytona" panose="020B0604030500040204" pitchFamily="34" charset="0"/>
-              </a:rPr>
-              <a:t> has 34 unique values</a:t>
-            </a:r>
-          </a:p>
-          <a:p>
-            <a:pPr algn="just">
-              <a:buFont typeface="Arial" panose="020B0604020202020204" pitchFamily="34" charset="0"/>
-              <a:buChar char="•"/>
-            </a:pPr>
-            <a:r>
-              <a:rPr lang="en-US" i="0" dirty="0" err="1">
-                <a:solidFill>
-                  <a:srgbClr val="000000"/>
-                </a:solidFill>
-                <a:effectLst/>
-                <a:latin typeface="Daytona" panose="020B0604030500040204" pitchFamily="34" charset="0"/>
-              </a:rPr>
-              <a:t>release_year</a:t>
-            </a:r>
-            <a:r>
-              <a:rPr lang="en-US" i="0" dirty="0">
-                <a:solidFill>
-                  <a:srgbClr val="000000"/>
-                </a:solidFill>
-                <a:effectLst/>
-                <a:latin typeface="Daytona" panose="020B0604030500040204" pitchFamily="34" charset="0"/>
-              </a:rPr>
-              <a:t> rang from 2015 to 2020</a:t>
-            </a:r>
-          </a:p>
-          <a:p>
-            <a:pPr algn="just">
-              <a:buFont typeface="Arial" panose="020B0604020202020204" pitchFamily="34" charset="0"/>
-              <a:buChar char="•"/>
-            </a:pPr>
-            <a:r>
-              <a:rPr lang="en-US" i="0" dirty="0">
-                <a:solidFill>
-                  <a:srgbClr val="000000"/>
-                </a:solidFill>
-                <a:effectLst/>
-                <a:latin typeface="Daytona" panose="020B0604030500040204" pitchFamily="34" charset="0"/>
-              </a:rPr>
-              <a:t>The average of </a:t>
-            </a:r>
-            <a:r>
-              <a:rPr lang="en-US" i="0" dirty="0" err="1">
-                <a:solidFill>
-                  <a:srgbClr val="000000"/>
-                </a:solidFill>
-                <a:effectLst/>
-                <a:latin typeface="Daytona" panose="020B0604030500040204" pitchFamily="34" charset="0"/>
-              </a:rPr>
-              <a:t>used_price</a:t>
-            </a:r>
-            <a:r>
-              <a:rPr lang="en-US" i="0" dirty="0">
-                <a:solidFill>
-                  <a:srgbClr val="000000"/>
-                </a:solidFill>
-                <a:effectLst/>
-                <a:latin typeface="Daytona" panose="020B0604030500040204" pitchFamily="34" charset="0"/>
-              </a:rPr>
-              <a:t> is 109.880 euro</a:t>
-            </a:r>
-            <a:endParaRPr lang="en-US" dirty="0">
-              <a:solidFill>
-                <a:srgbClr val="000000"/>
-              </a:solidFill>
-              <a:latin typeface="Daytona" panose="020B0604030500040204" pitchFamily="34" charset="0"/>
-              <a:ea typeface="Arial"/>
-              <a:cs typeface="Arial"/>
-              <a:sym typeface="Arial"/>
-            </a:endParaRPr>
-          </a:p>
-          <a:p>
-            <a:pPr indent="-317500" algn="just">
-              <a:spcBef>
-                <a:spcPts val="1000"/>
-              </a:spcBef>
-              <a:buClr>
-                <a:srgbClr val="000000"/>
-              </a:buClr>
-              <a:buSzPts val="1400"/>
-              <a:buFont typeface="Arial"/>
-              <a:buChar char="●"/>
-            </a:pPr>
-            <a:r>
-              <a:rPr lang="en-US" dirty="0">
-                <a:solidFill>
-                  <a:srgbClr val="000000"/>
-                </a:solidFill>
-                <a:latin typeface="Daytona" panose="020B0604030500040204" pitchFamily="34" charset="0"/>
-                <a:ea typeface="Arial"/>
-                <a:cs typeface="Arial"/>
-                <a:sym typeface="Arial"/>
-              </a:rPr>
-              <a:t>Columns </a:t>
-            </a:r>
-            <a:r>
-              <a:rPr lang="en-US" dirty="0" err="1">
-                <a:solidFill>
-                  <a:srgbClr val="000000"/>
-                </a:solidFill>
-                <a:latin typeface="Daytona" panose="020B0604030500040204" pitchFamily="34" charset="0"/>
-                <a:ea typeface="Arial"/>
-                <a:cs typeface="Arial"/>
-                <a:sym typeface="Arial"/>
-              </a:rPr>
-              <a:t>brand_name</a:t>
-            </a:r>
-            <a:r>
-              <a:rPr lang="en-US" dirty="0">
-                <a:solidFill>
-                  <a:srgbClr val="000000"/>
-                </a:solidFill>
-                <a:latin typeface="Daytona" panose="020B0604030500040204" pitchFamily="34" charset="0"/>
-                <a:ea typeface="Arial"/>
-                <a:cs typeface="Arial"/>
-                <a:sym typeface="Arial"/>
-              </a:rPr>
-              <a:t>, os, 4g and 5g need to be dummy variable.</a:t>
-            </a:r>
-          </a:p>
-          <a:p>
-            <a:pPr indent="-317500" algn="just">
-              <a:spcBef>
-                <a:spcPts val="1000"/>
-              </a:spcBef>
-              <a:buClr>
-                <a:srgbClr val="000000"/>
-              </a:buClr>
-              <a:buSzPts val="1400"/>
-              <a:buFont typeface="Arial"/>
-              <a:buChar char="●"/>
-            </a:pPr>
-            <a:r>
-              <a:rPr lang="en-US" dirty="0">
-                <a:solidFill>
-                  <a:srgbClr val="000000"/>
-                </a:solidFill>
-                <a:latin typeface="Daytona" panose="020B0604030500040204" pitchFamily="34" charset="0"/>
-                <a:ea typeface="Arial"/>
-                <a:cs typeface="Arial"/>
-                <a:sym typeface="Arial"/>
-              </a:rPr>
-              <a:t>Also, 4g and 5g have overlapping so, I tried to apply a feature engineering to have in a new column called "4_5g“ containing 3 possible values: 5g, 4g, and Other. </a:t>
-            </a:r>
-          </a:p>
-          <a:p>
-            <a:pPr indent="-317500" algn="just">
-              <a:spcBef>
-                <a:spcPts val="1000"/>
-              </a:spcBef>
-              <a:buClr>
-                <a:srgbClr val="000000"/>
-              </a:buClr>
-              <a:buSzPts val="1400"/>
-              <a:buFont typeface="Arial"/>
-              <a:buChar char="●"/>
-            </a:pPr>
-            <a:endParaRPr lang="en-US" sz="1400" dirty="0">
-              <a:solidFill>
-                <a:srgbClr val="000000"/>
-              </a:solidFill>
-              <a:latin typeface="Arial"/>
-              <a:ea typeface="Arial"/>
-              <a:cs typeface="Arial"/>
-              <a:sym typeface="Arial"/>
-            </a:endParaRPr>
-          </a:p>
-          <a:p>
-            <a:pPr indent="-317500">
-              <a:spcBef>
-                <a:spcPts val="1000"/>
-              </a:spcBef>
-              <a:buClr>
-                <a:srgbClr val="000000"/>
-              </a:buClr>
-              <a:buSzPts val="1400"/>
-              <a:buFont typeface="Arial"/>
-              <a:buChar char="●"/>
-            </a:pPr>
-            <a:endParaRPr lang="en-US" sz="1400" dirty="0">
-              <a:solidFill>
-                <a:srgbClr val="000000"/>
-              </a:solidFill>
-              <a:latin typeface="Arial"/>
-              <a:ea typeface="Arial"/>
-              <a:cs typeface="Arial"/>
-              <a:sym typeface="Arial"/>
-            </a:endParaRPr>
-          </a:p>
-        </p:txBody>
-      </p:sp>
-      <p:pic>
-        <p:nvPicPr>
-          <p:cNvPr id="11" name="Picture 10" descr="Table&#10;&#10;Description automatically generated">
-            <a:extLst>
-              <a:ext uri="{FF2B5EF4-FFF2-40B4-BE49-F238E27FC236}">
-                <a16:creationId xmlns:a16="http://schemas.microsoft.com/office/drawing/2014/main" id="{0F792575-CCC4-437F-B11D-2FC24B565232}"/>
-              </a:ext>
-            </a:extLst>
-          </p:cNvPr>
-          <p:cNvPicPr>
-            <a:picLocks noChangeAspect="1"/>
-          </p:cNvPicPr>
-          <p:nvPr/>
-        </p:nvPicPr>
-        <p:blipFill>
-          <a:blip r:embed="rId3"/>
-          <a:stretch>
-            <a:fillRect/>
-          </a:stretch>
-        </p:blipFill>
-        <p:spPr>
-          <a:xfrm>
-            <a:off x="305476" y="1984744"/>
-            <a:ext cx="4469152" cy="2928065"/>
-          </a:xfrm>
-          <a:prstGeom prst="rect">
-            <a:avLst/>
-          </a:prstGeom>
-        </p:spPr>
-      </p:pic>
-    </p:spTree>
-  </p:cSld>
-  <p:clrMapOvr>
-    <a:masterClrMapping/>
-  </p:clrMapOvr>
-</p:sld>
-</file>
-
-<file path=ppt/slides/slide5.xml><?xml version="1.0" encoding="utf-8"?>
-<p:sld xmlns:a="http://schemas.openxmlformats.org/drawingml/2006/main" xmlns:r="http://schemas.openxmlformats.org/officeDocument/2006/relationships" xmlns:p="http://schemas.openxmlformats.org/presentationml/2006/main">
-  <p:cSld>
-    <p:spTree>
-      <p:nvGrpSpPr>
-        <p:cNvPr id="1" name="Shape 78"/>
-        <p:cNvGrpSpPr/>
-        <p:nvPr/>
-      </p:nvGrpSpPr>
-      <p:grpSpPr>
-        <a:xfrm>
-          <a:off x="0" y="0"/>
-          <a:ext cx="0" cy="0"/>
-          <a:chOff x="0" y="0"/>
-          <a:chExt cx="0" cy="0"/>
-        </a:xfrm>
-      </p:grpSpPr>
-      <p:sp>
-        <p:nvSpPr>
-          <p:cNvPr id="79" name="Google Shape;79;p5"/>
-          <p:cNvSpPr txBox="1">
-            <a:spLocks noGrp="1"/>
-          </p:cNvSpPr>
-          <p:nvPr>
-            <p:ph type="title"/>
-          </p:nvPr>
-        </p:nvSpPr>
-        <p:spPr>
-          <a:xfrm>
-            <a:off x="422289" y="224460"/>
-            <a:ext cx="8520600" cy="572700"/>
-          </a:xfrm>
-          <a:prstGeom prst="rect">
-            <a:avLst/>
-          </a:prstGeom>
-          <a:noFill/>
-          <a:ln>
-            <a:noFill/>
-          </a:ln>
-        </p:spPr>
-        <p:txBody>
-          <a:bodyPr spcFirstLastPara="1" wrap="square" lIns="91425" tIns="91425" rIns="91425" bIns="91425" anchor="t" anchorCtr="0">
-            <a:noAutofit/>
-          </a:bodyPr>
-          <a:lstStyle/>
-          <a:p>
-            <a:pPr marL="0" lvl="0" indent="0" algn="l" rtl="0">
-              <a:lnSpc>
-                <a:spcPct val="100000"/>
-              </a:lnSpc>
-              <a:spcBef>
-                <a:spcPts val="0"/>
-              </a:spcBef>
-              <a:spcAft>
-                <a:spcPts val="0"/>
-              </a:spcAft>
-              <a:buSzPts val="2200"/>
-              <a:buNone/>
-            </a:pPr>
-            <a:r>
-              <a:rPr lang="en">
-                <a:solidFill>
-                  <a:srgbClr val="000000"/>
-                </a:solidFill>
-                <a:latin typeface="Arial"/>
-                <a:ea typeface="Arial"/>
-                <a:cs typeface="Arial"/>
-                <a:sym typeface="Arial"/>
-              </a:rPr>
-              <a:t>EDA</a:t>
-            </a:r>
-            <a:endParaRPr>
-              <a:solidFill>
-                <a:srgbClr val="000000"/>
-              </a:solidFill>
-              <a:latin typeface="Arial"/>
-              <a:ea typeface="Arial"/>
-              <a:cs typeface="Arial"/>
-              <a:sym typeface="Arial"/>
-            </a:endParaRPr>
-          </a:p>
-        </p:txBody>
-      </p:sp>
-      <p:pic>
-        <p:nvPicPr>
-          <p:cNvPr id="3" name="Picture 2" descr="Chart&#10;&#10;Description automatically generated">
-            <a:extLst>
-              <a:ext uri="{FF2B5EF4-FFF2-40B4-BE49-F238E27FC236}">
-                <a16:creationId xmlns:a16="http://schemas.microsoft.com/office/drawing/2014/main" id="{985F582B-1265-4A0E-BF1C-2FEA1B86D227}"/>
-              </a:ext>
-            </a:extLst>
-          </p:cNvPr>
-          <p:cNvPicPr>
-            <a:picLocks noChangeAspect="1"/>
-          </p:cNvPicPr>
-          <p:nvPr/>
-        </p:nvPicPr>
-        <p:blipFill>
-          <a:blip r:embed="rId3"/>
-          <a:stretch>
-            <a:fillRect/>
-          </a:stretch>
-        </p:blipFill>
-        <p:spPr>
-          <a:xfrm>
-            <a:off x="3983744" y="1296052"/>
-            <a:ext cx="4929678" cy="3545305"/>
-          </a:xfrm>
-          <a:prstGeom prst="rect">
-            <a:avLst/>
-          </a:prstGeom>
-        </p:spPr>
-      </p:pic>
-      <p:sp>
-        <p:nvSpPr>
-          <p:cNvPr id="5" name="Text Placeholder 4">
-            <a:extLst>
-              <a:ext uri="{FF2B5EF4-FFF2-40B4-BE49-F238E27FC236}">
-                <a16:creationId xmlns:a16="http://schemas.microsoft.com/office/drawing/2014/main" id="{76B0D293-BE79-4BA8-9A24-ED4142EFB09F}"/>
-              </a:ext>
-            </a:extLst>
-          </p:cNvPr>
-          <p:cNvSpPr>
-            <a:spLocks noGrp="1"/>
-          </p:cNvSpPr>
-          <p:nvPr>
-            <p:ph type="body" idx="1"/>
-          </p:nvPr>
-        </p:nvSpPr>
-        <p:spPr>
-          <a:xfrm>
-            <a:off x="230578" y="1796620"/>
-            <a:ext cx="3100631" cy="3771615"/>
-          </a:xfrm>
-        </p:spPr>
-        <p:txBody>
-          <a:bodyPr/>
-          <a:lstStyle/>
-          <a:p>
-            <a:pPr algn="just"/>
-            <a:r>
-              <a:rPr lang="en-US" dirty="0" err="1"/>
-              <a:t>Used_price</a:t>
-            </a:r>
-            <a:r>
-              <a:rPr lang="en-US" dirty="0"/>
-              <a:t> and </a:t>
-            </a:r>
-            <a:r>
-              <a:rPr lang="en-US" dirty="0" err="1"/>
-              <a:t>new_price</a:t>
-            </a:r>
-            <a:r>
-              <a:rPr lang="en-US" dirty="0"/>
-              <a:t> are highly skewed to the right so, I used log transformation to make their shape better and look like a normal distribution.</a:t>
-            </a:r>
-          </a:p>
-        </p:txBody>
-      </p:sp>
-    </p:spTree>
-  </p:cSld>
-  <p:clrMapOvr>
-    <a:masterClrMapping/>
-  </p:clrMapOvr>
-</p:sld>
-</file>
-
-<file path=ppt/slides/slide6.xml><?xml version="1.0" encoding="utf-8"?>
-<p:sld xmlns:a="http://schemas.openxmlformats.org/drawingml/2006/main" xmlns:r="http://schemas.openxmlformats.org/officeDocument/2006/relationships" xmlns:p="http://schemas.openxmlformats.org/presentationml/2006/main">
-  <p:cSld>
-    <p:spTree>
-      <p:nvGrpSpPr>
-        <p:cNvPr id="1" name=""/>
-        <p:cNvGrpSpPr/>
-        <p:nvPr/>
-      </p:nvGrpSpPr>
-      <p:grpSpPr>
-        <a:xfrm>
-          <a:off x="0" y="0"/>
-          <a:ext cx="0" cy="0"/>
-          <a:chOff x="0" y="0"/>
-          <a:chExt cx="0" cy="0"/>
-        </a:xfrm>
-      </p:grpSpPr>
-      <p:sp>
-        <p:nvSpPr>
-          <p:cNvPr id="2" name="Title 1">
-            <a:extLst>
-              <a:ext uri="{FF2B5EF4-FFF2-40B4-BE49-F238E27FC236}">
-                <a16:creationId xmlns:a16="http://schemas.microsoft.com/office/drawing/2014/main" id="{D1DAE2FD-164B-4CBF-AFEB-370349164666}"/>
-              </a:ext>
-            </a:extLst>
-          </p:cNvPr>
-          <p:cNvSpPr>
-            <a:spLocks noGrp="1"/>
-          </p:cNvSpPr>
-          <p:nvPr>
-            <p:ph type="title"/>
-          </p:nvPr>
-        </p:nvSpPr>
-        <p:spPr/>
-        <p:txBody>
-          <a:bodyPr/>
-          <a:lstStyle/>
-          <a:p>
-            <a:r>
-              <a:rPr lang="en-US" dirty="0"/>
-              <a:t>EDA</a:t>
-            </a:r>
-          </a:p>
-        </p:txBody>
-      </p:sp>
-      <p:sp>
-        <p:nvSpPr>
-          <p:cNvPr id="3" name="Text Placeholder 2">
-            <a:extLst>
-              <a:ext uri="{FF2B5EF4-FFF2-40B4-BE49-F238E27FC236}">
-                <a16:creationId xmlns:a16="http://schemas.microsoft.com/office/drawing/2014/main" id="{EA5EBD7F-4883-41C5-8FD6-F9ECD1AECC19}"/>
-              </a:ext>
-            </a:extLst>
-          </p:cNvPr>
-          <p:cNvSpPr>
-            <a:spLocks noGrp="1"/>
-          </p:cNvSpPr>
-          <p:nvPr>
-            <p:ph type="body" idx="1"/>
-          </p:nvPr>
-        </p:nvSpPr>
-        <p:spPr>
-          <a:xfrm>
-            <a:off x="311701" y="1152475"/>
-            <a:ext cx="2552002" cy="3416400"/>
-          </a:xfrm>
-        </p:spPr>
-        <p:txBody>
-          <a:bodyPr/>
-          <a:lstStyle/>
-          <a:p>
-            <a:pPr algn="just"/>
-            <a:r>
-              <a:rPr lang="en-US" dirty="0">
-                <a:latin typeface="Daytona" panose="020B0604030500040204" pitchFamily="34" charset="0"/>
-              </a:rPr>
-              <a:t>As I said before </a:t>
-            </a:r>
-            <a:r>
-              <a:rPr lang="en-US" dirty="0" err="1">
-                <a:latin typeface="Daytona" panose="020B0604030500040204" pitchFamily="34" charset="0"/>
-              </a:rPr>
-              <a:t>new_price</a:t>
-            </a:r>
-            <a:r>
-              <a:rPr lang="en-US" dirty="0">
-                <a:latin typeface="Daytona" panose="020B0604030500040204" pitchFamily="34" charset="0"/>
-              </a:rPr>
-              <a:t> is highly skewed to the right </a:t>
-            </a:r>
-          </a:p>
-          <a:p>
-            <a:pPr algn="just"/>
-            <a:endParaRPr lang="en-US" dirty="0">
-              <a:latin typeface="Daytona" panose="020B0604030500040204" pitchFamily="34" charset="0"/>
-            </a:endParaRPr>
-          </a:p>
-          <a:p>
-            <a:pPr algn="just"/>
-            <a:r>
-              <a:rPr lang="en-US" dirty="0">
-                <a:latin typeface="Daytona" panose="020B0604030500040204" pitchFamily="34" charset="0"/>
-              </a:rPr>
-              <a:t>This plot is about distribution of  this column before log transformation.</a:t>
-            </a:r>
-          </a:p>
-        </p:txBody>
-      </p:sp>
-      <p:pic>
-        <p:nvPicPr>
-          <p:cNvPr id="6" name="Picture 5" descr="Chart, histogram&#10;&#10;Description automatically generated">
-            <a:extLst>
-              <a:ext uri="{FF2B5EF4-FFF2-40B4-BE49-F238E27FC236}">
-                <a16:creationId xmlns:a16="http://schemas.microsoft.com/office/drawing/2014/main" id="{137C3D3C-C17C-49F4-9C68-4B99270D0826}"/>
-              </a:ext>
-            </a:extLst>
-          </p:cNvPr>
-          <p:cNvPicPr>
-            <a:picLocks noChangeAspect="1"/>
-          </p:cNvPicPr>
-          <p:nvPr/>
-        </p:nvPicPr>
-        <p:blipFill>
-          <a:blip r:embed="rId2"/>
-          <a:stretch>
-            <a:fillRect/>
-          </a:stretch>
-        </p:blipFill>
-        <p:spPr>
-          <a:xfrm>
-            <a:off x="3468627" y="935135"/>
-            <a:ext cx="5576136" cy="3851079"/>
-          </a:xfrm>
-          <a:prstGeom prst="rect">
-            <a:avLst/>
-          </a:prstGeom>
-        </p:spPr>
-      </p:pic>
-    </p:spTree>
-    <p:extLst>
-      <p:ext uri="{BB962C8B-B14F-4D97-AF65-F5344CB8AC3E}">
-        <p14:creationId xmlns:p14="http://schemas.microsoft.com/office/powerpoint/2010/main" val="2531763831"/>
-      </p:ext>
-    </p:extLst>
-  </p:cSld>
-  <p:clrMapOvr>
-    <a:masterClrMapping/>
-  </p:clrMapOvr>
-</p:sld>
-</file>
-
-<file path=ppt/slides/slide7.xml><?xml version="1.0" encoding="utf-8"?>
-<p:sld xmlns:a="http://schemas.openxmlformats.org/drawingml/2006/main" xmlns:r="http://schemas.openxmlformats.org/officeDocument/2006/relationships" xmlns:p="http://schemas.openxmlformats.org/presentationml/2006/main">
-  <p:cSld>
-    <p:spTree>
-      <p:nvGrpSpPr>
-        <p:cNvPr id="1" name=""/>
-        <p:cNvGrpSpPr/>
-        <p:nvPr/>
-      </p:nvGrpSpPr>
-      <p:grpSpPr>
-        <a:xfrm>
-          <a:off x="0" y="0"/>
-          <a:ext cx="0" cy="0"/>
-          <a:chOff x="0" y="0"/>
-          <a:chExt cx="0" cy="0"/>
-        </a:xfrm>
-      </p:grpSpPr>
-      <p:sp>
-        <p:nvSpPr>
-          <p:cNvPr id="2" name="Title 1">
-            <a:extLst>
-              <a:ext uri="{FF2B5EF4-FFF2-40B4-BE49-F238E27FC236}">
-                <a16:creationId xmlns:a16="http://schemas.microsoft.com/office/drawing/2014/main" id="{2E8FF87E-8ABF-4313-BB59-C09D4BA52FF9}"/>
-              </a:ext>
-            </a:extLst>
-          </p:cNvPr>
-          <p:cNvSpPr>
-            <a:spLocks noGrp="1"/>
-          </p:cNvSpPr>
-          <p:nvPr>
-            <p:ph type="title"/>
-          </p:nvPr>
-        </p:nvSpPr>
-        <p:spPr/>
-        <p:txBody>
-          <a:bodyPr/>
-          <a:lstStyle/>
-          <a:p>
-            <a:r>
-              <a:rPr lang="en-US" dirty="0"/>
-              <a:t>EDA</a:t>
-            </a:r>
-          </a:p>
-        </p:txBody>
-      </p:sp>
-      <p:sp>
-        <p:nvSpPr>
-          <p:cNvPr id="3" name="Text Placeholder 2">
-            <a:extLst>
-              <a:ext uri="{FF2B5EF4-FFF2-40B4-BE49-F238E27FC236}">
-                <a16:creationId xmlns:a16="http://schemas.microsoft.com/office/drawing/2014/main" id="{B61E4B02-0F45-42A0-A0D0-7E73BFD86F13}"/>
-              </a:ext>
-            </a:extLst>
-          </p:cNvPr>
-          <p:cNvSpPr>
-            <a:spLocks noGrp="1"/>
-          </p:cNvSpPr>
-          <p:nvPr>
-            <p:ph type="body" idx="1"/>
-          </p:nvPr>
-        </p:nvSpPr>
-        <p:spPr>
-          <a:xfrm>
-            <a:off x="0" y="1149545"/>
-            <a:ext cx="2941673" cy="3416400"/>
-          </a:xfrm>
-        </p:spPr>
-        <p:txBody>
-          <a:bodyPr/>
-          <a:lstStyle/>
-          <a:p>
-            <a:pPr algn="just"/>
-            <a:r>
-              <a:rPr lang="en-US" dirty="0">
-                <a:latin typeface="Daytona" panose="020B0604030500040204" pitchFamily="34" charset="0"/>
-              </a:rPr>
-              <a:t>Distribution of columns </a:t>
-            </a:r>
-            <a:r>
-              <a:rPr lang="en-US" dirty="0" err="1">
-                <a:latin typeface="Daytona" panose="020B0604030500040204" pitchFamily="34" charset="0"/>
-              </a:rPr>
-              <a:t>new_price</a:t>
-            </a:r>
-            <a:r>
-              <a:rPr lang="en-US" dirty="0">
-                <a:latin typeface="Daytona" panose="020B0604030500040204" pitchFamily="34" charset="0"/>
-              </a:rPr>
-              <a:t> and </a:t>
-            </a:r>
-            <a:r>
-              <a:rPr lang="en-US" dirty="0" err="1">
-                <a:latin typeface="Daytona" panose="020B0604030500040204" pitchFamily="34" charset="0"/>
-              </a:rPr>
-              <a:t>used_price</a:t>
-            </a:r>
-            <a:r>
-              <a:rPr lang="en-US" dirty="0">
-                <a:latin typeface="Daytona" panose="020B0604030500040204" pitchFamily="34" charset="0"/>
-              </a:rPr>
-              <a:t> after log transformation</a:t>
-            </a:r>
-          </a:p>
-          <a:p>
-            <a:pPr algn="just"/>
-            <a:r>
-              <a:rPr lang="en-US" dirty="0">
-                <a:latin typeface="Daytona" panose="020B0604030500040204" pitchFamily="34" charset="0"/>
-              </a:rPr>
-              <a:t>it seems that Log transformation is helpful in reducing the skewness. the blue one is related to </a:t>
-            </a:r>
-            <a:r>
-              <a:rPr lang="en-US" dirty="0" err="1">
-                <a:latin typeface="Daytona" panose="020B0604030500040204" pitchFamily="34" charset="0"/>
-              </a:rPr>
-              <a:t>new_price</a:t>
-            </a:r>
-            <a:r>
-              <a:rPr lang="en-US" dirty="0">
-                <a:latin typeface="Daytona" panose="020B0604030500040204" pitchFamily="34" charset="0"/>
-              </a:rPr>
-              <a:t> and yellow is related to used_price. </a:t>
-            </a:r>
-          </a:p>
-        </p:txBody>
-      </p:sp>
-      <p:pic>
-        <p:nvPicPr>
-          <p:cNvPr id="6" name="Picture 5" descr="Chart, histogram&#10;&#10;Description automatically generated">
-            <a:extLst>
-              <a:ext uri="{FF2B5EF4-FFF2-40B4-BE49-F238E27FC236}">
-                <a16:creationId xmlns:a16="http://schemas.microsoft.com/office/drawing/2014/main" id="{FFDF997E-2C70-453A-875C-D16E1DF83CE9}"/>
-              </a:ext>
-            </a:extLst>
-          </p:cNvPr>
-          <p:cNvPicPr>
-            <a:picLocks noChangeAspect="1"/>
-          </p:cNvPicPr>
-          <p:nvPr/>
-        </p:nvPicPr>
-        <p:blipFill>
-          <a:blip r:embed="rId2"/>
-          <a:stretch>
-            <a:fillRect/>
-          </a:stretch>
-        </p:blipFill>
-        <p:spPr>
-          <a:xfrm>
-            <a:off x="2941673" y="1152475"/>
-            <a:ext cx="6121140" cy="3778444"/>
-          </a:xfrm>
-          <a:prstGeom prst="rect">
-            <a:avLst/>
-          </a:prstGeom>
-        </p:spPr>
-      </p:pic>
-    </p:spTree>
-    <p:extLst>
-      <p:ext uri="{BB962C8B-B14F-4D97-AF65-F5344CB8AC3E}">
-        <p14:creationId xmlns:p14="http://schemas.microsoft.com/office/powerpoint/2010/main" val="2219742238"/>
-      </p:ext>
-    </p:extLst>
-  </p:cSld>
-  <p:clrMapOvr>
-    <a:masterClrMapping/>
-  </p:clrMapOvr>
-</p:sld>
-</file>
-
-<file path=ppt/slides/slide8.xml><?xml version="1.0" encoding="utf-8"?>
-<p:sld xmlns:a="http://schemas.openxmlformats.org/drawingml/2006/main" xmlns:r="http://schemas.openxmlformats.org/officeDocument/2006/relationships" xmlns:p="http://schemas.openxmlformats.org/presentationml/2006/main">
-  <p:cSld>
-    <p:spTree>
-      <p:nvGrpSpPr>
-        <p:cNvPr id="1" name=""/>
-        <p:cNvGrpSpPr/>
-        <p:nvPr/>
-      </p:nvGrpSpPr>
-      <p:grpSpPr>
-        <a:xfrm>
-          <a:off x="0" y="0"/>
-          <a:ext cx="0" cy="0"/>
-          <a:chOff x="0" y="0"/>
-          <a:chExt cx="0" cy="0"/>
-        </a:xfrm>
-      </p:grpSpPr>
-      <p:sp>
-        <p:nvSpPr>
-          <p:cNvPr id="2" name="Title 1">
-            <a:extLst>
-              <a:ext uri="{FF2B5EF4-FFF2-40B4-BE49-F238E27FC236}">
-                <a16:creationId xmlns:a16="http://schemas.microsoft.com/office/drawing/2014/main" id="{D2B06055-4CB3-4797-ACF4-C6F0890DA653}"/>
-              </a:ext>
-            </a:extLst>
-          </p:cNvPr>
-          <p:cNvSpPr>
-            <a:spLocks noGrp="1"/>
-          </p:cNvSpPr>
-          <p:nvPr>
-            <p:ph type="title"/>
-          </p:nvPr>
-        </p:nvSpPr>
-        <p:spPr/>
-        <p:txBody>
-          <a:bodyPr/>
-          <a:lstStyle/>
-          <a:p>
-            <a:r>
-              <a:rPr lang="en-US" dirty="0"/>
-              <a:t>EDA</a:t>
-            </a:r>
-          </a:p>
-        </p:txBody>
-      </p:sp>
-      <p:sp>
-        <p:nvSpPr>
-          <p:cNvPr id="3" name="Text Placeholder 2">
-            <a:extLst>
-              <a:ext uri="{FF2B5EF4-FFF2-40B4-BE49-F238E27FC236}">
-                <a16:creationId xmlns:a16="http://schemas.microsoft.com/office/drawing/2014/main" id="{341B0D8A-255C-40DB-AC9C-C43D295CDB66}"/>
-              </a:ext>
-            </a:extLst>
-          </p:cNvPr>
-          <p:cNvSpPr>
-            <a:spLocks noGrp="1"/>
-          </p:cNvSpPr>
-          <p:nvPr>
-            <p:ph type="body" idx="1"/>
-          </p:nvPr>
-        </p:nvSpPr>
-        <p:spPr>
-          <a:xfrm>
-            <a:off x="311700" y="1750828"/>
-            <a:ext cx="3758512" cy="2818047"/>
-          </a:xfrm>
-        </p:spPr>
-        <p:txBody>
-          <a:bodyPr/>
-          <a:lstStyle/>
-          <a:p>
-            <a:r>
-              <a:rPr lang="en-US" dirty="0">
-                <a:latin typeface="Daytona" panose="020B0604030500040204" pitchFamily="34" charset="0"/>
-              </a:rPr>
-              <a:t>it seems that heavy cell phones have a bigger screen, and a bigger screen does affect the price.</a:t>
-            </a:r>
-          </a:p>
-          <a:p>
-            <a:r>
-              <a:rPr lang="en-US" dirty="0">
-                <a:latin typeface="Daytona" panose="020B0604030500040204" pitchFamily="34" charset="0"/>
-              </a:rPr>
-              <a:t>Android is much than other [os] which is showing very good in this plot.</a:t>
-            </a:r>
-          </a:p>
-        </p:txBody>
-      </p:sp>
-      <p:pic>
-        <p:nvPicPr>
-          <p:cNvPr id="6" name="Picture 5" descr="Chart, scatter chart, bubble chart&#10;&#10;Description automatically generated">
-            <a:extLst>
-              <a:ext uri="{FF2B5EF4-FFF2-40B4-BE49-F238E27FC236}">
-                <a16:creationId xmlns:a16="http://schemas.microsoft.com/office/drawing/2014/main" id="{47AFE90C-A51E-4200-A3F3-C6FADA00FF1E}"/>
-              </a:ext>
-            </a:extLst>
-          </p:cNvPr>
-          <p:cNvPicPr>
-            <a:picLocks noChangeAspect="1"/>
-          </p:cNvPicPr>
-          <p:nvPr/>
-        </p:nvPicPr>
-        <p:blipFill>
-          <a:blip r:embed="rId2"/>
-          <a:stretch>
-            <a:fillRect/>
-          </a:stretch>
-        </p:blipFill>
-        <p:spPr>
-          <a:xfrm>
-            <a:off x="4070212" y="698415"/>
-            <a:ext cx="5073788" cy="4324519"/>
-          </a:xfrm>
-          <a:prstGeom prst="rect">
-            <a:avLst/>
-          </a:prstGeom>
-        </p:spPr>
-      </p:pic>
-    </p:spTree>
-    <p:extLst>
-      <p:ext uri="{BB962C8B-B14F-4D97-AF65-F5344CB8AC3E}">
-        <p14:creationId xmlns:p14="http://schemas.microsoft.com/office/powerpoint/2010/main" val="2910335185"/>
-      </p:ext>
-    </p:extLst>
-  </p:cSld>
-  <p:clrMapOvr>
-    <a:masterClrMapping/>
-  </p:clrMapOvr>
-</p:sld>
-</file>
-
-<file path=ppt/slides/slide9.xml><?xml version="1.0" encoding="utf-8"?>
-<p:sld xmlns:a="http://schemas.openxmlformats.org/drawingml/2006/main" xmlns:r="http://schemas.openxmlformats.org/officeDocument/2006/relationships" xmlns:p="http://schemas.openxmlformats.org/presentationml/2006/main">
-  <p:cSld>
-    <p:spTree>
-      <p:nvGrpSpPr>
-        <p:cNvPr id="1" name=""/>
-        <p:cNvGrpSpPr/>
-        <p:nvPr/>
-      </p:nvGrpSpPr>
-      <p:grpSpPr>
-        <a:xfrm>
-          <a:off x="0" y="0"/>
-          <a:ext cx="0" cy="0"/>
-          <a:chOff x="0" y="0"/>
-          <a:chExt cx="0" cy="0"/>
-        </a:xfrm>
-      </p:grpSpPr>
-      <p:sp>
-        <p:nvSpPr>
-          <p:cNvPr id="2" name="Title 1">
-            <a:extLst>
-              <a:ext uri="{FF2B5EF4-FFF2-40B4-BE49-F238E27FC236}">
-                <a16:creationId xmlns:a16="http://schemas.microsoft.com/office/drawing/2014/main" id="{1903D45B-7DFB-4DFE-B674-525F7766D0D4}"/>
-              </a:ext>
-            </a:extLst>
-          </p:cNvPr>
-          <p:cNvSpPr>
-            <a:spLocks noGrp="1"/>
-          </p:cNvSpPr>
-          <p:nvPr>
-            <p:ph type="title"/>
-          </p:nvPr>
-        </p:nvSpPr>
-        <p:spPr/>
-        <p:txBody>
-          <a:bodyPr/>
-          <a:lstStyle/>
-          <a:p>
-            <a:r>
-              <a:rPr lang="en-US" dirty="0"/>
-              <a:t>EDA</a:t>
-            </a:r>
-          </a:p>
-        </p:txBody>
-      </p:sp>
-      <p:sp>
-        <p:nvSpPr>
-          <p:cNvPr id="3" name="Text Placeholder 2">
-            <a:extLst>
-              <a:ext uri="{FF2B5EF4-FFF2-40B4-BE49-F238E27FC236}">
-                <a16:creationId xmlns:a16="http://schemas.microsoft.com/office/drawing/2014/main" id="{0DDB0A30-F4F4-4174-9043-9DD9CB010CEA}"/>
-              </a:ext>
-            </a:extLst>
-          </p:cNvPr>
-          <p:cNvSpPr>
-            <a:spLocks noGrp="1"/>
-          </p:cNvSpPr>
-          <p:nvPr>
-            <p:ph type="body" idx="1"/>
-          </p:nvPr>
-        </p:nvSpPr>
-        <p:spPr>
-          <a:xfrm>
-            <a:off x="311700" y="1152475"/>
-            <a:ext cx="3140337" cy="3416400"/>
-          </a:xfrm>
-        </p:spPr>
-        <p:txBody>
-          <a:bodyPr/>
-          <a:lstStyle/>
-          <a:p>
-            <a:pPr algn="just"/>
-            <a:r>
-              <a:rPr lang="en-US" dirty="0"/>
-              <a:t>The price of </a:t>
-            </a:r>
-            <a:r>
-              <a:rPr lang="en-US" dirty="0" err="1"/>
-              <a:t>ios</a:t>
-            </a:r>
-            <a:r>
-              <a:rPr lang="en-US" dirty="0"/>
-              <a:t> and Android were going up till 2019 but then </a:t>
-            </a:r>
-            <a:r>
-              <a:rPr lang="en-US" dirty="0" err="1"/>
-              <a:t>ios</a:t>
-            </a:r>
-            <a:r>
-              <a:rPr lang="en-US" dirty="0"/>
-              <a:t> is coming down. Also, the Others [os] are going up.</a:t>
-            </a:r>
-          </a:p>
-          <a:p>
-            <a:pPr algn="just"/>
-            <a:r>
-              <a:rPr lang="en-US" dirty="0"/>
-              <a:t> Windows stop producing in 2016. </a:t>
-            </a:r>
-          </a:p>
-          <a:p>
-            <a:pPr algn="just"/>
-            <a:r>
-              <a:rPr lang="en-US" dirty="0"/>
-              <a:t>Totally it is acceptable that the recently released cell phone has a price higher than the old released.</a:t>
-            </a:r>
-          </a:p>
-        </p:txBody>
-      </p:sp>
-      <p:pic>
-        <p:nvPicPr>
-          <p:cNvPr id="6" name="Picture 5" descr="Chart, line chart&#10;&#10;Description automatically generated">
-            <a:extLst>
-              <a:ext uri="{FF2B5EF4-FFF2-40B4-BE49-F238E27FC236}">
-                <a16:creationId xmlns:a16="http://schemas.microsoft.com/office/drawing/2014/main" id="{F4593B0B-30A9-484B-ACB7-3E140F6BAD5E}"/>
-              </a:ext>
-            </a:extLst>
-          </p:cNvPr>
-          <p:cNvPicPr>
-            <a:picLocks noChangeAspect="1"/>
-          </p:cNvPicPr>
-          <p:nvPr/>
-        </p:nvPicPr>
-        <p:blipFill>
-          <a:blip r:embed="rId2"/>
-          <a:stretch>
-            <a:fillRect/>
-          </a:stretch>
-        </p:blipFill>
-        <p:spPr>
-          <a:xfrm>
-            <a:off x="3979740" y="1095901"/>
-            <a:ext cx="5072111" cy="3472974"/>
-          </a:xfrm>
-          <a:prstGeom prst="rect">
-            <a:avLst/>
-          </a:prstGeom>
-        </p:spPr>
-      </p:pic>
-    </p:spTree>
-    <p:extLst>
-      <p:ext uri="{BB962C8B-B14F-4D97-AF65-F5344CB8AC3E}">
-        <p14:creationId xmlns:p14="http://schemas.microsoft.com/office/powerpoint/2010/main" val="2738480363"/>
       </p:ext>
     </p:extLst>
   </p:cSld>
